--- a/material/berkeley-cs-162-2018-fall/lec19 - file system, mmap.pptx
+++ b/material/berkeley-cs-162-2018-fall/lec19 - file system, mmap.pptx
@@ -248,14 +248,14 @@
           <a:effectLst/>
           <a:extLst>
             <a:ext uri="{909E8E84-426E-40dd-AFC4-6F175D3DCCD1}">
-              <a14:hiddenFill xmlns:a14="http://schemas.microsoft.com/office/drawing/2010/main" xmlns="">
+              <a14:hiddenFill xmlns="" xmlns:a14="http://schemas.microsoft.com/office/drawing/2010/main">
                 <a:solidFill>
                   <a:schemeClr val="bg1"/>
                 </a:solidFill>
               </a14:hiddenFill>
             </a:ext>
             <a:ext uri="{91240B29-F687-4f45-9708-019B960494DF}">
-              <a14:hiddenLine xmlns:a14="http://schemas.microsoft.com/office/drawing/2010/main" xmlns="" w="12700">
+              <a14:hiddenLine xmlns="" xmlns:a14="http://schemas.microsoft.com/office/drawing/2010/main" w="12700">
                 <a:pattFill prst="narHorz">
                   <a:fgClr>
                     <a:schemeClr val="tx1"/>
@@ -270,7 +270,7 @@
               </a14:hiddenLine>
             </a:ext>
             <a:ext uri="{AF507438-7753-43e0-B8FC-AC1667EBCBE1}">
-              <a14:hiddenEffects xmlns:a14="http://schemas.microsoft.com/office/drawing/2010/main" xmlns="">
+              <a14:hiddenEffects xmlns="" xmlns:a14="http://schemas.microsoft.com/office/drawing/2010/main">
                 <a:effectLst>
                   <a:outerShdw dist="35921" dir="2700000" algn="ctr" rotWithShape="0">
                     <a:schemeClr val="bg2"/>
@@ -464,14 +464,14 @@
           <a:effectLst/>
           <a:extLst>
             <a:ext uri="{909E8E84-426E-40dd-AFC4-6F175D3DCCD1}">
-              <a14:hiddenFill xmlns:a14="http://schemas.microsoft.com/office/drawing/2010/main" xmlns="">
+              <a14:hiddenFill xmlns="" xmlns:a14="http://schemas.microsoft.com/office/drawing/2010/main">
                 <a:solidFill>
                   <a:schemeClr val="bg1"/>
                 </a:solidFill>
               </a14:hiddenFill>
             </a:ext>
             <a:ext uri="{91240B29-F687-4f45-9708-019B960494DF}">
-              <a14:hiddenLine xmlns:a14="http://schemas.microsoft.com/office/drawing/2010/main" xmlns="" w="12700">
+              <a14:hiddenLine xmlns="" xmlns:a14="http://schemas.microsoft.com/office/drawing/2010/main" w="12700">
                 <a:pattFill prst="narHorz">
                   <a:fgClr>
                     <a:schemeClr val="tx1"/>
@@ -486,7 +486,7 @@
               </a14:hiddenLine>
             </a:ext>
             <a:ext uri="{AF507438-7753-43e0-B8FC-AC1667EBCBE1}">
-              <a14:hiddenEffects xmlns:a14="http://schemas.microsoft.com/office/drawing/2010/main" xmlns="">
+              <a14:hiddenEffects xmlns="" xmlns:a14="http://schemas.microsoft.com/office/drawing/2010/main">
                 <a:effectLst>
                   <a:outerShdw dist="35921" dir="2700000" algn="ctr" rotWithShape="0">
                     <a:schemeClr val="bg2"/>
@@ -651,14 +651,14 @@
           <a:effectLst/>
           <a:extLst>
             <a:ext uri="{909E8E84-426E-40dd-AFC4-6F175D3DCCD1}">
-              <a14:hiddenFill xmlns:a14="http://schemas.microsoft.com/office/drawing/2010/main" xmlns="">
+              <a14:hiddenFill xmlns="" xmlns:a14="http://schemas.microsoft.com/office/drawing/2010/main">
                 <a:solidFill>
                   <a:srgbClr val="FFFFFF"/>
                 </a:solidFill>
               </a14:hiddenFill>
             </a:ext>
             <a:ext uri="{AF507438-7753-43e0-B8FC-AC1667EBCBE1}">
-              <a14:hiddenEffects xmlns:a14="http://schemas.microsoft.com/office/drawing/2010/main" xmlns="">
+              <a14:hiddenEffects xmlns="" xmlns:a14="http://schemas.microsoft.com/office/drawing/2010/main">
                 <a:effectLst>
                   <a:outerShdw dist="35921" dir="2700000" algn="ctr" rotWithShape="0">
                     <a:srgbClr val="808080"/>
@@ -667,7 +667,7 @@
               </a14:hiddenEffects>
             </a:ext>
             <a:ext uri="{53640926-AAD7-44d8-BBD7-CCE9431645EC}">
-              <a14:shadowObscured xmlns:a14="http://schemas.microsoft.com/office/drawing/2010/main" xmlns="" val="1"/>
+              <a14:shadowObscured xmlns="" xmlns:a14="http://schemas.microsoft.com/office/drawing/2010/main" val="1"/>
             </a:ext>
           </a:extLst>
         </p:spPr>
@@ -697,14 +697,14 @@
           <a:effectLst/>
           <a:extLst>
             <a:ext uri="{909E8E84-426E-40dd-AFC4-6F175D3DCCD1}">
-              <a14:hiddenFill xmlns:a14="http://schemas.microsoft.com/office/drawing/2010/main" xmlns="">
+              <a14:hiddenFill xmlns="" xmlns:a14="http://schemas.microsoft.com/office/drawing/2010/main">
                 <a:solidFill>
                   <a:schemeClr val="bg1"/>
                 </a:solidFill>
               </a14:hiddenFill>
             </a:ext>
             <a:ext uri="{91240B29-F687-4f45-9708-019B960494DF}">
-              <a14:hiddenLine xmlns:a14="http://schemas.microsoft.com/office/drawing/2010/main" xmlns="" w="12700">
+              <a14:hiddenLine xmlns="" xmlns:a14="http://schemas.microsoft.com/office/drawing/2010/main" w="12700">
                 <a:pattFill prst="narHorz">
                   <a:fgClr>
                     <a:schemeClr val="tx1"/>
@@ -719,7 +719,7 @@
               </a14:hiddenLine>
             </a:ext>
             <a:ext uri="{AF507438-7753-43e0-B8FC-AC1667EBCBE1}">
-              <a14:hiddenEffects xmlns:a14="http://schemas.microsoft.com/office/drawing/2010/main" xmlns="">
+              <a14:hiddenEffects xmlns="" xmlns:a14="http://schemas.microsoft.com/office/drawing/2010/main">
                 <a:effectLst>
                   <a:outerShdw dist="35921" dir="2700000" algn="ctr" rotWithShape="0">
                     <a:schemeClr val="bg2"/>
@@ -739,35 +739,35 @@
           <a:p>
             <a:pPr lvl="0"/>
             <a:r>
-              <a:rPr lang="en-US" noProof="0" smtClean="0"/>
+              <a:rPr lang="en-US" noProof="0"/>
               <a:t>Body Text</a:t>
             </a:r>
           </a:p>
           <a:p>
             <a:pPr lvl="1"/>
             <a:r>
-              <a:rPr lang="en-US" noProof="0" smtClean="0"/>
+              <a:rPr lang="en-US" noProof="0"/>
               <a:t>Second Level</a:t>
             </a:r>
           </a:p>
           <a:p>
             <a:pPr lvl="2"/>
             <a:r>
-              <a:rPr lang="en-US" noProof="0" smtClean="0"/>
+              <a:rPr lang="en-US" noProof="0"/>
               <a:t>Third Level</a:t>
             </a:r>
           </a:p>
           <a:p>
             <a:pPr lvl="3"/>
             <a:r>
-              <a:rPr lang="en-US" noProof="0" smtClean="0"/>
+              <a:rPr lang="en-US" noProof="0"/>
               <a:t>Fourth Level</a:t>
             </a:r>
           </a:p>
           <a:p>
             <a:pPr lvl="4"/>
             <a:r>
-              <a:rPr lang="en-US" noProof="0" smtClean="0"/>
+              <a:rPr lang="en-US" noProof="0"/>
               <a:t>Fifth Level</a:t>
             </a:r>
           </a:p>
@@ -969,7 +969,7 @@
           <a:bodyPr/>
           <a:lstStyle/>
           <a:p>
-            <a:endParaRPr lang="en-US" altLang="en-US" smtClean="0"/>
+            <a:endParaRPr lang="en-US" altLang="en-US"/>
           </a:p>
         </p:txBody>
       </p:sp>
@@ -1172,17 +1172,17 @@
           <a:ln w="9525"/>
           <a:extLst>
             <a:ext uri="{FAA26D3D-D897-4be2-8F04-BA451C77F1D7}">
-              <ma14:placeholderFlag xmlns:ma14="http://schemas.microsoft.com/office/mac/drawingml/2011/main" val="1"/>
+              <ma14:placeholderFlag xmlns:ma14="http://schemas.microsoft.com/office/mac/drawingml/2011/main" xmlns="" val="1"/>
             </a:ext>
             <a:ext uri="{909E8E84-426E-40dd-AFC4-6F175D3DCCD1}">
-              <a14:hiddenFill xmlns:a14="http://schemas.microsoft.com/office/drawing/2010/main" xmlns="">
+              <a14:hiddenFill xmlns="" xmlns:a14="http://schemas.microsoft.com/office/drawing/2010/main">
                 <a:solidFill>
                   <a:srgbClr val="FFFFFF"/>
                 </a:solidFill>
               </a14:hiddenFill>
             </a:ext>
             <a:ext uri="{91240B29-F687-4f45-9708-019B960494DF}">
-              <a14:hiddenLine xmlns:a14="http://schemas.microsoft.com/office/drawing/2010/main" xmlns="" w="9525">
+              <a14:hiddenLine xmlns="" xmlns:a14="http://schemas.microsoft.com/office/drawing/2010/main" w="9525">
                 <a:solidFill>
                   <a:srgbClr val="000000"/>
                 </a:solidFill>
@@ -1401,23 +1401,23 @@
           <a:lstStyle/>
           <a:p>
             <a:r>
-              <a:rPr lang="en-US" dirty="0" smtClean="0"/>
+              <a:rPr lang="en-US" dirty="0"/>
               <a:t>FAST’07 paper</a:t>
             </a:r>
           </a:p>
           <a:p>
             <a:r>
-              <a:rPr lang="en-US" dirty="0" smtClean="0"/>
+              <a:rPr lang="en-US" dirty="0"/>
               <a:t>Data from &gt;10K PCs at</a:t>
             </a:r>
             <a:r>
-              <a:rPr lang="en-US" baseline="0" dirty="0" smtClean="0"/>
+              <a:rPr lang="en-US" baseline="0" dirty="0"/>
               <a:t> MS</a:t>
             </a:r>
           </a:p>
           <a:p>
             <a:r>
-              <a:rPr lang="en-US" baseline="0" dirty="0" smtClean="0"/>
+              <a:rPr lang="en-US" baseline="0" dirty="0"/>
               <a:t>May be skewed by corporate distros</a:t>
             </a:r>
             <a:endParaRPr lang="en-US" dirty="0"/>
@@ -1482,7 +1482,7 @@
           <a:lstStyle/>
           <a:p>
             <a:r>
-              <a:rPr lang="en-US" dirty="0" smtClean="0"/>
+              <a:rPr lang="en-US" dirty="0"/>
               <a:t>From 30k to 90k files</a:t>
             </a:r>
           </a:p>
@@ -1563,28 +1563,28 @@
               <a:defRPr/>
             </a:pPr>
             <a:r>
-              <a:rPr lang="en-US" dirty="0" smtClean="0"/>
+              <a:rPr lang="en-US" dirty="0"/>
               <a:t>15% file size growth/year</a:t>
             </a:r>
           </a:p>
           <a:p>
             <a:r>
-              <a:rPr lang="en-US" dirty="0" smtClean="0"/>
+              <a:rPr lang="en-US" dirty="0"/>
               <a:t>New peaks are DB,</a:t>
             </a:r>
             <a:r>
-              <a:rPr lang="en-US" baseline="0" dirty="0" smtClean="0"/>
+              <a:rPr lang="en-US" baseline="0" dirty="0"/>
               <a:t> video, and blob (email) files</a:t>
             </a:r>
-            <a:endParaRPr lang="en-US" dirty="0" smtClean="0"/>
-          </a:p>
-          <a:p>
-            <a:r>
-              <a:rPr lang="en-US" dirty="0" smtClean="0"/>
+            <a:endParaRPr lang="en-US" dirty="0"/>
+          </a:p>
+          <a:p>
+            <a:r>
+              <a:rPr lang="en-US" dirty="0"/>
               <a:t>Median capacity</a:t>
             </a:r>
             <a:r>
-              <a:rPr lang="en-US" baseline="0" dirty="0" smtClean="0"/>
+              <a:rPr lang="en-US" baseline="0" dirty="0"/>
               <a:t> from 5 to 40GB</a:t>
             </a:r>
             <a:endParaRPr lang="en-US" dirty="0"/>
@@ -1652,7 +1652,7 @@
           <a:bodyPr/>
           <a:lstStyle/>
           <a:p>
-            <a:endParaRPr lang="ko-KR" altLang="en-US" smtClean="0">
+            <a:endParaRPr lang="ko-KR" altLang="en-US">
               <a:ea typeface="굴림" panose="020B0600000101010101" pitchFamily="34" charset="-127"/>
             </a:endParaRPr>
           </a:p>
@@ -1719,7 +1719,7 @@
           <a:bodyPr/>
           <a:lstStyle/>
           <a:p>
-            <a:endParaRPr lang="ko-KR" altLang="en-US" smtClean="0">
+            <a:endParaRPr lang="ko-KR" altLang="en-US">
               <a:ea typeface="굴림" panose="020B0600000101010101" pitchFamily="34" charset="-127"/>
             </a:endParaRPr>
           </a:p>
@@ -1786,7 +1786,7 @@
           <a:bodyPr/>
           <a:lstStyle/>
           <a:p>
-            <a:endParaRPr lang="ko-KR" altLang="en-US" smtClean="0">
+            <a:endParaRPr lang="ko-KR" altLang="en-US">
               <a:ea typeface="굴림" panose="020B0600000101010101" pitchFamily="34" charset="-127"/>
             </a:endParaRPr>
           </a:p>
@@ -1853,7 +1853,7 @@
           <a:bodyPr/>
           <a:lstStyle/>
           <a:p>
-            <a:endParaRPr lang="ko-KR" altLang="en-US" smtClean="0">
+            <a:endParaRPr lang="ko-KR" altLang="en-US">
               <a:ea typeface="굴림" panose="020B0600000101010101" pitchFamily="34" charset="-127"/>
             </a:endParaRPr>
           </a:p>
@@ -1915,7 +1915,7 @@
           <a:p>
             <a:pPr lvl="0"/>
             <a:r>
-              <a:rPr lang="en-US" noProof="0" smtClean="0"/>
+              <a:rPr lang="en-US" noProof="0"/>
               <a:t>Click to edit Master title style</a:t>
             </a:r>
           </a:p>
@@ -1949,7 +1949,7 @@
           <a:p>
             <a:pPr lvl="0"/>
             <a:r>
-              <a:rPr lang="en-US" noProof="0" smtClean="0"/>
+              <a:rPr lang="en-US" noProof="0"/>
               <a:t>Click to edit Master subtitle style</a:t>
             </a:r>
           </a:p>
@@ -1966,13 +1966,6 @@
     <a:masterClrMapping/>
   </p:clrMapOvr>
   <p:transition/>
-  <p:timing>
-    <p:tnLst>
-      <p:par>
-        <p:cTn id="1" dur="indefinite" restart="never" nodeType="tmRoot"/>
-      </p:par>
-    </p:tnLst>
-  </p:timing>
 </p:sldLayout>
 </file>
 
@@ -2009,10 +2002,9 @@
           <a:lstStyle/>
           <a:p>
             <a:r>
-              <a:rPr lang="en-US" smtClean="0"/>
+              <a:rPr lang="en-US"/>
               <a:t>Click to edit Master title style</a:t>
             </a:r>
-            <a:endParaRPr lang="en-US"/>
           </a:p>
         </p:txBody>
       </p:sp>
@@ -2033,38 +2025,37 @@
           <a:p>
             <a:pPr lvl="0"/>
             <a:r>
-              <a:rPr lang="en-US" smtClean="0"/>
+              <a:rPr lang="en-US"/>
               <a:t>Click to edit Master text styles</a:t>
             </a:r>
           </a:p>
           <a:p>
             <a:pPr lvl="1"/>
             <a:r>
-              <a:rPr lang="en-US" smtClean="0"/>
+              <a:rPr lang="en-US"/>
               <a:t>Second level</a:t>
             </a:r>
           </a:p>
           <a:p>
             <a:pPr lvl="2"/>
             <a:r>
-              <a:rPr lang="en-US" smtClean="0"/>
+              <a:rPr lang="en-US"/>
               <a:t>Third level</a:t>
             </a:r>
           </a:p>
           <a:p>
             <a:pPr lvl="3"/>
             <a:r>
-              <a:rPr lang="en-US" smtClean="0"/>
+              <a:rPr lang="en-US"/>
               <a:t>Fourth level</a:t>
             </a:r>
           </a:p>
           <a:p>
             <a:pPr lvl="4"/>
             <a:r>
-              <a:rPr lang="en-US" smtClean="0"/>
+              <a:rPr lang="en-US"/>
               <a:t>Fifth level</a:t>
             </a:r>
-            <a:endParaRPr lang="en-US"/>
           </a:p>
         </p:txBody>
       </p:sp>
@@ -2120,10 +2111,9 @@
           <a:lstStyle/>
           <a:p>
             <a:r>
-              <a:rPr lang="en-US" smtClean="0"/>
+              <a:rPr lang="en-US"/>
               <a:t>Click to edit Master title style</a:t>
             </a:r>
-            <a:endParaRPr lang="en-US"/>
           </a:p>
         </p:txBody>
       </p:sp>
@@ -2149,38 +2139,37 @@
           <a:p>
             <a:pPr lvl="0"/>
             <a:r>
-              <a:rPr lang="en-US" smtClean="0"/>
+              <a:rPr lang="en-US"/>
               <a:t>Click to edit Master text styles</a:t>
             </a:r>
           </a:p>
           <a:p>
             <a:pPr lvl="1"/>
             <a:r>
-              <a:rPr lang="en-US" smtClean="0"/>
+              <a:rPr lang="en-US"/>
               <a:t>Second level</a:t>
             </a:r>
           </a:p>
           <a:p>
             <a:pPr lvl="2"/>
             <a:r>
-              <a:rPr lang="en-US" smtClean="0"/>
+              <a:rPr lang="en-US"/>
               <a:t>Third level</a:t>
             </a:r>
           </a:p>
           <a:p>
             <a:pPr lvl="3"/>
             <a:r>
-              <a:rPr lang="en-US" smtClean="0"/>
+              <a:rPr lang="en-US"/>
               <a:t>Fourth level</a:t>
             </a:r>
           </a:p>
           <a:p>
             <a:pPr lvl="4"/>
             <a:r>
-              <a:rPr lang="en-US" smtClean="0"/>
+              <a:rPr lang="en-US"/>
               <a:t>Fifth level</a:t>
             </a:r>
-            <a:endParaRPr lang="en-US"/>
           </a:p>
         </p:txBody>
       </p:sp>
@@ -2236,10 +2225,9 @@
           <a:lstStyle/>
           <a:p>
             <a:r>
-              <a:rPr lang="en-US" smtClean="0"/>
+              <a:rPr lang="en-US"/>
               <a:t>Click to edit Master title style</a:t>
             </a:r>
-            <a:endParaRPr lang="en-US"/>
           </a:p>
         </p:txBody>
       </p:sp>
@@ -2265,38 +2253,37 @@
           <a:p>
             <a:pPr lvl="0"/>
             <a:r>
-              <a:rPr lang="en-US" smtClean="0"/>
+              <a:rPr lang="en-US"/>
               <a:t>Click to edit Master text styles</a:t>
             </a:r>
           </a:p>
           <a:p>
             <a:pPr lvl="1"/>
             <a:r>
-              <a:rPr lang="en-US" smtClean="0"/>
+              <a:rPr lang="en-US"/>
               <a:t>Second level</a:t>
             </a:r>
           </a:p>
           <a:p>
             <a:pPr lvl="2"/>
             <a:r>
-              <a:rPr lang="en-US" smtClean="0"/>
+              <a:rPr lang="en-US"/>
               <a:t>Third level</a:t>
             </a:r>
           </a:p>
           <a:p>
             <a:pPr lvl="3"/>
             <a:r>
-              <a:rPr lang="en-US" smtClean="0"/>
+              <a:rPr lang="en-US"/>
               <a:t>Fourth level</a:t>
             </a:r>
           </a:p>
           <a:p>
             <a:pPr lvl="4"/>
             <a:r>
-              <a:rPr lang="en-US" smtClean="0"/>
+              <a:rPr lang="en-US"/>
               <a:t>Fifth level</a:t>
             </a:r>
-            <a:endParaRPr lang="en-US"/>
           </a:p>
         </p:txBody>
       </p:sp>
@@ -2322,38 +2309,37 @@
           <a:p>
             <a:pPr lvl="0"/>
             <a:r>
-              <a:rPr lang="en-US" smtClean="0"/>
+              <a:rPr lang="en-US"/>
               <a:t>Click to edit Master text styles</a:t>
             </a:r>
           </a:p>
           <a:p>
             <a:pPr lvl="1"/>
             <a:r>
-              <a:rPr lang="en-US" smtClean="0"/>
+              <a:rPr lang="en-US"/>
               <a:t>Second level</a:t>
             </a:r>
           </a:p>
           <a:p>
             <a:pPr lvl="2"/>
             <a:r>
-              <a:rPr lang="en-US" smtClean="0"/>
+              <a:rPr lang="en-US"/>
               <a:t>Third level</a:t>
             </a:r>
           </a:p>
           <a:p>
             <a:pPr lvl="3"/>
             <a:r>
-              <a:rPr lang="en-US" smtClean="0"/>
+              <a:rPr lang="en-US"/>
               <a:t>Fourth level</a:t>
             </a:r>
           </a:p>
           <a:p>
             <a:pPr lvl="4"/>
             <a:r>
-              <a:rPr lang="en-US" smtClean="0"/>
+              <a:rPr lang="en-US"/>
               <a:t>Fifth level</a:t>
             </a:r>
-            <a:endParaRPr lang="en-US"/>
           </a:p>
         </p:txBody>
       </p:sp>
@@ -2404,10 +2390,9 @@
           <a:lstStyle/>
           <a:p>
             <a:r>
-              <a:rPr lang="en-US" dirty="0" smtClean="0"/>
+              <a:rPr lang="en-US" dirty="0"/>
               <a:t>Click to edit Master title style</a:t>
             </a:r>
-            <a:endParaRPr lang="en-US" dirty="0"/>
           </a:p>
         </p:txBody>
       </p:sp>
@@ -2428,38 +2413,37 @@
           <a:p>
             <a:pPr lvl="0"/>
             <a:r>
-              <a:rPr lang="en-US" dirty="0" smtClean="0"/>
+              <a:rPr lang="en-US" dirty="0"/>
               <a:t>Click to edit Master text styles</a:t>
             </a:r>
           </a:p>
           <a:p>
             <a:pPr lvl="1"/>
             <a:r>
-              <a:rPr lang="en-US" dirty="0" smtClean="0"/>
+              <a:rPr lang="en-US" dirty="0"/>
               <a:t>Second level</a:t>
             </a:r>
           </a:p>
           <a:p>
             <a:pPr lvl="2"/>
             <a:r>
-              <a:rPr lang="en-US" dirty="0" smtClean="0"/>
+              <a:rPr lang="en-US" dirty="0"/>
               <a:t>Third level</a:t>
             </a:r>
           </a:p>
           <a:p>
             <a:pPr lvl="3"/>
             <a:r>
-              <a:rPr lang="en-US" dirty="0" smtClean="0"/>
+              <a:rPr lang="en-US" dirty="0"/>
               <a:t>Fourth level</a:t>
             </a:r>
           </a:p>
           <a:p>
             <a:pPr lvl="4"/>
             <a:r>
-              <a:rPr lang="en-US" dirty="0" smtClean="0"/>
+              <a:rPr lang="en-US" dirty="0"/>
               <a:t>Fifth level</a:t>
             </a:r>
-            <a:endParaRPr lang="en-US" dirty="0"/>
           </a:p>
         </p:txBody>
       </p:sp>
@@ -2474,13 +2458,6 @@
     <a:masterClrMapping/>
   </p:clrMapOvr>
   <p:transition/>
-  <p:timing>
-    <p:tnLst>
-      <p:par>
-        <p:cTn id="1" dur="indefinite" restart="never" nodeType="tmRoot"/>
-      </p:par>
-    </p:tnLst>
-  </p:timing>
 </p:sldLayout>
 </file>
 
@@ -2526,10 +2503,9 @@
           </a:lstStyle>
           <a:p>
             <a:r>
-              <a:rPr lang="en-US" smtClean="0"/>
+              <a:rPr lang="en-US"/>
               <a:t>Click to edit Master title style</a:t>
             </a:r>
-            <a:endParaRPr lang="en-US"/>
           </a:p>
         </p:txBody>
       </p:sp>
@@ -2592,7 +2568,7 @@
           <a:p>
             <a:pPr lvl="0"/>
             <a:r>
-              <a:rPr lang="en-US" smtClean="0"/>
+              <a:rPr lang="en-US"/>
               <a:t>Click to edit Master text styles</a:t>
             </a:r>
           </a:p>
@@ -2609,13 +2585,6 @@
     <a:masterClrMapping/>
   </p:clrMapOvr>
   <p:transition/>
-  <p:timing>
-    <p:tnLst>
-      <p:par>
-        <p:cTn id="1" dur="indefinite" restart="never" nodeType="tmRoot"/>
-      </p:par>
-    </p:tnLst>
-  </p:timing>
 </p:sldLayout>
 </file>
 
@@ -2652,10 +2621,9 @@
           <a:lstStyle/>
           <a:p>
             <a:r>
-              <a:rPr lang="en-US" smtClean="0"/>
+              <a:rPr lang="en-US"/>
               <a:t>Click to edit Master title style</a:t>
             </a:r>
-            <a:endParaRPr lang="en-US"/>
           </a:p>
         </p:txBody>
       </p:sp>
@@ -2709,38 +2677,37 @@
           <a:p>
             <a:pPr lvl="0"/>
             <a:r>
-              <a:rPr lang="en-US" smtClean="0"/>
+              <a:rPr lang="en-US"/>
               <a:t>Click to edit Master text styles</a:t>
             </a:r>
           </a:p>
           <a:p>
             <a:pPr lvl="1"/>
             <a:r>
-              <a:rPr lang="en-US" smtClean="0"/>
+              <a:rPr lang="en-US"/>
               <a:t>Second level</a:t>
             </a:r>
           </a:p>
           <a:p>
             <a:pPr lvl="2"/>
             <a:r>
-              <a:rPr lang="en-US" smtClean="0"/>
+              <a:rPr lang="en-US"/>
               <a:t>Third level</a:t>
             </a:r>
           </a:p>
           <a:p>
             <a:pPr lvl="3"/>
             <a:r>
-              <a:rPr lang="en-US" smtClean="0"/>
+              <a:rPr lang="en-US"/>
               <a:t>Fourth level</a:t>
             </a:r>
           </a:p>
           <a:p>
             <a:pPr lvl="4"/>
             <a:r>
-              <a:rPr lang="en-US" smtClean="0"/>
+              <a:rPr lang="en-US"/>
               <a:t>Fifth level</a:t>
             </a:r>
-            <a:endParaRPr lang="en-US"/>
           </a:p>
         </p:txBody>
       </p:sp>
@@ -2794,38 +2761,37 @@
           <a:p>
             <a:pPr lvl="0"/>
             <a:r>
-              <a:rPr lang="en-US" smtClean="0"/>
+              <a:rPr lang="en-US"/>
               <a:t>Click to edit Master text styles</a:t>
             </a:r>
           </a:p>
           <a:p>
             <a:pPr lvl="1"/>
             <a:r>
-              <a:rPr lang="en-US" smtClean="0"/>
+              <a:rPr lang="en-US"/>
               <a:t>Second level</a:t>
             </a:r>
           </a:p>
           <a:p>
             <a:pPr lvl="2"/>
             <a:r>
-              <a:rPr lang="en-US" smtClean="0"/>
+              <a:rPr lang="en-US"/>
               <a:t>Third level</a:t>
             </a:r>
           </a:p>
           <a:p>
             <a:pPr lvl="3"/>
             <a:r>
-              <a:rPr lang="en-US" smtClean="0"/>
+              <a:rPr lang="en-US"/>
               <a:t>Fourth level</a:t>
             </a:r>
           </a:p>
           <a:p>
             <a:pPr lvl="4"/>
             <a:r>
-              <a:rPr lang="en-US" smtClean="0"/>
+              <a:rPr lang="en-US"/>
               <a:t>Fifth level</a:t>
             </a:r>
-            <a:endParaRPr lang="en-US"/>
           </a:p>
         </p:txBody>
       </p:sp>
@@ -2840,13 +2806,6 @@
     <a:masterClrMapping/>
   </p:clrMapOvr>
   <p:transition/>
-  <p:timing>
-    <p:tnLst>
-      <p:par>
-        <p:cTn id="1" dur="indefinite" restart="never" nodeType="tmRoot"/>
-      </p:par>
-    </p:tnLst>
-  </p:timing>
 </p:sldLayout>
 </file>
 
@@ -2892,10 +2851,9 @@
           </a:lstStyle>
           <a:p>
             <a:r>
-              <a:rPr lang="en-US" smtClean="0"/>
+              <a:rPr lang="en-US"/>
               <a:t>Click to edit Master title style</a:t>
             </a:r>
-            <a:endParaRPr lang="en-US"/>
           </a:p>
         </p:txBody>
       </p:sp>
@@ -2958,7 +2916,7 @@
           <a:p>
             <a:pPr lvl="0"/>
             <a:r>
-              <a:rPr lang="en-US" smtClean="0"/>
+              <a:rPr lang="en-US"/>
               <a:t>Click to edit Master text styles</a:t>
             </a:r>
           </a:p>
@@ -3014,38 +2972,37 @@
           <a:p>
             <a:pPr lvl="0"/>
             <a:r>
-              <a:rPr lang="en-US" smtClean="0"/>
+              <a:rPr lang="en-US"/>
               <a:t>Click to edit Master text styles</a:t>
             </a:r>
           </a:p>
           <a:p>
             <a:pPr lvl="1"/>
             <a:r>
-              <a:rPr lang="en-US" smtClean="0"/>
+              <a:rPr lang="en-US"/>
               <a:t>Second level</a:t>
             </a:r>
           </a:p>
           <a:p>
             <a:pPr lvl="2"/>
             <a:r>
-              <a:rPr lang="en-US" smtClean="0"/>
+              <a:rPr lang="en-US"/>
               <a:t>Third level</a:t>
             </a:r>
           </a:p>
           <a:p>
             <a:pPr lvl="3"/>
             <a:r>
-              <a:rPr lang="en-US" smtClean="0"/>
+              <a:rPr lang="en-US"/>
               <a:t>Fourth level</a:t>
             </a:r>
           </a:p>
           <a:p>
             <a:pPr lvl="4"/>
             <a:r>
-              <a:rPr lang="en-US" smtClean="0"/>
+              <a:rPr lang="en-US"/>
               <a:t>Fifth level</a:t>
             </a:r>
-            <a:endParaRPr lang="en-US"/>
           </a:p>
         </p:txBody>
       </p:sp>
@@ -3108,7 +3065,7 @@
           <a:p>
             <a:pPr lvl="0"/>
             <a:r>
-              <a:rPr lang="en-US" smtClean="0"/>
+              <a:rPr lang="en-US"/>
               <a:t>Click to edit Master text styles</a:t>
             </a:r>
           </a:p>
@@ -3164,38 +3121,37 @@
           <a:p>
             <a:pPr lvl="0"/>
             <a:r>
-              <a:rPr lang="en-US" smtClean="0"/>
+              <a:rPr lang="en-US"/>
               <a:t>Click to edit Master text styles</a:t>
             </a:r>
           </a:p>
           <a:p>
             <a:pPr lvl="1"/>
             <a:r>
-              <a:rPr lang="en-US" smtClean="0"/>
+              <a:rPr lang="en-US"/>
               <a:t>Second level</a:t>
             </a:r>
           </a:p>
           <a:p>
             <a:pPr lvl="2"/>
             <a:r>
-              <a:rPr lang="en-US" smtClean="0"/>
+              <a:rPr lang="en-US"/>
               <a:t>Third level</a:t>
             </a:r>
           </a:p>
           <a:p>
             <a:pPr lvl="3"/>
             <a:r>
-              <a:rPr lang="en-US" smtClean="0"/>
+              <a:rPr lang="en-US"/>
               <a:t>Fourth level</a:t>
             </a:r>
           </a:p>
           <a:p>
             <a:pPr lvl="4"/>
             <a:r>
-              <a:rPr lang="en-US" smtClean="0"/>
+              <a:rPr lang="en-US"/>
               <a:t>Fifth level</a:t>
             </a:r>
-            <a:endParaRPr lang="en-US"/>
           </a:p>
         </p:txBody>
       </p:sp>
@@ -3210,13 +3166,6 @@
     <a:masterClrMapping/>
   </p:clrMapOvr>
   <p:transition/>
-  <p:timing>
-    <p:tnLst>
-      <p:par>
-        <p:cTn id="1" dur="indefinite" restart="never" nodeType="tmRoot"/>
-      </p:par>
-    </p:tnLst>
-  </p:timing>
 </p:sldLayout>
 </file>
 
@@ -3253,10 +3202,9 @@
           <a:lstStyle/>
           <a:p>
             <a:r>
-              <a:rPr lang="en-US" smtClean="0"/>
+              <a:rPr lang="en-US"/>
               <a:t>Click to edit Master title style</a:t>
             </a:r>
-            <a:endParaRPr lang="en-US"/>
           </a:p>
         </p:txBody>
       </p:sp>
@@ -3347,10 +3295,9 @@
           </a:lstStyle>
           <a:p>
             <a:r>
-              <a:rPr lang="en-US" smtClean="0"/>
+              <a:rPr lang="en-US"/>
               <a:t>Click to edit Master title style</a:t>
             </a:r>
-            <a:endParaRPr lang="en-US"/>
           </a:p>
         </p:txBody>
       </p:sp>
@@ -3404,38 +3351,37 @@
           <a:p>
             <a:pPr lvl="0"/>
             <a:r>
-              <a:rPr lang="en-US" smtClean="0"/>
+              <a:rPr lang="en-US"/>
               <a:t>Click to edit Master text styles</a:t>
             </a:r>
           </a:p>
           <a:p>
             <a:pPr lvl="1"/>
             <a:r>
-              <a:rPr lang="en-US" smtClean="0"/>
+              <a:rPr lang="en-US"/>
               <a:t>Second level</a:t>
             </a:r>
           </a:p>
           <a:p>
             <a:pPr lvl="2"/>
             <a:r>
-              <a:rPr lang="en-US" smtClean="0"/>
+              <a:rPr lang="en-US"/>
               <a:t>Third level</a:t>
             </a:r>
           </a:p>
           <a:p>
             <a:pPr lvl="3"/>
             <a:r>
-              <a:rPr lang="en-US" smtClean="0"/>
+              <a:rPr lang="en-US"/>
               <a:t>Fourth level</a:t>
             </a:r>
           </a:p>
           <a:p>
             <a:pPr lvl="4"/>
             <a:r>
-              <a:rPr lang="en-US" smtClean="0"/>
+              <a:rPr lang="en-US"/>
               <a:t>Fifth level</a:t>
             </a:r>
-            <a:endParaRPr lang="en-US"/>
           </a:p>
         </p:txBody>
       </p:sp>
@@ -3498,7 +3444,7 @@
           <a:p>
             <a:pPr lvl="0"/>
             <a:r>
-              <a:rPr lang="en-US" smtClean="0"/>
+              <a:rPr lang="en-US"/>
               <a:t>Click to edit Master text styles</a:t>
             </a:r>
           </a:p>
@@ -3560,10 +3506,9 @@
           </a:lstStyle>
           <a:p>
             <a:r>
-              <a:rPr lang="en-US" smtClean="0"/>
+              <a:rPr lang="en-US"/>
               <a:t>Click to edit Master title style</a:t>
             </a:r>
-            <a:endParaRPr lang="en-US"/>
           </a:p>
         </p:txBody>
       </p:sp>
@@ -3625,7 +3570,7 @@
           </a:lstStyle>
           <a:p>
             <a:pPr lvl="0"/>
-            <a:endParaRPr lang="en-US" noProof="0" smtClean="0"/>
+            <a:endParaRPr lang="en-US" noProof="0"/>
           </a:p>
         </p:txBody>
       </p:sp>
@@ -3688,7 +3633,7 @@
           <a:p>
             <a:pPr lvl="0"/>
             <a:r>
-              <a:rPr lang="en-US" smtClean="0"/>
+              <a:rPr lang="en-US"/>
               <a:t>Click to edit Master text styles</a:t>
             </a:r>
           </a:p>
@@ -3758,14 +3703,14 @@
           <a:effectLst/>
           <a:extLst>
             <a:ext uri="{909E8E84-426E-40dd-AFC4-6F175D3DCCD1}">
-              <a14:hiddenFill xmlns:a14="http://schemas.microsoft.com/office/drawing/2010/main" xmlns="">
+              <a14:hiddenFill xmlns="" xmlns:a14="http://schemas.microsoft.com/office/drawing/2010/main">
                 <a:solidFill>
                   <a:schemeClr val="bg1"/>
                 </a:solidFill>
               </a14:hiddenFill>
             </a:ext>
             <a:ext uri="{91240B29-F687-4f45-9708-019B960494DF}">
-              <a14:hiddenLine xmlns:a14="http://schemas.microsoft.com/office/drawing/2010/main" xmlns="" w="12700">
+              <a14:hiddenLine xmlns="" xmlns:a14="http://schemas.microsoft.com/office/drawing/2010/main" w="12700">
                 <a:pattFill prst="narHorz">
                   <a:fgClr>
                     <a:schemeClr val="tx1"/>
@@ -3780,7 +3725,7 @@
               </a14:hiddenLine>
             </a:ext>
             <a:ext uri="{AF507438-7753-43e0-B8FC-AC1667EBCBE1}">
-              <a14:hiddenEffects xmlns:a14="http://schemas.microsoft.com/office/drawing/2010/main" xmlns="">
+              <a14:hiddenEffects xmlns="" xmlns:a14="http://schemas.microsoft.com/office/drawing/2010/main">
                 <a:effectLst>
                   <a:outerShdw dist="35921" dir="2700000" algn="ctr" rotWithShape="0">
                     <a:schemeClr val="bg2"/>
@@ -3800,7 +3745,7 @@
           <a:p>
             <a:pPr lvl="0"/>
             <a:r>
-              <a:rPr lang="en-US" altLang="en-US" dirty="0" smtClean="0"/>
+              <a:rPr lang="en-US" altLang="en-US" dirty="0"/>
               <a:t>Slide Title</a:t>
             </a:r>
           </a:p>
@@ -3831,14 +3776,14 @@
           <a:effectLst/>
           <a:extLst>
             <a:ext uri="{909E8E84-426E-40dd-AFC4-6F175D3DCCD1}">
-              <a14:hiddenFill xmlns:a14="http://schemas.microsoft.com/office/drawing/2010/main" xmlns="">
+              <a14:hiddenFill xmlns="" xmlns:a14="http://schemas.microsoft.com/office/drawing/2010/main">
                 <a:solidFill>
                   <a:schemeClr val="bg1"/>
                 </a:solidFill>
               </a14:hiddenFill>
             </a:ext>
             <a:ext uri="{91240B29-F687-4f45-9708-019B960494DF}">
-              <a14:hiddenLine xmlns:a14="http://schemas.microsoft.com/office/drawing/2010/main" xmlns="" w="12700">
+              <a14:hiddenLine xmlns="" xmlns:a14="http://schemas.microsoft.com/office/drawing/2010/main" w="12700">
                 <a:pattFill prst="narHorz">
                   <a:fgClr>
                     <a:schemeClr val="tx1"/>
@@ -3853,7 +3798,7 @@
               </a14:hiddenLine>
             </a:ext>
             <a:ext uri="{AF507438-7753-43e0-B8FC-AC1667EBCBE1}">
-              <a14:hiddenEffects xmlns:a14="http://schemas.microsoft.com/office/drawing/2010/main" xmlns="">
+              <a14:hiddenEffects xmlns="" xmlns:a14="http://schemas.microsoft.com/office/drawing/2010/main">
                 <a:effectLst>
                   <a:outerShdw dist="35921" dir="2700000" algn="ctr" rotWithShape="0">
                     <a:schemeClr val="bg2"/>
@@ -3874,35 +3819,35 @@
           <a:p>
             <a:pPr lvl="0"/>
             <a:r>
-              <a:rPr lang="en-US" altLang="en-US" smtClean="0"/>
+              <a:rPr lang="en-US" altLang="en-US"/>
               <a:t>Body Text</a:t>
             </a:r>
           </a:p>
           <a:p>
             <a:pPr lvl="1"/>
             <a:r>
-              <a:rPr lang="en-US" altLang="en-US" dirty="0" smtClean="0"/>
+              <a:rPr lang="en-US" altLang="en-US" dirty="0"/>
               <a:t>Second Level</a:t>
             </a:r>
           </a:p>
           <a:p>
             <a:pPr lvl="2"/>
             <a:r>
-              <a:rPr lang="en-US" altLang="en-US" dirty="0" smtClean="0"/>
+              <a:rPr lang="en-US" altLang="en-US" dirty="0"/>
               <a:t>Third Level</a:t>
             </a:r>
           </a:p>
           <a:p>
             <a:pPr lvl="3"/>
             <a:r>
-              <a:rPr lang="en-US" altLang="en-US" dirty="0" smtClean="0"/>
+              <a:rPr lang="en-US" altLang="en-US" dirty="0"/>
               <a:t>Fourth Level</a:t>
             </a:r>
           </a:p>
           <a:p>
             <a:pPr lvl="4"/>
             <a:r>
-              <a:rPr lang="en-US" altLang="en-US" dirty="0" smtClean="0"/>
+              <a:rPr lang="en-US" altLang="en-US" dirty="0"/>
               <a:t>Fifth Level</a:t>
             </a:r>
           </a:p>
@@ -3931,14 +3876,14 @@
           <a:effectLst/>
           <a:extLst>
             <a:ext uri="{909E8E84-426E-40dd-AFC4-6F175D3DCCD1}">
-              <a14:hiddenFill xmlns:a14="http://schemas.microsoft.com/office/drawing/2010/main" xmlns="">
+              <a14:hiddenFill xmlns="" xmlns:a14="http://schemas.microsoft.com/office/drawing/2010/main">
                 <a:solidFill>
                   <a:schemeClr val="bg1"/>
                 </a:solidFill>
               </a14:hiddenFill>
             </a:ext>
             <a:ext uri="{91240B29-F687-4f45-9708-019B960494DF}">
-              <a14:hiddenLine xmlns:a14="http://schemas.microsoft.com/office/drawing/2010/main" xmlns="" w="12700">
+              <a14:hiddenLine xmlns="" xmlns:a14="http://schemas.microsoft.com/office/drawing/2010/main" w="12700">
                 <a:pattFill prst="narHorz">
                   <a:fgClr>
                     <a:schemeClr val="tx1"/>
@@ -3953,7 +3898,7 @@
               </a14:hiddenLine>
             </a:ext>
             <a:ext uri="{AF507438-7753-43e0-B8FC-AC1667EBCBE1}">
-              <a14:hiddenEffects xmlns:a14="http://schemas.microsoft.com/office/drawing/2010/main" xmlns="">
+              <a14:hiddenEffects xmlns="" xmlns:a14="http://schemas.microsoft.com/office/drawing/2010/main">
                 <a:effectLst>
                   <a:outerShdw dist="35921" dir="2700000" algn="ctr" rotWithShape="0">
                     <a:schemeClr val="bg2"/>
@@ -4087,18 +4032,7 @@
                 <a:ea typeface="Gill Sans" charset="0"/>
                 <a:cs typeface="Gill Sans" charset="0"/>
               </a:rPr>
-              <a:t> </a:t>
-            </a:r>
-            <a:r>
-              <a:rPr lang="en-US" altLang="en-US" sz="1400" b="0" i="0" smtClean="0">
-                <a:solidFill>
-                  <a:srgbClr val="2A40E2"/>
-                </a:solidFill>
-                <a:latin typeface="Gill Sans" charset="0"/>
-                <a:ea typeface="Gill Sans" charset="0"/>
-                <a:cs typeface="Gill Sans" charset="0"/>
-              </a:rPr>
-              <a:t>19.</a:t>
+              <a:t> 19.</a:t>
             </a:r>
             <a:fld id="{6456B83E-17D0-4CDF-84AD-C8A97BEB5271}" type="slidenum">
               <a:rPr lang="en-US" altLang="en-US" sz="1400" b="0" i="0" smtClean="0">
@@ -4146,14 +4080,14 @@
           <a:effectLst/>
           <a:extLst>
             <a:ext uri="{909E8E84-426E-40dd-AFC4-6F175D3DCCD1}">
-              <a14:hiddenFill xmlns:a14="http://schemas.microsoft.com/office/drawing/2010/main" xmlns="">
+              <a14:hiddenFill xmlns="" xmlns:a14="http://schemas.microsoft.com/office/drawing/2010/main">
                 <a:solidFill>
                   <a:schemeClr val="bg1"/>
                 </a:solidFill>
               </a14:hiddenFill>
             </a:ext>
             <a:ext uri="{91240B29-F687-4f45-9708-019B960494DF}">
-              <a14:hiddenLine xmlns:a14="http://schemas.microsoft.com/office/drawing/2010/main" xmlns="" w="57150">
+              <a14:hiddenLine xmlns="" xmlns:a14="http://schemas.microsoft.com/office/drawing/2010/main" w="57150">
                 <a:solidFill>
                   <a:schemeClr val="tx1"/>
                 </a:solidFill>
@@ -4163,7 +4097,7 @@
               </a14:hiddenLine>
             </a:ext>
             <a:ext uri="{AF507438-7753-43e0-B8FC-AC1667EBCBE1}">
-              <a14:hiddenEffects xmlns:a14="http://schemas.microsoft.com/office/drawing/2010/main" xmlns="">
+              <a14:hiddenEffects xmlns="" xmlns:a14="http://schemas.microsoft.com/office/drawing/2010/main">
                 <a:effectLst>
                   <a:outerShdw dist="35921" dir="2700000" algn="ctr" rotWithShape="0">
                     <a:schemeClr val="bg2"/>
@@ -4280,7 +4214,7 @@
               <a:defRPr/>
             </a:pPr>
             <a:r>
-              <a:rPr lang="en-US" sz="1400" b="0" i="0" dirty="0" smtClean="0">
+              <a:rPr lang="en-US" sz="1400" b="0" i="0" dirty="0">
                 <a:solidFill>
                   <a:srgbClr val="2A40E2"/>
                 </a:solidFill>
@@ -4321,12 +4255,12 @@
           <a:effectLst/>
           <a:extLst>
             <a:ext uri="{909E8E84-426E-40dd-AFC4-6F175D3DCCD1}">
-              <a14:hiddenFill xmlns:a14="http://schemas.microsoft.com/office/drawing/2010/main" xmlns="">
+              <a14:hiddenFill xmlns="" xmlns:a14="http://schemas.microsoft.com/office/drawing/2010/main">
                 <a:noFill/>
               </a14:hiddenFill>
             </a:ext>
             <a:ext uri="{AF507438-7753-43e0-B8FC-AC1667EBCBE1}">
-              <a14:hiddenEffects xmlns:a14="http://schemas.microsoft.com/office/drawing/2010/main" xmlns="">
+              <a14:hiddenEffects xmlns="" xmlns:a14="http://schemas.microsoft.com/office/drawing/2010/main">
                 <a:effectLst>
                   <a:outerShdw dist="35921" dir="2700000" algn="ctr" rotWithShape="0">
                     <a:schemeClr val="bg2"/>
@@ -4371,14 +4305,14 @@
           <a:effectLst/>
           <a:extLst>
             <a:ext uri="{909E8E84-426E-40dd-AFC4-6F175D3DCCD1}">
-              <a14:hiddenFill xmlns:a14="http://schemas.microsoft.com/office/drawing/2010/main" xmlns="">
+              <a14:hiddenFill xmlns="" xmlns:a14="http://schemas.microsoft.com/office/drawing/2010/main">
                 <a:solidFill>
                   <a:schemeClr val="bg1"/>
                 </a:solidFill>
               </a14:hiddenFill>
             </a:ext>
             <a:ext uri="{91240B29-F687-4f45-9708-019B960494DF}">
-              <a14:hiddenLine xmlns:a14="http://schemas.microsoft.com/office/drawing/2010/main" xmlns="" w="57150">
+              <a14:hiddenLine xmlns="" xmlns:a14="http://schemas.microsoft.com/office/drawing/2010/main" w="57150">
                 <a:solidFill>
                   <a:schemeClr val="tx1"/>
                 </a:solidFill>
@@ -4388,7 +4322,7 @@
               </a14:hiddenLine>
             </a:ext>
             <a:ext uri="{AF507438-7753-43e0-B8FC-AC1667EBCBE1}">
-              <a14:hiddenEffects xmlns:a14="http://schemas.microsoft.com/office/drawing/2010/main" xmlns="">
+              <a14:hiddenEffects xmlns="" xmlns:a14="http://schemas.microsoft.com/office/drawing/2010/main">
                 <a:effectLst>
                   <a:outerShdw dist="35921" dir="2700000" algn="ctr" rotWithShape="0">
                     <a:schemeClr val="bg2"/>
@@ -4505,7 +4439,7 @@
               <a:defRPr/>
             </a:pPr>
             <a:r>
-              <a:rPr lang="en-US" sz="1400" b="0" i="0" dirty="0" smtClean="0">
+              <a:rPr lang="en-US" sz="1400" b="0" i="0" dirty="0">
                 <a:solidFill>
                   <a:srgbClr val="2A40E2"/>
                 </a:solidFill>
@@ -4536,13 +4470,6 @@
     <p:sldLayoutId id="2147483685" r:id="rId12"/>
   </p:sldLayoutIdLst>
   <p:transition/>
-  <p:timing>
-    <p:tnLst>
-      <p:par>
-        <p:cTn id="1" dur="indefinite" restart="never" nodeType="tmRoot"/>
-      </p:par>
-    </p:tnLst>
-  </p:timing>
   <p:txStyles>
     <p:titleStyle>
       <a:lvl1pPr algn="ctr" rtl="0" eaLnBrk="0" fontAlgn="base" hangingPunct="0">
@@ -5022,57 +4949,57 @@
           <a:lstStyle/>
           <a:p>
             <a:r>
-              <a:rPr lang="en-US" altLang="en-US" sz="3000" dirty="0" smtClean="0"/>
+              <a:rPr lang="en-US" altLang="en-US" sz="3000" dirty="0"/>
               <a:t>CS162</a:t>
             </a:r>
             <a:br>
-              <a:rPr lang="en-US" altLang="en-US" sz="3000" dirty="0" smtClean="0"/>
+              <a:rPr lang="en-US" altLang="en-US" sz="3000" dirty="0"/>
             </a:br>
             <a:r>
-              <a:rPr lang="en-US" altLang="en-US" sz="3000" dirty="0" smtClean="0"/>
+              <a:rPr lang="en-US" altLang="en-US" sz="3000" dirty="0"/>
               <a:t>Operating Systems and</a:t>
             </a:r>
             <a:br>
-              <a:rPr lang="en-US" altLang="en-US" sz="3000" dirty="0" smtClean="0"/>
+              <a:rPr lang="en-US" altLang="en-US" sz="3000" dirty="0"/>
             </a:br>
             <a:r>
-              <a:rPr lang="en-US" altLang="en-US" sz="3000" dirty="0" smtClean="0"/>
+              <a:rPr lang="en-US" altLang="en-US" sz="3000" dirty="0"/>
               <a:t>Systems Programming</a:t>
             </a:r>
             <a:br>
-              <a:rPr lang="en-US" altLang="en-US" sz="3000" dirty="0" smtClean="0"/>
+              <a:rPr lang="en-US" altLang="en-US" sz="3000" dirty="0"/>
             </a:br>
             <a:r>
-              <a:rPr lang="en-US" altLang="en-US" sz="3000" dirty="0" smtClean="0"/>
+              <a:rPr lang="en-US" altLang="en-US" sz="3000" dirty="0"/>
               <a:t>Lecture 19</a:t>
             </a:r>
             <a:br>
-              <a:rPr lang="en-US" altLang="en-US" sz="3000" dirty="0" smtClean="0"/>
+              <a:rPr lang="en-US" altLang="en-US" sz="3000" dirty="0"/>
             </a:br>
             <a:r>
-              <a:rPr lang="en-US" altLang="en-US" sz="3000" dirty="0" smtClean="0"/>
+              <a:rPr lang="en-US" altLang="en-US" sz="3000" dirty="0"/>
               <a:t> </a:t>
             </a:r>
             <a:br>
-              <a:rPr lang="en-US" altLang="en-US" sz="3000" dirty="0" smtClean="0"/>
+              <a:rPr lang="en-US" altLang="en-US" sz="3000" dirty="0"/>
             </a:br>
             <a:r>
-              <a:rPr lang="en-US" altLang="en-US" sz="3000" dirty="0" smtClean="0"/>
+              <a:rPr lang="en-US" altLang="en-US" sz="3000" dirty="0"/>
               <a:t>File Systems (</a:t>
             </a:r>
             <a:r>
-              <a:rPr lang="en-US" altLang="en-US" sz="3000" dirty="0" err="1" smtClean="0"/>
+              <a:rPr lang="en-US" altLang="en-US" sz="3000" dirty="0" err="1"/>
               <a:t>Con’t</a:t>
             </a:r>
             <a:r>
-              <a:rPr lang="en-US" altLang="en-US" sz="3000" dirty="0" smtClean="0"/>
+              <a:rPr lang="en-US" altLang="en-US" sz="3000" dirty="0"/>
               <a:t>),</a:t>
             </a:r>
             <a:br>
-              <a:rPr lang="en-US" altLang="en-US" sz="3000" dirty="0" smtClean="0"/>
+              <a:rPr lang="en-US" altLang="en-US" sz="3000" dirty="0"/>
             </a:br>
             <a:r>
-              <a:rPr lang="en-US" altLang="en-US" sz="3000" dirty="0" smtClean="0"/>
+              <a:rPr lang="en-US" altLang="en-US" sz="3000" dirty="0"/>
               <a:t>MMAP</a:t>
             </a:r>
           </a:p>
@@ -5101,21 +5028,21 @@
           <a:p>
             <a:pPr marL="285750" indent="-285750"/>
             <a:r>
-              <a:rPr lang="en-US" altLang="en-US" dirty="0" smtClean="0"/>
+              <a:rPr lang="en-US" altLang="en-US" dirty="0"/>
               <a:t>October 5th, 2018</a:t>
             </a:r>
           </a:p>
           <a:p>
             <a:pPr marL="285750" indent="-285750"/>
             <a:r>
-              <a:rPr lang="en-US" altLang="en-US" dirty="0" smtClean="0"/>
+              <a:rPr lang="en-US" altLang="en-US" dirty="0"/>
               <a:t>Prof. Ion Stoica</a:t>
             </a:r>
           </a:p>
           <a:p>
             <a:pPr marL="285750" indent="-285750"/>
             <a:r>
-              <a:rPr lang="en-US" altLang="en-US" dirty="0" smtClean="0"/>
+              <a:rPr lang="en-US" altLang="en-US" dirty="0"/>
               <a:t>http://cs162.eecs.Berkeley.edu</a:t>
             </a:r>
           </a:p>
@@ -5127,13 +5054,6 @@
     <a:masterClrMapping/>
   </p:clrMapOvr>
   <p:transition/>
-  <p:timing>
-    <p:tnLst>
-      <p:par>
-        <p:cTn id="1" dur="indefinite" restart="never" nodeType="tmRoot"/>
-      </p:par>
-    </p:tnLst>
-  </p:timing>
 </p:sld>
 </file>
 
@@ -5170,10 +5090,9 @@
           <a:lstStyle/>
           <a:p>
             <a:r>
-              <a:rPr lang="en-US" dirty="0" smtClean="0"/>
+              <a:rPr lang="en-US" dirty="0"/>
               <a:t>File Attributes</a:t>
             </a:r>
-            <a:endParaRPr lang="en-US" dirty="0"/>
           </a:p>
         </p:txBody>
       </p:sp>
@@ -5199,17 +5118,12 @@
           <a:p>
             <a:r>
               <a:rPr lang="en-US" dirty="0" err="1"/>
-              <a:t>i</a:t>
-            </a:r>
-            <a:r>
-              <a:rPr lang="en-US" dirty="0" err="1" smtClean="0"/>
-              <a:t>node</a:t>
-            </a:r>
-            <a:r>
-              <a:rPr lang="en-US" dirty="0" smtClean="0"/>
+              <a:t>inode</a:t>
+            </a:r>
+            <a:r>
+              <a:rPr lang="en-US" dirty="0"/>
               <a:t> metadata</a:t>
             </a:r>
-            <a:endParaRPr lang="en-US" dirty="0"/>
           </a:p>
         </p:txBody>
       </p:sp>
@@ -5249,13 +5163,6 @@
     <a:masterClrMapping/>
   </p:clrMapOvr>
   <p:transition/>
-  <p:timing>
-    <p:tnLst>
-      <p:par>
-        <p:cTn id="1" dur="indefinite" restart="never" nodeType="tmRoot"/>
-      </p:par>
-    </p:tnLst>
-  </p:timing>
 </p:sld>
 </file>
 
@@ -5292,10 +5199,9 @@
           <a:lstStyle/>
           <a:p>
             <a:r>
-              <a:rPr lang="en-US" dirty="0" smtClean="0"/>
+              <a:rPr lang="en-US" dirty="0"/>
               <a:t>File Attributes</a:t>
             </a:r>
-            <a:endParaRPr lang="en-US" dirty="0"/>
           </a:p>
         </p:txBody>
       </p:sp>
@@ -5321,17 +5227,12 @@
           <a:p>
             <a:r>
               <a:rPr lang="en-US" dirty="0" err="1"/>
-              <a:t>i</a:t>
-            </a:r>
-            <a:r>
-              <a:rPr lang="en-US" dirty="0" err="1" smtClean="0"/>
-              <a:t>node</a:t>
-            </a:r>
-            <a:r>
-              <a:rPr lang="en-US" dirty="0" smtClean="0"/>
+              <a:t>inode</a:t>
+            </a:r>
+            <a:r>
+              <a:rPr lang="en-US" dirty="0"/>
               <a:t> metadata</a:t>
             </a:r>
-            <a:endParaRPr lang="en-US" dirty="0"/>
           </a:p>
         </p:txBody>
       </p:sp>
@@ -5458,7 +5359,7 @@
           <a:lstStyle/>
           <a:p>
             <a:r>
-              <a:rPr lang="en-US" sz="2000" b="0" dirty="0" smtClean="0">
+              <a:rPr lang="en-US" sz="2000" b="0" dirty="0">
                 <a:latin typeface="Gill Sans" charset="0"/>
                 <a:ea typeface="Gill Sans" charset="0"/>
                 <a:cs typeface="Gill Sans" charset="0"/>
@@ -5468,7 +5369,7 @@
           </a:p>
           <a:p>
             <a:r>
-              <a:rPr lang="en-US" sz="2000" b="0" dirty="0" smtClean="0">
+              <a:rPr lang="en-US" sz="2000" b="0" dirty="0">
                 <a:latin typeface="Gill Sans" charset="0"/>
                 <a:ea typeface="Gill Sans" charset="0"/>
                 <a:cs typeface="Gill Sans" charset="0"/>
@@ -5478,7 +5379,7 @@
           </a:p>
           <a:p>
             <a:r>
-              <a:rPr lang="en-US" sz="2000" b="0" dirty="0" smtClean="0">
+              <a:rPr lang="en-US" sz="2000" b="0" dirty="0">
                 <a:latin typeface="Gill Sans" charset="0"/>
                 <a:ea typeface="Gill Sans" charset="0"/>
                 <a:cs typeface="Gill Sans" charset="0"/>
@@ -5493,20 +5394,12 @@
                 <a:ea typeface="Gill Sans" charset="0"/>
                 <a:cs typeface="Gill Sans" charset="0"/>
               </a:rPr>
-              <a:t> </a:t>
-            </a:r>
-            <a:r>
-              <a:rPr lang="en-US" sz="2000" b="0" dirty="0" smtClean="0">
-                <a:latin typeface="Gill Sans" charset="0"/>
-                <a:ea typeface="Gill Sans" charset="0"/>
-                <a:cs typeface="Gill Sans" charset="0"/>
-              </a:rPr>
-              <a:t>  - UGO x RWX</a:t>
-            </a:r>
-          </a:p>
-          <a:p>
-            <a:r>
-              <a:rPr lang="en-US" sz="2000" b="0" dirty="0" err="1" smtClean="0">
+              <a:t>   - UGO x RWX</a:t>
+            </a:r>
+          </a:p>
+          <a:p>
+            <a:r>
+              <a:rPr lang="en-US" sz="2000" b="0" dirty="0" err="1">
                 <a:latin typeface="Gill Sans" charset="0"/>
                 <a:ea typeface="Gill Sans" charset="0"/>
                 <a:cs typeface="Gill Sans" charset="0"/>
@@ -5514,7 +5407,7 @@
               <a:t>Setuid</a:t>
             </a:r>
             <a:r>
-              <a:rPr lang="en-US" sz="2000" b="0" dirty="0" smtClean="0">
+              <a:rPr lang="en-US" sz="2000" b="0" dirty="0">
                 <a:latin typeface="Gill Sans" charset="0"/>
                 <a:ea typeface="Gill Sans" charset="0"/>
                 <a:cs typeface="Gill Sans" charset="0"/>
@@ -5524,7 +5417,7 @@
           </a:p>
           <a:p>
             <a:r>
-              <a:rPr lang="en-US" sz="2000" b="0" dirty="0" smtClean="0">
+              <a:rPr lang="en-US" sz="2000" b="0" dirty="0">
                 <a:latin typeface="Gill Sans" charset="0"/>
                 <a:ea typeface="Gill Sans" charset="0"/>
                 <a:cs typeface="Gill Sans" charset="0"/>
@@ -5532,14 +5425,14 @@
               <a:t>    - execute at owner permissions</a:t>
             </a:r>
             <a:br>
-              <a:rPr lang="en-US" sz="2000" b="0" dirty="0" smtClean="0">
+              <a:rPr lang="en-US" sz="2000" b="0" dirty="0">
                 <a:latin typeface="Gill Sans" charset="0"/>
                 <a:ea typeface="Gill Sans" charset="0"/>
                 <a:cs typeface="Gill Sans" charset="0"/>
               </a:rPr>
             </a:br>
             <a:r>
-              <a:rPr lang="en-US" sz="2000" b="0" dirty="0" smtClean="0">
+              <a:rPr lang="en-US" sz="2000" b="0" dirty="0">
                 <a:latin typeface="Gill Sans" charset="0"/>
                 <a:ea typeface="Gill Sans" charset="0"/>
                 <a:cs typeface="Gill Sans" charset="0"/>
@@ -5554,18 +5447,10 @@
                 <a:ea typeface="Gill Sans" charset="0"/>
                 <a:cs typeface="Gill Sans" charset="0"/>
               </a:rPr>
-              <a:t>S</a:t>
-            </a:r>
-            <a:r>
-              <a:rPr lang="en-US" sz="2000" b="0" dirty="0" err="1" smtClean="0">
-                <a:latin typeface="Gill Sans" charset="0"/>
-                <a:ea typeface="Gill Sans" charset="0"/>
-                <a:cs typeface="Gill Sans" charset="0"/>
-              </a:rPr>
-              <a:t>etgid</a:t>
-            </a:r>
-            <a:r>
-              <a:rPr lang="en-US" sz="2000" b="0" dirty="0" smtClean="0">
+              <a:t>Setgid</a:t>
+            </a:r>
+            <a:r>
+              <a:rPr lang="en-US" sz="2000" b="0" dirty="0">
                 <a:latin typeface="Gill Sans" charset="0"/>
                 <a:ea typeface="Gill Sans" charset="0"/>
                 <a:cs typeface="Gill Sans" charset="0"/>
@@ -5575,18 +5460,13 @@
           </a:p>
           <a:p>
             <a:r>
-              <a:rPr lang="en-US" sz="2000" b="0" dirty="0" smtClean="0">
+              <a:rPr lang="en-US" sz="2000" b="0" dirty="0">
                 <a:latin typeface="Gill Sans" charset="0"/>
                 <a:ea typeface="Gill Sans" charset="0"/>
                 <a:cs typeface="Gill Sans" charset="0"/>
               </a:rPr>
               <a:t>    - execute at group’s permissions</a:t>
             </a:r>
-            <a:endParaRPr lang="en-US" sz="2000" b="0" dirty="0">
-              <a:latin typeface="Gill Sans" charset="0"/>
-              <a:ea typeface="Gill Sans" charset="0"/>
-              <a:cs typeface="Gill Sans" charset="0"/>
-            </a:endParaRPr>
           </a:p>
         </p:txBody>
       </p:sp>
@@ -5632,13 +5512,6 @@
     <a:masterClrMapping/>
   </p:clrMapOvr>
   <p:transition/>
-  <p:timing>
-    <p:tnLst>
-      <p:par>
-        <p:cTn id="1" dur="indefinite" restart="never" nodeType="tmRoot"/>
-      </p:par>
-    </p:tnLst>
-  </p:timing>
 </p:sld>
 </file>
 
@@ -5675,10 +5548,9 @@
           <a:lstStyle/>
           <a:p>
             <a:r>
-              <a:rPr lang="en-US" dirty="0" smtClean="0"/>
+              <a:rPr lang="en-US" dirty="0"/>
               <a:t>Data Storage</a:t>
             </a:r>
-            <a:endParaRPr lang="en-US" dirty="0"/>
           </a:p>
         </p:txBody>
       </p:sp>
@@ -5703,10 +5575,9 @@
           <a:lstStyle/>
           <a:p>
             <a:r>
-              <a:rPr lang="en-US" dirty="0" smtClean="0"/>
+              <a:rPr lang="en-US" dirty="0"/>
               <a:t>Small files: 12 pointers direct to data blocks</a:t>
             </a:r>
-            <a:endParaRPr lang="en-US" dirty="0"/>
           </a:p>
         </p:txBody>
       </p:sp>
@@ -5830,7 +5701,7 @@
           <a:lstStyle/>
           <a:p>
             <a:r>
-              <a:rPr lang="en-US" sz="2000" b="0" dirty="0" smtClean="0">
+              <a:rPr lang="en-US" sz="2000" b="0" dirty="0">
                 <a:latin typeface="Gill Sans" charset="0"/>
                 <a:ea typeface="Gill Sans" charset="0"/>
                 <a:cs typeface="Gill Sans" charset="0"/>
@@ -5847,7 +5718,7 @@
           </a:p>
           <a:p>
             <a:r>
-              <a:rPr lang="en-US" sz="2000" b="0" dirty="0" smtClean="0">
+              <a:rPr lang="en-US" sz="2000" b="0" dirty="0">
                 <a:latin typeface="Gill Sans" charset="0"/>
                 <a:ea typeface="Gill Sans" charset="0"/>
                 <a:cs typeface="Gill Sans" charset="0"/>
@@ -5855,7 +5726,7 @@
               <a:t>4kB blocks </a:t>
             </a:r>
             <a:r>
-              <a:rPr lang="en-US" sz="2000" b="0" dirty="0" smtClean="0">
+              <a:rPr lang="en-US" sz="2000" b="0" dirty="0">
                 <a:latin typeface="Gill Sans" charset="0"/>
                 <a:ea typeface="Gill Sans" charset="0"/>
                 <a:cs typeface="Gill Sans" charset="0"/>
@@ -5864,7 +5735,7 @@
               <a:t> </a:t>
             </a:r>
             <a:r>
-              <a:rPr lang="en-US" sz="2000" b="0" dirty="0" smtClean="0">
+              <a:rPr lang="en-US" sz="2000" b="0" dirty="0">
                 <a:latin typeface="Gill Sans" charset="0"/>
                 <a:ea typeface="Gill Sans" charset="0"/>
                 <a:cs typeface="Gill Sans" charset="0"/>
@@ -6158,10 +6029,9 @@
           <a:lstStyle/>
           <a:p>
             <a:r>
-              <a:rPr lang="en-US" dirty="0" smtClean="0"/>
+              <a:rPr lang="en-US" dirty="0"/>
               <a:t>Data Storage</a:t>
             </a:r>
-            <a:endParaRPr lang="en-US" dirty="0"/>
           </a:p>
         </p:txBody>
       </p:sp>
@@ -6186,10 +6056,9 @@
           <a:lstStyle/>
           <a:p>
             <a:r>
-              <a:rPr lang="en-US" dirty="0" smtClean="0"/>
+              <a:rPr lang="en-US" dirty="0"/>
               <a:t>Large files: 1,2,3 level indirect pointers</a:t>
             </a:r>
-            <a:endParaRPr lang="en-US" dirty="0"/>
           </a:p>
         </p:txBody>
       </p:sp>
@@ -6313,7 +6182,7 @@
           <a:lstStyle/>
           <a:p>
             <a:r>
-              <a:rPr lang="en-US" sz="2000" b="0" dirty="0" smtClean="0">
+              <a:rPr lang="en-US" sz="2000" b="0" dirty="0">
                 <a:latin typeface="Gill Sans" charset="0"/>
                 <a:ea typeface="Gill Sans" charset="0"/>
                 <a:cs typeface="Gill Sans" charset="0"/>
@@ -6323,7 +6192,7 @@
           </a:p>
           <a:p>
             <a:r>
-              <a:rPr lang="en-US" sz="2000" b="0" dirty="0" smtClean="0">
+              <a:rPr lang="en-US" sz="2000" b="0" dirty="0">
                 <a:latin typeface="Gill Sans" charset="0"/>
                 <a:ea typeface="Gill Sans" charset="0"/>
                 <a:cs typeface="Gill Sans" charset="0"/>
@@ -6338,15 +6207,7 @@
                 <a:ea typeface="Gill Sans" charset="0"/>
                 <a:cs typeface="Gill Sans" charset="0"/>
               </a:rPr>
-              <a:t> </a:t>
-            </a:r>
-            <a:r>
-              <a:rPr lang="en-US" sz="2000" b="0" dirty="0" smtClean="0">
-                <a:latin typeface="Gill Sans" charset="0"/>
-                <a:ea typeface="Gill Sans" charset="0"/>
-                <a:cs typeface="Gill Sans" charset="0"/>
-              </a:rPr>
-              <a:t>    containing only pointers</a:t>
+              <a:t>     containing only pointers</a:t>
             </a:r>
           </a:p>
           <a:p>
@@ -6356,25 +6217,17 @@
                 <a:ea typeface="Gill Sans" charset="0"/>
                 <a:cs typeface="Gill Sans" charset="0"/>
               </a:rPr>
-              <a:t> </a:t>
-            </a:r>
-            <a:r>
-              <a:rPr lang="en-US" sz="2000" b="0" dirty="0" smtClean="0">
-                <a:latin typeface="Gill Sans" charset="0"/>
-                <a:ea typeface="Gill Sans" charset="0"/>
-                <a:cs typeface="Gill Sans" charset="0"/>
-              </a:rPr>
-              <a:t> - 4 kB blocks =&gt; 1024 </a:t>
-            </a:r>
-            <a:r>
-              <a:rPr lang="en-US" sz="2000" b="0" dirty="0" err="1" smtClean="0">
+              <a:t>  - 4 kB blocks =&gt; 1024 </a:t>
+            </a:r>
+            <a:r>
+              <a:rPr lang="en-US" sz="2000" b="0" dirty="0" err="1">
                 <a:latin typeface="Gill Sans" charset="0"/>
                 <a:ea typeface="Gill Sans" charset="0"/>
                 <a:cs typeface="Gill Sans" charset="0"/>
               </a:rPr>
               <a:t>ptrs</a:t>
             </a:r>
-            <a:endParaRPr lang="en-US" sz="2000" b="0" dirty="0" smtClean="0">
+            <a:endParaRPr lang="en-US" sz="2000" b="0" dirty="0">
               <a:latin typeface="Gill Sans" charset="0"/>
               <a:ea typeface="Gill Sans" charset="0"/>
               <a:cs typeface="Gill Sans" charset="0"/>
@@ -6387,15 +6240,7 @@
                 <a:ea typeface="Gill Sans" charset="0"/>
                 <a:cs typeface="Gill Sans" charset="0"/>
               </a:rPr>
-              <a:t> </a:t>
-            </a:r>
-            <a:r>
-              <a:rPr lang="en-US" sz="2000" b="0" dirty="0" smtClean="0">
-                <a:latin typeface="Gill Sans" charset="0"/>
-                <a:ea typeface="Gill Sans" charset="0"/>
-                <a:cs typeface="Gill Sans" charset="0"/>
-              </a:rPr>
-              <a:t>    =&gt; 4 MB @ level 2</a:t>
+              <a:t>     =&gt; 4 MB @ level 2</a:t>
             </a:r>
           </a:p>
           <a:p>
@@ -6405,15 +6250,7 @@
                 <a:ea typeface="Gill Sans" charset="0"/>
                 <a:cs typeface="Gill Sans" charset="0"/>
               </a:rPr>
-              <a:t> </a:t>
-            </a:r>
-            <a:r>
-              <a:rPr lang="en-US" sz="2000" b="0" dirty="0" smtClean="0">
-                <a:latin typeface="Gill Sans" charset="0"/>
-                <a:ea typeface="Gill Sans" charset="0"/>
-                <a:cs typeface="Gill Sans" charset="0"/>
-              </a:rPr>
-              <a:t>    =&gt; 4 GB @ level 3</a:t>
+              <a:t>     =&gt; 4 GB @ level 3</a:t>
             </a:r>
           </a:p>
           <a:p>
@@ -6423,21 +6260,8 @@
                 <a:ea typeface="Gill Sans" charset="0"/>
                 <a:cs typeface="Gill Sans" charset="0"/>
               </a:rPr>
-              <a:t> </a:t>
-            </a:r>
-            <a:r>
-              <a:rPr lang="en-US" sz="2000" b="0" dirty="0" smtClean="0">
-                <a:latin typeface="Gill Sans" charset="0"/>
-                <a:ea typeface="Gill Sans" charset="0"/>
-                <a:cs typeface="Gill Sans" charset="0"/>
-              </a:rPr>
-              <a:t>    =&gt; 4 TB @ level 4</a:t>
-            </a:r>
-            <a:endParaRPr lang="en-US" sz="2000" b="0" dirty="0">
-              <a:latin typeface="Gill Sans" charset="0"/>
-              <a:ea typeface="Gill Sans" charset="0"/>
-              <a:cs typeface="Gill Sans" charset="0"/>
-            </a:endParaRPr>
+              <a:t>     =&gt; 4 TB @ level 4</a:t>
+            </a:r>
           </a:p>
         </p:txBody>
       </p:sp>
@@ -6495,7 +6319,7 @@
           <a:lstStyle/>
           <a:p>
             <a:r>
-              <a:rPr lang="en-US" sz="2000" b="0" dirty="0" smtClean="0">
+              <a:rPr lang="en-US" sz="2000" b="0" dirty="0">
                 <a:solidFill>
                   <a:srgbClr val="0000FF"/>
                 </a:solidFill>
@@ -6505,14 +6329,6 @@
               </a:rPr>
               <a:t>48 KB</a:t>
             </a:r>
-            <a:endParaRPr lang="en-US" sz="2000" b="0" dirty="0">
-              <a:solidFill>
-                <a:srgbClr val="0000FF"/>
-              </a:solidFill>
-              <a:latin typeface="Gill Sans" charset="0"/>
-              <a:ea typeface="Gill Sans" charset="0"/>
-              <a:cs typeface="Gill Sans" charset="0"/>
-            </a:endParaRPr>
           </a:p>
         </p:txBody>
       </p:sp>
@@ -6539,17 +6355,6 @@
           <a:lstStyle/>
           <a:p>
             <a:r>
-              <a:rPr lang="en-US" sz="2000" b="0" dirty="0" smtClean="0">
-                <a:solidFill>
-                  <a:srgbClr val="0000FF"/>
-                </a:solidFill>
-                <a:latin typeface="Gill Sans" charset="0"/>
-                <a:ea typeface="Gill Sans" charset="0"/>
-                <a:cs typeface="Gill Sans" charset="0"/>
-              </a:rPr>
-              <a:t>+4 </a:t>
-            </a:r>
-            <a:r>
               <a:rPr lang="en-US" sz="2000" b="0" dirty="0">
                 <a:solidFill>
                   <a:srgbClr val="0000FF"/>
@@ -6558,27 +6363,8 @@
                 <a:ea typeface="Gill Sans" charset="0"/>
                 <a:cs typeface="Gill Sans" charset="0"/>
               </a:rPr>
-              <a:t>M</a:t>
-            </a:r>
-            <a:r>
-              <a:rPr lang="en-US" sz="2000" b="0" dirty="0" smtClean="0">
-                <a:solidFill>
-                  <a:srgbClr val="0000FF"/>
-                </a:solidFill>
-                <a:latin typeface="Gill Sans" charset="0"/>
-                <a:ea typeface="Gill Sans" charset="0"/>
-                <a:cs typeface="Gill Sans" charset="0"/>
-              </a:rPr>
-              <a:t>B</a:t>
-            </a:r>
-            <a:endParaRPr lang="en-US" sz="2000" b="0" dirty="0">
-              <a:solidFill>
-                <a:srgbClr val="0000FF"/>
-              </a:solidFill>
-              <a:latin typeface="Gill Sans" charset="0"/>
-              <a:ea typeface="Gill Sans" charset="0"/>
-              <a:cs typeface="Gill Sans" charset="0"/>
-            </a:endParaRPr>
+              <a:t>+4 MB</a:t>
+            </a:r>
           </a:p>
         </p:txBody>
       </p:sp>
@@ -6605,7 +6391,7 @@
           <a:lstStyle/>
           <a:p>
             <a:r>
-              <a:rPr lang="en-US" sz="2000" b="0" dirty="0" smtClean="0">
+              <a:rPr lang="en-US" sz="2000" b="0" dirty="0">
                 <a:solidFill>
                   <a:srgbClr val="0000FF"/>
                 </a:solidFill>
@@ -6615,14 +6401,6 @@
               </a:rPr>
               <a:t>+4 GB</a:t>
             </a:r>
-            <a:endParaRPr lang="en-US" sz="2000" b="0" dirty="0">
-              <a:solidFill>
-                <a:srgbClr val="0000FF"/>
-              </a:solidFill>
-              <a:latin typeface="Gill Sans" charset="0"/>
-              <a:ea typeface="Gill Sans" charset="0"/>
-              <a:cs typeface="Gill Sans" charset="0"/>
-            </a:endParaRPr>
           </a:p>
         </p:txBody>
       </p:sp>
@@ -6649,7 +6427,7 @@
           <a:lstStyle/>
           <a:p>
             <a:r>
-              <a:rPr lang="en-US" sz="2000" b="0" dirty="0" smtClean="0">
+              <a:rPr lang="en-US" sz="2000" b="0" dirty="0">
                 <a:solidFill>
                   <a:srgbClr val="0000FF"/>
                 </a:solidFill>
@@ -6659,14 +6437,6 @@
               </a:rPr>
               <a:t>+4 TB</a:t>
             </a:r>
-            <a:endParaRPr lang="en-US" sz="2000" b="0" dirty="0">
-              <a:solidFill>
-                <a:srgbClr val="0000FF"/>
-              </a:solidFill>
-              <a:latin typeface="Gill Sans" charset="0"/>
-              <a:ea typeface="Gill Sans" charset="0"/>
-              <a:cs typeface="Gill Sans" charset="0"/>
-            </a:endParaRPr>
           </a:p>
         </p:txBody>
       </p:sp>
@@ -6776,13 +6546,6 @@
     <a:masterClrMapping/>
   </p:clrMapOvr>
   <p:transition/>
-  <p:timing>
-    <p:tnLst>
-      <p:par>
-        <p:cTn id="1" dur="indefinite" restart="never" nodeType="tmRoot"/>
-      </p:par>
-    </p:tnLst>
-  </p:timing>
 </p:sld>
 </file>
 
@@ -6819,7 +6582,7 @@
           <a:lstStyle/>
           <a:p>
             <a:r>
-              <a:rPr lang="en-US" altLang="ko-KR" dirty="0" smtClean="0">
+              <a:rPr lang="en-US" altLang="ko-KR" dirty="0">
                 <a:ea typeface="굴림" panose="020B0600000101010101" pitchFamily="34" charset="-127"/>
               </a:rPr>
               <a:t>UNIX BSD 4.2 (1984) (1/2)</a:t>
@@ -6858,7 +6621,7 @@
               </a:spcBef>
             </a:pPr>
             <a:r>
-              <a:rPr lang="en-US" altLang="ko-KR" dirty="0" smtClean="0">
+              <a:rPr lang="en-US" altLang="ko-KR" dirty="0">
                 <a:ea typeface="굴림" panose="020B0600000101010101" pitchFamily="34" charset="-127"/>
               </a:rPr>
               <a:t>Same as BSD 4.1 (same file header and triply indirect blocks), except incorporated ideas from Cray Operating System:</a:t>
@@ -6874,18 +6637,18 @@
               </a:spcBef>
             </a:pPr>
             <a:r>
-              <a:rPr lang="en-US" altLang="ko-KR" sz="2400" dirty="0" smtClean="0">
+              <a:rPr lang="en-US" altLang="ko-KR" sz="2400" dirty="0">
                 <a:ea typeface="굴림" panose="020B0600000101010101" pitchFamily="34" charset="-127"/>
               </a:rPr>
               <a:t>Uses bitmap allocation in place of </a:t>
             </a:r>
             <a:r>
-              <a:rPr lang="en-US" altLang="ko-KR" sz="2400" dirty="0" err="1" smtClean="0">
+              <a:rPr lang="en-US" altLang="ko-KR" sz="2400" dirty="0" err="1">
                 <a:ea typeface="굴림" panose="020B0600000101010101" pitchFamily="34" charset="-127"/>
               </a:rPr>
               <a:t>freelist</a:t>
             </a:r>
-            <a:endParaRPr lang="en-US" altLang="ko-KR" sz="2400" dirty="0" smtClean="0">
+            <a:endParaRPr lang="en-US" altLang="ko-KR" sz="2400" dirty="0">
               <a:ea typeface="굴림" panose="020B0600000101010101" pitchFamily="34" charset="-127"/>
             </a:endParaRPr>
           </a:p>
@@ -6899,7 +6662,7 @@
               </a:spcBef>
             </a:pPr>
             <a:r>
-              <a:rPr lang="en-US" altLang="ko-KR" sz="2400" dirty="0" smtClean="0">
+              <a:rPr lang="en-US" altLang="ko-KR" sz="2400" dirty="0">
                 <a:ea typeface="굴림" panose="020B0600000101010101" pitchFamily="34" charset="-127"/>
               </a:rPr>
               <a:t>Attempt to allocate files contiguously</a:t>
@@ -6915,7 +6678,7 @@
               </a:spcBef>
             </a:pPr>
             <a:r>
-              <a:rPr lang="en-US" altLang="ko-KR" sz="2400" dirty="0" smtClean="0">
+              <a:rPr lang="en-US" altLang="ko-KR" sz="2400" dirty="0">
                 <a:ea typeface="굴림" panose="020B0600000101010101" pitchFamily="34" charset="-127"/>
               </a:rPr>
               <a:t>10% reserved disk space</a:t>
@@ -6931,17 +6694,17 @@
               </a:spcBef>
             </a:pPr>
             <a:r>
-              <a:rPr lang="en-US" altLang="ko-KR" sz="2400" dirty="0" smtClean="0">
+              <a:rPr lang="en-US" altLang="ko-KR" sz="2400" dirty="0">
                 <a:ea typeface="굴림" panose="020B0600000101010101" pitchFamily="34" charset="-127"/>
               </a:rPr>
               <a:t>Skip-sector positioning (mentioned later)</a:t>
             </a:r>
             <a:br>
-              <a:rPr lang="en-US" altLang="ko-KR" sz="2400" dirty="0" smtClean="0">
+              <a:rPr lang="en-US" altLang="ko-KR" sz="2400" dirty="0">
                 <a:ea typeface="굴림" panose="020B0600000101010101" pitchFamily="34" charset="-127"/>
               </a:rPr>
             </a:br>
-            <a:endParaRPr lang="en-US" altLang="ko-KR" sz="2400" dirty="0" smtClean="0">
+            <a:endParaRPr lang="en-US" altLang="ko-KR" sz="2400" dirty="0">
               <a:ea typeface="굴림" panose="020B0600000101010101" pitchFamily="34" charset="-127"/>
             </a:endParaRPr>
           </a:p>
@@ -7200,7 +6963,7 @@
           <a:lstStyle/>
           <a:p>
             <a:r>
-              <a:rPr lang="en-US" altLang="ko-KR" dirty="0" smtClean="0">
+              <a:rPr lang="en-US" altLang="ko-KR" dirty="0">
                 <a:ea typeface="굴림" panose="020B0600000101010101" pitchFamily="34" charset="-127"/>
               </a:rPr>
               <a:t>UNIX BSD 4.2 (1984) (2/2)</a:t>
@@ -7239,7 +7002,7 @@
               </a:spcBef>
             </a:pPr>
             <a:r>
-              <a:rPr lang="en-US" altLang="ko-KR" dirty="0" smtClean="0">
+              <a:rPr lang="en-US" altLang="ko-KR" dirty="0">
                 <a:ea typeface="굴림" panose="020B0600000101010101" pitchFamily="34" charset="-127"/>
               </a:rPr>
               <a:t>Problem: When create a file, don’t know how big it will become (in UNIX, most writes are by appending)</a:t>
@@ -7255,7 +7018,7 @@
               </a:spcBef>
             </a:pPr>
             <a:r>
-              <a:rPr lang="en-US" altLang="ko-KR" sz="2400" dirty="0" smtClean="0">
+              <a:rPr lang="en-US" altLang="ko-KR" sz="2400" dirty="0">
                 <a:ea typeface="굴림" panose="020B0600000101010101" pitchFamily="34" charset="-127"/>
               </a:rPr>
               <a:t>How much contiguous space do you allocate for a file?</a:t>
@@ -7271,7 +7034,7 @@
               </a:spcBef>
             </a:pPr>
             <a:r>
-              <a:rPr lang="en-US" altLang="ko-KR" sz="2400" dirty="0" smtClean="0">
+              <a:rPr lang="en-US" altLang="ko-KR" sz="2400" dirty="0">
                 <a:ea typeface="굴림" panose="020B0600000101010101" pitchFamily="34" charset="-127"/>
               </a:rPr>
               <a:t>In BSD 4.2, just find some range of free blocks</a:t>
@@ -7287,7 +7050,7 @@
               </a:spcBef>
             </a:pPr>
             <a:r>
-              <a:rPr lang="en-US" altLang="ko-KR" sz="2400" dirty="0" smtClean="0">
+              <a:rPr lang="en-US" altLang="ko-KR" sz="2400" dirty="0">
                 <a:ea typeface="굴림" panose="020B0600000101010101" pitchFamily="34" charset="-127"/>
               </a:rPr>
               <a:t>Put each new file at the front of different range</a:t>
@@ -7303,7 +7066,7 @@
               </a:spcBef>
             </a:pPr>
             <a:r>
-              <a:rPr lang="en-US" altLang="ko-KR" sz="2400" dirty="0" smtClean="0">
+              <a:rPr lang="en-US" altLang="ko-KR" sz="2400" dirty="0">
                 <a:ea typeface="굴림" panose="020B0600000101010101" pitchFamily="34" charset="-127"/>
               </a:rPr>
               <a:t>To expand a file, you first try successive blocks in bitmap, then choose new range of blocks</a:t>
@@ -7319,17 +7082,17 @@
               </a:spcBef>
             </a:pPr>
             <a:r>
-              <a:rPr lang="en-US" altLang="ko-KR" sz="2400" dirty="0" smtClean="0">
+              <a:rPr lang="en-US" altLang="ko-KR" sz="2400" dirty="0">
                 <a:ea typeface="굴림" panose="020B0600000101010101" pitchFamily="34" charset="-127"/>
               </a:rPr>
               <a:t>Also in BSD 4.2: store files from same directory near each other</a:t>
             </a:r>
             <a:br>
-              <a:rPr lang="en-US" altLang="ko-KR" sz="2400" dirty="0" smtClean="0">
+              <a:rPr lang="en-US" altLang="ko-KR" sz="2400" dirty="0">
                 <a:ea typeface="굴림" panose="020B0600000101010101" pitchFamily="34" charset="-127"/>
               </a:rPr>
             </a:br>
-            <a:endParaRPr lang="en-US" altLang="ko-KR" sz="2400" dirty="0" smtClean="0">
+            <a:endParaRPr lang="en-US" altLang="ko-KR" sz="2400" dirty="0">
               <a:ea typeface="굴림" panose="020B0600000101010101" pitchFamily="34" charset="-127"/>
             </a:endParaRPr>
           </a:p>
@@ -7343,7 +7106,7 @@
               </a:spcBef>
             </a:pPr>
             <a:r>
-              <a:rPr lang="en-US" altLang="ko-KR" dirty="0" smtClean="0">
+              <a:rPr lang="en-US" altLang="ko-KR" dirty="0">
                 <a:ea typeface="굴림" panose="020B0600000101010101" pitchFamily="34" charset="-127"/>
               </a:rPr>
               <a:t>Fast File System (FFS)</a:t>
@@ -7359,7 +7122,7 @@
               </a:spcBef>
             </a:pPr>
             <a:r>
-              <a:rPr lang="en-US" altLang="ko-KR" sz="2400" dirty="0" smtClean="0">
+              <a:rPr lang="en-US" altLang="ko-KR" sz="2400" dirty="0">
                 <a:ea typeface="굴림" panose="020B0600000101010101" pitchFamily="34" charset="-127"/>
               </a:rPr>
               <a:t>Allocation and placement policies for BSD 4.2</a:t>
@@ -7374,7 +7137,7 @@
                 <a:spcPct val="15000"/>
               </a:spcBef>
             </a:pPr>
-            <a:endParaRPr lang="ko-KR" altLang="en-US" sz="2400" dirty="0" smtClean="0">
+            <a:endParaRPr lang="ko-KR" altLang="en-US" sz="2400" dirty="0">
               <a:ea typeface="굴림" panose="020B0600000101010101" pitchFamily="34" charset="-127"/>
             </a:endParaRPr>
           </a:p>
@@ -7783,7 +7546,7 @@
           <a:lstStyle/>
           <a:p>
             <a:r>
-              <a:rPr lang="en-US" altLang="ko-KR" smtClean="0">
+              <a:rPr lang="en-US" altLang="ko-KR">
                 <a:ea typeface="굴림" panose="020B0600000101010101" pitchFamily="34" charset="-127"/>
               </a:rPr>
               <a:t>Attack of the Rotational Delay</a:t>
@@ -7822,7 +7585,7 @@
               </a:spcBef>
             </a:pPr>
             <a:r>
-              <a:rPr lang="en-US" altLang="ko-KR" dirty="0" smtClean="0">
+              <a:rPr lang="en-US" altLang="ko-KR" dirty="0">
                 <a:ea typeface="굴림" panose="020B0600000101010101" pitchFamily="34" charset="-127"/>
               </a:rPr>
               <a:t>Problem 2: Missing blocks due to rotational delay</a:t>
@@ -7838,7 +7601,7 @@
               </a:spcBef>
             </a:pPr>
             <a:r>
-              <a:rPr lang="en-US" altLang="ko-KR" sz="2400" dirty="0" smtClean="0">
+              <a:rPr lang="en-US" altLang="ko-KR" sz="2400" dirty="0">
                 <a:ea typeface="굴림" panose="020B0600000101010101" pitchFamily="34" charset="-127"/>
               </a:rPr>
               <a:t>Issue: Read one block, do processing, and read next block.  In meantime, disk has continued turning: missed next block! Need 1 revolution/block!</a:t>
@@ -7853,7 +7616,7 @@
                 <a:spcPct val="0"/>
               </a:spcBef>
             </a:pPr>
-            <a:endParaRPr lang="en-US" altLang="ko-KR" sz="2400" dirty="0" smtClean="0">
+            <a:endParaRPr lang="en-US" altLang="ko-KR" sz="2400" dirty="0">
               <a:ea typeface="굴림" panose="020B0600000101010101" pitchFamily="34" charset="-127"/>
             </a:endParaRPr>
           </a:p>
@@ -7866,7 +7629,7 @@
                 <a:spcPct val="0"/>
               </a:spcBef>
             </a:pPr>
-            <a:endParaRPr lang="en-US" altLang="ko-KR" sz="2400" dirty="0" smtClean="0">
+            <a:endParaRPr lang="en-US" altLang="ko-KR" sz="2400" dirty="0">
               <a:ea typeface="굴림" panose="020B0600000101010101" pitchFamily="34" charset="-127"/>
             </a:endParaRPr>
           </a:p>
@@ -7879,7 +7642,7 @@
                 <a:spcPct val="0"/>
               </a:spcBef>
             </a:pPr>
-            <a:endParaRPr lang="en-US" altLang="ko-KR" sz="2400" dirty="0" smtClean="0">
+            <a:endParaRPr lang="en-US" altLang="ko-KR" sz="2400" dirty="0">
               <a:ea typeface="굴림" panose="020B0600000101010101" pitchFamily="34" charset="-127"/>
             </a:endParaRPr>
           </a:p>
@@ -7892,7 +7655,7 @@
                 <a:spcPct val="0"/>
               </a:spcBef>
             </a:pPr>
-            <a:endParaRPr lang="en-US" altLang="ko-KR" sz="2400" dirty="0" smtClean="0">
+            <a:endParaRPr lang="en-US" altLang="ko-KR" sz="2400" dirty="0">
               <a:ea typeface="굴림" panose="020B0600000101010101" pitchFamily="34" charset="-127"/>
             </a:endParaRPr>
           </a:p>
@@ -7906,7 +7669,7 @@
               </a:spcBef>
               <a:buNone/>
             </a:pPr>
-            <a:endParaRPr lang="en-US" altLang="ko-KR" sz="2400" dirty="0" smtClean="0">
+            <a:endParaRPr lang="en-US" altLang="ko-KR" sz="2400" dirty="0">
               <a:ea typeface="굴림" panose="020B0600000101010101" pitchFamily="34" charset="-127"/>
             </a:endParaRPr>
           </a:p>
@@ -7920,7 +7683,7 @@
               </a:spcBef>
             </a:pPr>
             <a:r>
-              <a:rPr lang="en-US" altLang="ko-KR" sz="2400" dirty="0" smtClean="0">
+              <a:rPr lang="en-US" altLang="ko-KR" sz="2400" dirty="0">
                 <a:ea typeface="굴림" panose="020B0600000101010101" pitchFamily="34" charset="-127"/>
               </a:rPr>
               <a:t>Solution1: Skip sector positioning (“interleaving”)</a:t>
@@ -7936,7 +7699,7 @@
               </a:spcBef>
             </a:pPr>
             <a:r>
-              <a:rPr lang="en-US" altLang="ko-KR" sz="2400" dirty="0" smtClean="0">
+              <a:rPr lang="en-US" altLang="ko-KR" sz="2400" dirty="0">
                 <a:ea typeface="굴림" panose="020B0600000101010101" pitchFamily="34" charset="-127"/>
               </a:rPr>
               <a:t>Place the blocks from one file on every other block of a track: give time for processing to overlap rotation</a:t>
@@ -7952,7 +7715,7 @@
               </a:spcBef>
             </a:pPr>
             <a:r>
-              <a:rPr lang="en-US" altLang="ko-KR" sz="2400" dirty="0" smtClean="0">
+              <a:rPr lang="en-US" altLang="ko-KR" sz="2400" dirty="0">
                 <a:ea typeface="굴림" panose="020B0600000101010101" pitchFamily="34" charset="-127"/>
               </a:rPr>
               <a:t>Can be done by OS or in modern drives by the disk controller</a:t>
@@ -8004,12 +7767,12 @@
             <a:effectLst/>
             <a:extLst>
               <a:ext uri="{909E8E84-426E-40dd-AFC4-6F175D3DCCD1}">
-                <a14:hiddenFill xmlns:a14="http://schemas.microsoft.com/office/drawing/2010/main" xmlns="">
+                <a14:hiddenFill xmlns="" xmlns:a14="http://schemas.microsoft.com/office/drawing/2010/main">
                   <a:noFill/>
                 </a14:hiddenFill>
               </a:ext>
               <a:ext uri="{AF507438-7753-43e0-B8FC-AC1667EBCBE1}">
-                <a14:hiddenEffects xmlns:a14="http://schemas.microsoft.com/office/drawing/2010/main" xmlns="">
+                <a14:hiddenEffects xmlns="" xmlns:a14="http://schemas.microsoft.com/office/drawing/2010/main">
                   <a:effectLst>
                     <a:outerShdw dist="35921" dir="2700000" algn="ctr" rotWithShape="0">
                       <a:schemeClr val="bg2"/>
@@ -8054,14 +7817,14 @@
             <a:effectLst/>
             <a:extLst>
               <a:ext uri="{909E8E84-426E-40dd-AFC4-6F175D3DCCD1}">
-                <a14:hiddenFill xmlns:a14="http://schemas.microsoft.com/office/drawing/2010/main" xmlns="">
+                <a14:hiddenFill xmlns="" xmlns:a14="http://schemas.microsoft.com/office/drawing/2010/main">
                   <a:solidFill>
                     <a:schemeClr val="accent1"/>
                   </a:solidFill>
                 </a14:hiddenFill>
               </a:ext>
               <a:ext uri="{91240B29-F687-4f45-9708-019B960494DF}">
-                <a14:hiddenLine xmlns:a14="http://schemas.microsoft.com/office/drawing/2010/main" xmlns="" w="12700">
+                <a14:hiddenLine xmlns="" xmlns:a14="http://schemas.microsoft.com/office/drawing/2010/main" w="12700">
                   <a:solidFill>
                     <a:schemeClr val="tx1"/>
                   </a:solidFill>
@@ -8071,7 +7834,7 @@
                 </a14:hiddenLine>
               </a:ext>
               <a:ext uri="{AF507438-7753-43e0-B8FC-AC1667EBCBE1}">
-                <a14:hiddenEffects xmlns:a14="http://schemas.microsoft.com/office/drawing/2010/main" xmlns="">
+                <a14:hiddenEffects xmlns="" xmlns:a14="http://schemas.microsoft.com/office/drawing/2010/main">
                   <a:effectLst>
                     <a:outerShdw dist="35921" dir="2700000" algn="ctr" rotWithShape="0">
                       <a:schemeClr val="bg2"/>
@@ -8354,7 +8117,7 @@
               <a:effectLst/>
               <a:extLst>
                 <a:ext uri="{AF507438-7753-43e0-B8FC-AC1667EBCBE1}">
-                  <a14:hiddenEffects xmlns:a14="http://schemas.microsoft.com/office/drawing/2010/main" xmlns="">
+                  <a14:hiddenEffects xmlns="" xmlns:a14="http://schemas.microsoft.com/office/drawing/2010/main">
                     <a:effectLst>
                       <a:outerShdw dist="35921" dir="2700000" algn="ctr" rotWithShape="0">
                         <a:schemeClr val="bg2"/>
@@ -8474,7 +8237,7 @@
               <a:effectLst/>
               <a:extLst>
                 <a:ext uri="{AF507438-7753-43e0-B8FC-AC1667EBCBE1}">
-                  <a14:hiddenEffects xmlns:a14="http://schemas.microsoft.com/office/drawing/2010/main" xmlns="">
+                  <a14:hiddenEffects xmlns="" xmlns:a14="http://schemas.microsoft.com/office/drawing/2010/main">
                     <a:effectLst>
                       <a:outerShdw dist="35921" dir="2700000" algn="ctr" rotWithShape="0">
                         <a:schemeClr val="bg2"/>
@@ -8594,7 +8357,7 @@
               <a:effectLst/>
               <a:extLst>
                 <a:ext uri="{AF507438-7753-43e0-B8FC-AC1667EBCBE1}">
-                  <a14:hiddenEffects xmlns:a14="http://schemas.microsoft.com/office/drawing/2010/main" xmlns="">
+                  <a14:hiddenEffects xmlns="" xmlns:a14="http://schemas.microsoft.com/office/drawing/2010/main">
                     <a:effectLst>
                       <a:outerShdw dist="35921" dir="2700000" algn="ctr" rotWithShape="0">
                         <a:schemeClr val="bg2"/>
@@ -8714,7 +8477,7 @@
               <a:effectLst/>
               <a:extLst>
                 <a:ext uri="{AF507438-7753-43e0-B8FC-AC1667EBCBE1}">
-                  <a14:hiddenEffects xmlns:a14="http://schemas.microsoft.com/office/drawing/2010/main" xmlns="">
+                  <a14:hiddenEffects xmlns="" xmlns:a14="http://schemas.microsoft.com/office/drawing/2010/main">
                     <a:effectLst>
                       <a:outerShdw dist="35921" dir="2700000" algn="ctr" rotWithShape="0">
                         <a:schemeClr val="bg2"/>
@@ -8834,7 +8597,7 @@
               <a:effectLst/>
               <a:extLst>
                 <a:ext uri="{AF507438-7753-43e0-B8FC-AC1667EBCBE1}">
-                  <a14:hiddenEffects xmlns:a14="http://schemas.microsoft.com/office/drawing/2010/main" xmlns="">
+                  <a14:hiddenEffects xmlns="" xmlns:a14="http://schemas.microsoft.com/office/drawing/2010/main">
                     <a:effectLst>
                       <a:outerShdw dist="35921" dir="2700000" algn="ctr" rotWithShape="0">
                         <a:schemeClr val="bg2"/>
@@ -8927,14 +8690,14 @@
             <a:effectLst/>
             <a:extLst>
               <a:ext uri="{909E8E84-426E-40dd-AFC4-6F175D3DCCD1}">
-                <a14:hiddenFill xmlns:a14="http://schemas.microsoft.com/office/drawing/2010/main" xmlns="">
+                <a14:hiddenFill xmlns="" xmlns:a14="http://schemas.microsoft.com/office/drawing/2010/main">
                   <a:solidFill>
                     <a:srgbClr val="FF66CC"/>
                   </a:solidFill>
                 </a14:hiddenFill>
               </a:ext>
               <a:ext uri="{AF507438-7753-43e0-B8FC-AC1667EBCBE1}">
-                <a14:hiddenEffects xmlns:a14="http://schemas.microsoft.com/office/drawing/2010/main" xmlns="">
+                <a14:hiddenEffects xmlns="" xmlns:a14="http://schemas.microsoft.com/office/drawing/2010/main">
                   <a:effectLst>
                     <a:outerShdw dist="35921" dir="2700000" algn="ctr" rotWithShape="0">
                       <a:schemeClr val="bg2"/>
@@ -9113,7 +8876,7 @@
             <a:effectLst/>
             <a:extLst>
               <a:ext uri="{AF507438-7753-43e0-B8FC-AC1667EBCBE1}">
-                <a14:hiddenEffects xmlns:a14="http://schemas.microsoft.com/office/drawing/2010/main" xmlns="">
+                <a14:hiddenEffects xmlns="" xmlns:a14="http://schemas.microsoft.com/office/drawing/2010/main">
                   <a:effectLst>
                     <a:outerShdw dist="35921" dir="2700000" algn="ctr" rotWithShape="0">
                       <a:schemeClr val="bg2"/>
@@ -9165,7 +8928,7 @@
             <a:effectLst/>
             <a:extLst>
               <a:ext uri="{AF507438-7753-43e0-B8FC-AC1667EBCBE1}">
-                <a14:hiddenEffects xmlns:a14="http://schemas.microsoft.com/office/drawing/2010/main" xmlns="">
+                <a14:hiddenEffects xmlns="" xmlns:a14="http://schemas.microsoft.com/office/drawing/2010/main">
                   <a:effectLst>
                     <a:outerShdw dist="35921" dir="2700000" algn="ctr" rotWithShape="0">
                       <a:schemeClr val="bg2"/>
@@ -9323,14 +9086,14 @@
             <a:effectLst/>
             <a:extLst>
               <a:ext uri="{909E8E84-426E-40dd-AFC4-6F175D3DCCD1}">
-                <a14:hiddenFill xmlns:a14="http://schemas.microsoft.com/office/drawing/2010/main" xmlns="">
+                <a14:hiddenFill xmlns="" xmlns:a14="http://schemas.microsoft.com/office/drawing/2010/main">
                   <a:solidFill>
                     <a:srgbClr val="FF66CC"/>
                   </a:solidFill>
                 </a14:hiddenFill>
               </a:ext>
               <a:ext uri="{91240B29-F687-4f45-9708-019B960494DF}">
-                <a14:hiddenLine xmlns:a14="http://schemas.microsoft.com/office/drawing/2010/main" xmlns="" w="38100" algn="ctr">
+                <a14:hiddenLine xmlns="" xmlns:a14="http://schemas.microsoft.com/office/drawing/2010/main" w="38100" algn="ctr">
                   <a:solidFill>
                     <a:schemeClr val="tx1"/>
                   </a:solidFill>
@@ -9340,7 +9103,7 @@
                 </a14:hiddenLine>
               </a:ext>
               <a:ext uri="{AF507438-7753-43e0-B8FC-AC1667EBCBE1}">
-                <a14:hiddenEffects xmlns:a14="http://schemas.microsoft.com/office/drawing/2010/main" xmlns="">
+                <a14:hiddenEffects xmlns="" xmlns:a14="http://schemas.microsoft.com/office/drawing/2010/main">
                   <a:effectLst>
                     <a:outerShdw dist="35921" dir="2700000" algn="ctr" rotWithShape="0">
                       <a:schemeClr val="bg2"/>
@@ -9523,7 +9286,7 @@
             <a:effectLst/>
             <a:extLst>
               <a:ext uri="{AF507438-7753-43e0-B8FC-AC1667EBCBE1}">
-                <a14:hiddenEffects xmlns:a14="http://schemas.microsoft.com/office/drawing/2010/main" xmlns="">
+                <a14:hiddenEffects xmlns="" xmlns:a14="http://schemas.microsoft.com/office/drawing/2010/main">
                   <a:effectLst>
                     <a:outerShdw dist="35921" dir="2700000" algn="ctr" rotWithShape="0">
                       <a:schemeClr val="bg2"/>
@@ -10002,7 +9765,7 @@
           <a:lstStyle/>
           <a:p>
             <a:r>
-              <a:rPr lang="en-US" altLang="ko-KR" smtClean="0">
+              <a:rPr lang="en-US" altLang="ko-KR">
                 <a:ea typeface="굴림" panose="020B0600000101010101" pitchFamily="34" charset="-127"/>
               </a:rPr>
               <a:t>Attack of the Rotational Delay</a:t>
@@ -10041,7 +9804,7 @@
               </a:spcBef>
             </a:pPr>
             <a:r>
-              <a:rPr lang="en-US" altLang="ko-KR" dirty="0" smtClean="0">
+              <a:rPr lang="en-US" altLang="ko-KR" dirty="0">
                 <a:ea typeface="굴림" panose="020B0600000101010101" pitchFamily="34" charset="-127"/>
               </a:rPr>
               <a:t>Problem 2: Missing blocks due to rotational delay</a:t>
@@ -10057,7 +9820,7 @@
               </a:spcBef>
             </a:pPr>
             <a:r>
-              <a:rPr lang="en-US" altLang="ko-KR" sz="2400" dirty="0" smtClean="0">
+              <a:rPr lang="en-US" altLang="ko-KR" sz="2400" dirty="0">
                 <a:ea typeface="굴림" panose="020B0600000101010101" pitchFamily="34" charset="-127"/>
               </a:rPr>
               <a:t>Issue: Read one block, do processing, and read next block.  In meantime, disk has continued turning: missed next block! Need 1 revolution/block!</a:t>
@@ -10072,7 +9835,7 @@
                 <a:spcPct val="0"/>
               </a:spcBef>
             </a:pPr>
-            <a:endParaRPr lang="en-US" altLang="ko-KR" sz="2400" dirty="0" smtClean="0">
+            <a:endParaRPr lang="en-US" altLang="ko-KR" sz="2400" dirty="0">
               <a:ea typeface="굴림" panose="020B0600000101010101" pitchFamily="34" charset="-127"/>
             </a:endParaRPr>
           </a:p>
@@ -10085,7 +9848,7 @@
                 <a:spcPct val="0"/>
               </a:spcBef>
             </a:pPr>
-            <a:endParaRPr lang="en-US" altLang="ko-KR" sz="2400" dirty="0" smtClean="0">
+            <a:endParaRPr lang="en-US" altLang="ko-KR" sz="2400" dirty="0">
               <a:ea typeface="굴림" panose="020B0600000101010101" pitchFamily="34" charset="-127"/>
             </a:endParaRPr>
           </a:p>
@@ -10098,7 +9861,7 @@
                 <a:spcPct val="0"/>
               </a:spcBef>
             </a:pPr>
-            <a:endParaRPr lang="en-US" altLang="ko-KR" sz="2400" dirty="0" smtClean="0">
+            <a:endParaRPr lang="en-US" altLang="ko-KR" sz="2400" dirty="0">
               <a:ea typeface="굴림" panose="020B0600000101010101" pitchFamily="34" charset="-127"/>
             </a:endParaRPr>
           </a:p>
@@ -10111,7 +9874,7 @@
                 <a:spcPct val="0"/>
               </a:spcBef>
             </a:pPr>
-            <a:endParaRPr lang="en-US" altLang="ko-KR" sz="2400" dirty="0" smtClean="0">
+            <a:endParaRPr lang="en-US" altLang="ko-KR" sz="2400" dirty="0">
               <a:ea typeface="굴림" panose="020B0600000101010101" pitchFamily="34" charset="-127"/>
             </a:endParaRPr>
           </a:p>
@@ -10125,7 +9888,7 @@
               </a:spcBef>
               <a:buNone/>
             </a:pPr>
-            <a:endParaRPr lang="en-US" altLang="ko-KR" sz="2400" dirty="0" smtClean="0">
+            <a:endParaRPr lang="en-US" altLang="ko-KR" sz="2400" dirty="0">
               <a:ea typeface="굴림" panose="020B0600000101010101" pitchFamily="34" charset="-127"/>
             </a:endParaRPr>
           </a:p>
@@ -10139,26 +9902,11 @@
               </a:spcBef>
             </a:pPr>
             <a:r>
-              <a:rPr lang="en-US" altLang="ko-KR" sz="2400" dirty="0" smtClean="0">
-                <a:ea typeface="굴림" panose="020B0600000101010101" pitchFamily="34" charset="-127"/>
-              </a:rPr>
-              <a:t>Solution 2</a:t>
-            </a:r>
-            <a:r>
               <a:rPr lang="en-US" altLang="ko-KR" sz="2400" dirty="0">
                 <a:ea typeface="굴림" panose="020B0600000101010101" pitchFamily="34" charset="-127"/>
               </a:rPr>
-              <a:t>: Read ahead: read next block right after first, even if application hasn’t asked for it </a:t>
-            </a:r>
-            <a:r>
-              <a:rPr lang="en-US" altLang="ko-KR" sz="2400" dirty="0" smtClean="0">
-                <a:ea typeface="굴림" panose="020B0600000101010101" pitchFamily="34" charset="-127"/>
-              </a:rPr>
-              <a:t>yet</a:t>
-            </a:r>
-            <a:endParaRPr lang="en-US" altLang="ko-KR" sz="2400" dirty="0">
-              <a:ea typeface="굴림" panose="020B0600000101010101" pitchFamily="34" charset="-127"/>
-            </a:endParaRPr>
+              <a:t>Solution 2: Read ahead: read next block right after first, even if application hasn’t asked for it yet</a:t>
+            </a:r>
           </a:p>
           <a:p>
             <a:pPr lvl="2">
@@ -10189,13 +9937,7 @@
               <a:rPr lang="en-US" altLang="ko-KR" sz="2400" dirty="0">
                 <a:ea typeface="굴림" panose="020B0600000101010101" pitchFamily="34" charset="-127"/>
               </a:rPr>
-              <a:t>By disk itself (track buffers) - many disk controllers have internal RAM that allows them to read a complete </a:t>
-            </a:r>
-            <a:r>
-              <a:rPr lang="en-US" altLang="ko-KR" sz="2400" dirty="0" smtClean="0">
-                <a:ea typeface="굴림" panose="020B0600000101010101" pitchFamily="34" charset="-127"/>
-              </a:rPr>
-              <a:t>track</a:t>
+              <a:t>By disk itself (track buffers) - many disk controllers have internal RAM that allows them to read a complete track</a:t>
             </a:r>
           </a:p>
           <a:p>
@@ -10208,28 +9950,10 @@
               </a:spcBef>
             </a:pPr>
             <a:r>
-              <a:rPr lang="en-US" altLang="ko-KR" dirty="0" smtClean="0">
-                <a:ea typeface="굴림" panose="020B0600000101010101" pitchFamily="34" charset="-127"/>
-              </a:rPr>
-              <a:t>Note: </a:t>
-            </a:r>
-            <a:r>
               <a:rPr lang="en-US" altLang="ko-KR" dirty="0">
                 <a:ea typeface="굴림" panose="020B0600000101010101" pitchFamily="34" charset="-127"/>
               </a:rPr>
-              <a:t>Modern disks + controllers do many </a:t>
-            </a:r>
-            <a:r>
-              <a:rPr lang="en-US" altLang="ko-KR" dirty="0" smtClean="0">
-                <a:ea typeface="굴림" panose="020B0600000101010101" pitchFamily="34" charset="-127"/>
-              </a:rPr>
-              <a:t>things </a:t>
-            </a:r>
-            <a:r>
-              <a:rPr lang="en-US" altLang="ko-KR" dirty="0">
-                <a:ea typeface="굴림" panose="020B0600000101010101" pitchFamily="34" charset="-127"/>
-              </a:rPr>
-              <a:t>“under the covers”</a:t>
+              <a:t>Note: Modern disks + controllers do many things “under the covers”</a:t>
             </a:r>
           </a:p>
           <a:p>
@@ -10310,12 +10034,12 @@
             <a:effectLst/>
             <a:extLst>
               <a:ext uri="{909E8E84-426E-40dd-AFC4-6F175D3DCCD1}">
-                <a14:hiddenFill xmlns:a14="http://schemas.microsoft.com/office/drawing/2010/main" xmlns="">
+                <a14:hiddenFill xmlns="" xmlns:a14="http://schemas.microsoft.com/office/drawing/2010/main">
                   <a:noFill/>
                 </a14:hiddenFill>
               </a:ext>
               <a:ext uri="{AF507438-7753-43e0-B8FC-AC1667EBCBE1}">
-                <a14:hiddenEffects xmlns:a14="http://schemas.microsoft.com/office/drawing/2010/main" xmlns="">
+                <a14:hiddenEffects xmlns="" xmlns:a14="http://schemas.microsoft.com/office/drawing/2010/main">
                   <a:effectLst>
                     <a:outerShdw dist="35921" dir="2700000" algn="ctr" rotWithShape="0">
                       <a:schemeClr val="bg2"/>
@@ -10360,14 +10084,14 @@
             <a:effectLst/>
             <a:extLst>
               <a:ext uri="{909E8E84-426E-40dd-AFC4-6F175D3DCCD1}">
-                <a14:hiddenFill xmlns:a14="http://schemas.microsoft.com/office/drawing/2010/main" xmlns="">
+                <a14:hiddenFill xmlns="" xmlns:a14="http://schemas.microsoft.com/office/drawing/2010/main">
                   <a:solidFill>
                     <a:schemeClr val="accent1"/>
                   </a:solidFill>
                 </a14:hiddenFill>
               </a:ext>
               <a:ext uri="{91240B29-F687-4f45-9708-019B960494DF}">
-                <a14:hiddenLine xmlns:a14="http://schemas.microsoft.com/office/drawing/2010/main" xmlns="" w="12700">
+                <a14:hiddenLine xmlns="" xmlns:a14="http://schemas.microsoft.com/office/drawing/2010/main" w="12700">
                   <a:solidFill>
                     <a:schemeClr val="tx1"/>
                   </a:solidFill>
@@ -10377,7 +10101,7 @@
                 </a14:hiddenLine>
               </a:ext>
               <a:ext uri="{AF507438-7753-43e0-B8FC-AC1667EBCBE1}">
-                <a14:hiddenEffects xmlns:a14="http://schemas.microsoft.com/office/drawing/2010/main" xmlns="">
+                <a14:hiddenEffects xmlns="" xmlns:a14="http://schemas.microsoft.com/office/drawing/2010/main">
                   <a:effectLst>
                     <a:outerShdw dist="35921" dir="2700000" algn="ctr" rotWithShape="0">
                       <a:schemeClr val="bg2"/>
@@ -10660,7 +10384,7 @@
               <a:effectLst/>
               <a:extLst>
                 <a:ext uri="{AF507438-7753-43e0-B8FC-AC1667EBCBE1}">
-                  <a14:hiddenEffects xmlns:a14="http://schemas.microsoft.com/office/drawing/2010/main" xmlns="">
+                  <a14:hiddenEffects xmlns="" xmlns:a14="http://schemas.microsoft.com/office/drawing/2010/main">
                     <a:effectLst>
                       <a:outerShdw dist="35921" dir="2700000" algn="ctr" rotWithShape="0">
                         <a:schemeClr val="bg2"/>
@@ -10780,7 +10504,7 @@
               <a:effectLst/>
               <a:extLst>
                 <a:ext uri="{AF507438-7753-43e0-B8FC-AC1667EBCBE1}">
-                  <a14:hiddenEffects xmlns:a14="http://schemas.microsoft.com/office/drawing/2010/main" xmlns="">
+                  <a14:hiddenEffects xmlns="" xmlns:a14="http://schemas.microsoft.com/office/drawing/2010/main">
                     <a:effectLst>
                       <a:outerShdw dist="35921" dir="2700000" algn="ctr" rotWithShape="0">
                         <a:schemeClr val="bg2"/>
@@ -10900,7 +10624,7 @@
               <a:effectLst/>
               <a:extLst>
                 <a:ext uri="{AF507438-7753-43e0-B8FC-AC1667EBCBE1}">
-                  <a14:hiddenEffects xmlns:a14="http://schemas.microsoft.com/office/drawing/2010/main" xmlns="">
+                  <a14:hiddenEffects xmlns="" xmlns:a14="http://schemas.microsoft.com/office/drawing/2010/main">
                     <a:effectLst>
                       <a:outerShdw dist="35921" dir="2700000" algn="ctr" rotWithShape="0">
                         <a:schemeClr val="bg2"/>
@@ -11020,7 +10744,7 @@
               <a:effectLst/>
               <a:extLst>
                 <a:ext uri="{AF507438-7753-43e0-B8FC-AC1667EBCBE1}">
-                  <a14:hiddenEffects xmlns:a14="http://schemas.microsoft.com/office/drawing/2010/main" xmlns="">
+                  <a14:hiddenEffects xmlns="" xmlns:a14="http://schemas.microsoft.com/office/drawing/2010/main">
                     <a:effectLst>
                       <a:outerShdw dist="35921" dir="2700000" algn="ctr" rotWithShape="0">
                         <a:schemeClr val="bg2"/>
@@ -11140,7 +10864,7 @@
               <a:effectLst/>
               <a:extLst>
                 <a:ext uri="{AF507438-7753-43e0-B8FC-AC1667EBCBE1}">
-                  <a14:hiddenEffects xmlns:a14="http://schemas.microsoft.com/office/drawing/2010/main" xmlns="">
+                  <a14:hiddenEffects xmlns="" xmlns:a14="http://schemas.microsoft.com/office/drawing/2010/main">
                     <a:effectLst>
                       <a:outerShdw dist="35921" dir="2700000" algn="ctr" rotWithShape="0">
                         <a:schemeClr val="bg2"/>
@@ -11233,14 +10957,14 @@
             <a:effectLst/>
             <a:extLst>
               <a:ext uri="{909E8E84-426E-40dd-AFC4-6F175D3DCCD1}">
-                <a14:hiddenFill xmlns:a14="http://schemas.microsoft.com/office/drawing/2010/main" xmlns="">
+                <a14:hiddenFill xmlns="" xmlns:a14="http://schemas.microsoft.com/office/drawing/2010/main">
                   <a:solidFill>
                     <a:srgbClr val="FF66CC"/>
                   </a:solidFill>
                 </a14:hiddenFill>
               </a:ext>
               <a:ext uri="{AF507438-7753-43e0-B8FC-AC1667EBCBE1}">
-                <a14:hiddenEffects xmlns:a14="http://schemas.microsoft.com/office/drawing/2010/main" xmlns="">
+                <a14:hiddenEffects xmlns="" xmlns:a14="http://schemas.microsoft.com/office/drawing/2010/main">
                   <a:effectLst>
                     <a:outerShdw dist="35921" dir="2700000" algn="ctr" rotWithShape="0">
                       <a:schemeClr val="bg2"/>
@@ -11419,7 +11143,7 @@
             <a:effectLst/>
             <a:extLst>
               <a:ext uri="{AF507438-7753-43e0-B8FC-AC1667EBCBE1}">
-                <a14:hiddenEffects xmlns:a14="http://schemas.microsoft.com/office/drawing/2010/main" xmlns="">
+                <a14:hiddenEffects xmlns="" xmlns:a14="http://schemas.microsoft.com/office/drawing/2010/main">
                   <a:effectLst>
                     <a:outerShdw dist="35921" dir="2700000" algn="ctr" rotWithShape="0">
                       <a:schemeClr val="bg2"/>
@@ -11471,7 +11195,7 @@
             <a:effectLst/>
             <a:extLst>
               <a:ext uri="{AF507438-7753-43e0-B8FC-AC1667EBCBE1}">
-                <a14:hiddenEffects xmlns:a14="http://schemas.microsoft.com/office/drawing/2010/main" xmlns="">
+                <a14:hiddenEffects xmlns="" xmlns:a14="http://schemas.microsoft.com/office/drawing/2010/main">
                   <a:effectLst>
                     <a:outerShdw dist="35921" dir="2700000" algn="ctr" rotWithShape="0">
                       <a:schemeClr val="bg2"/>
@@ -11629,14 +11353,14 @@
             <a:effectLst/>
             <a:extLst>
               <a:ext uri="{909E8E84-426E-40dd-AFC4-6F175D3DCCD1}">
-                <a14:hiddenFill xmlns:a14="http://schemas.microsoft.com/office/drawing/2010/main" xmlns="">
+                <a14:hiddenFill xmlns="" xmlns:a14="http://schemas.microsoft.com/office/drawing/2010/main">
                   <a:solidFill>
                     <a:srgbClr val="FF66CC"/>
                   </a:solidFill>
                 </a14:hiddenFill>
               </a:ext>
               <a:ext uri="{91240B29-F687-4f45-9708-019B960494DF}">
-                <a14:hiddenLine xmlns:a14="http://schemas.microsoft.com/office/drawing/2010/main" xmlns="" w="38100" algn="ctr">
+                <a14:hiddenLine xmlns="" xmlns:a14="http://schemas.microsoft.com/office/drawing/2010/main" w="38100" algn="ctr">
                   <a:solidFill>
                     <a:schemeClr val="tx1"/>
                   </a:solidFill>
@@ -11646,7 +11370,7 @@
                 </a14:hiddenLine>
               </a:ext>
               <a:ext uri="{AF507438-7753-43e0-B8FC-AC1667EBCBE1}">
-                <a14:hiddenEffects xmlns:a14="http://schemas.microsoft.com/office/drawing/2010/main" xmlns="">
+                <a14:hiddenEffects xmlns="" xmlns:a14="http://schemas.microsoft.com/office/drawing/2010/main">
                   <a:effectLst>
                     <a:outerShdw dist="35921" dir="2700000" algn="ctr" rotWithShape="0">
                       <a:schemeClr val="bg2"/>
@@ -11829,7 +11553,7 @@
             <a:effectLst/>
             <a:extLst>
               <a:ext uri="{AF507438-7753-43e0-B8FC-AC1667EBCBE1}">
-                <a14:hiddenEffects xmlns:a14="http://schemas.microsoft.com/office/drawing/2010/main" xmlns="">
+                <a14:hiddenEffects xmlns="" xmlns:a14="http://schemas.microsoft.com/office/drawing/2010/main">
                   <a:effectLst>
                     <a:outerShdw dist="35921" dir="2700000" algn="ctr" rotWithShape="0">
                       <a:schemeClr val="bg2"/>
@@ -12301,7 +12025,7 @@
           <a:lstStyle/>
           <a:p>
             <a:r>
-              <a:rPr lang="en-US" smtClean="0"/>
+              <a:rPr lang="en-US"/>
               <a:t>Where are inodes Stored?</a:t>
             </a:r>
             <a:endParaRPr lang="en-US" dirty="0"/>
@@ -12326,63 +12050,63 @@
           <a:lstStyle/>
           <a:p>
             <a:r>
-              <a:rPr lang="en-US" sz="2800" dirty="0" smtClean="0"/>
+              <a:rPr lang="en-US" sz="2800" dirty="0"/>
               <a:t>In early UNIX and DOS/Windows’ FAT file system, headers stored in special array in outermost cylinders</a:t>
             </a:r>
           </a:p>
           <a:p>
-            <a:endParaRPr lang="en-US" sz="2800" dirty="0" smtClean="0"/>
-          </a:p>
-          <a:p>
-            <a:r>
-              <a:rPr lang="en-US" sz="2800" dirty="0" smtClean="0"/>
+            <a:endParaRPr lang="en-US" sz="2800" dirty="0"/>
+          </a:p>
+          <a:p>
+            <a:r>
+              <a:rPr lang="en-US" sz="2800" dirty="0"/>
               <a:t>Header not stored anywhere near the data blocks</a:t>
             </a:r>
           </a:p>
           <a:p>
             <a:pPr lvl="1"/>
             <a:r>
-              <a:rPr lang="en-US" sz="2400" dirty="0" smtClean="0"/>
+              <a:rPr lang="en-US" sz="2400" dirty="0"/>
               <a:t>To read a small file, seek to get header, seek back to data</a:t>
             </a:r>
           </a:p>
           <a:p>
             <a:pPr lvl="1"/>
-            <a:endParaRPr lang="en-US" sz="2400" dirty="0" smtClean="0"/>
-          </a:p>
-          <a:p>
-            <a:r>
-              <a:rPr lang="en-US" sz="2800" dirty="0" smtClean="0"/>
+            <a:endParaRPr lang="en-US" sz="2400" dirty="0"/>
+          </a:p>
+          <a:p>
+            <a:r>
+              <a:rPr lang="en-US" sz="2800" dirty="0"/>
               <a:t>Fixed size, set when disk is formatted</a:t>
             </a:r>
           </a:p>
           <a:p>
             <a:pPr lvl="1"/>
             <a:r>
-              <a:rPr lang="en-US" sz="2400" dirty="0" smtClean="0"/>
+              <a:rPr lang="en-US" sz="2400" dirty="0"/>
               <a:t>At formatting time, a fixed number of </a:t>
             </a:r>
             <a:r>
-              <a:rPr lang="en-US" sz="2400" dirty="0" err="1" smtClean="0"/>
+              <a:rPr lang="en-US" sz="2400" dirty="0" err="1"/>
               <a:t>inodes</a:t>
             </a:r>
             <a:r>
-              <a:rPr lang="en-US" sz="2400" dirty="0" smtClean="0"/>
+              <a:rPr lang="en-US" sz="2400" dirty="0"/>
               <a:t> are created</a:t>
             </a:r>
           </a:p>
           <a:p>
             <a:pPr lvl="1"/>
             <a:r>
-              <a:rPr lang="en-US" sz="2400" dirty="0" smtClean="0"/>
+              <a:rPr lang="en-US" sz="2400" dirty="0"/>
               <a:t>Each is given a unique number, called an “</a:t>
             </a:r>
             <a:r>
-              <a:rPr lang="en-US" altLang="ja-JP" sz="2400" dirty="0" err="1" smtClean="0"/>
+              <a:rPr lang="en-US" altLang="ja-JP" sz="2400" dirty="0" err="1"/>
               <a:t>inumber</a:t>
             </a:r>
             <a:r>
-              <a:rPr lang="en-US" altLang="ja-JP" sz="2400" dirty="0" smtClean="0"/>
+              <a:rPr lang="en-US" altLang="ja-JP" sz="2400" dirty="0"/>
               <a:t>”</a:t>
             </a:r>
             <a:endParaRPr lang="en-US" sz="2400" dirty="0"/>
@@ -12709,7 +12433,7 @@
           <a:lstStyle/>
           <a:p>
             <a:r>
-              <a:rPr lang="en-US" smtClean="0"/>
+              <a:rPr lang="en-US"/>
               <a:t>Where are inodes Stored?</a:t>
             </a:r>
             <a:endParaRPr lang="en-US" dirty="0"/>
@@ -12739,49 +12463,49 @@
           <a:lstStyle/>
           <a:p>
             <a:r>
-              <a:rPr lang="en-US" dirty="0" smtClean="0"/>
+              <a:rPr lang="en-US" dirty="0"/>
               <a:t>Later versions of UNIX moved the header information to be </a:t>
             </a:r>
             <a:br>
-              <a:rPr lang="en-US" dirty="0" smtClean="0"/>
+              <a:rPr lang="en-US" dirty="0"/>
             </a:br>
             <a:r>
-              <a:rPr lang="en-US" dirty="0" smtClean="0"/>
+              <a:rPr lang="en-US" dirty="0"/>
               <a:t>closer to the data blocks</a:t>
             </a:r>
           </a:p>
           <a:p>
             <a:pPr lvl="1"/>
             <a:r>
-              <a:rPr lang="en-US" sz="2400" dirty="0" smtClean="0"/>
+              <a:rPr lang="en-US" sz="2400" dirty="0"/>
               <a:t>Often, </a:t>
             </a:r>
             <a:r>
-              <a:rPr lang="en-US" sz="2400" dirty="0" err="1" smtClean="0"/>
+              <a:rPr lang="en-US" sz="2400" dirty="0" err="1"/>
               <a:t>inode</a:t>
             </a:r>
             <a:r>
-              <a:rPr lang="en-US" sz="2400" dirty="0" smtClean="0"/>
+              <a:rPr lang="en-US" sz="2400" dirty="0"/>
               <a:t> for file stored in same </a:t>
             </a:r>
             <a:r>
-              <a:rPr lang="ja-JP" altLang="en-US" sz="2400" dirty="0" smtClean="0"/>
+              <a:rPr lang="ja-JP" altLang="en-US" sz="2400" dirty="0"/>
               <a:t>“</a:t>
             </a:r>
             <a:r>
-              <a:rPr lang="en-US" altLang="ja-JP" sz="2400" dirty="0" smtClean="0"/>
+              <a:rPr lang="en-US" altLang="ja-JP" sz="2400" dirty="0"/>
               <a:t>cylinder group</a:t>
             </a:r>
             <a:r>
-              <a:rPr lang="ja-JP" altLang="en-US" sz="2400" dirty="0" smtClean="0"/>
+              <a:rPr lang="ja-JP" altLang="en-US" sz="2400" dirty="0"/>
               <a:t>”</a:t>
             </a:r>
             <a:r>
-              <a:rPr lang="en-US" altLang="ja-JP" sz="2400" dirty="0" smtClean="0"/>
+              <a:rPr lang="en-US" altLang="ja-JP" sz="2400" dirty="0"/>
               <a:t> as parent directory of the file (makes an </a:t>
             </a:r>
             <a:r>
-              <a:rPr lang="en-US" altLang="ja-JP" sz="2400" dirty="0" err="1" smtClean="0">
+              <a:rPr lang="en-US" altLang="ja-JP" sz="2400" dirty="0" err="1">
                 <a:latin typeface="Consolas" charset="0"/>
                 <a:ea typeface="Consolas" charset="0"/>
                 <a:cs typeface="Consolas" charset="0"/>
@@ -12789,39 +12513,31 @@
               <a:t>ls</a:t>
             </a:r>
             <a:r>
-              <a:rPr lang="en-US" altLang="ja-JP" sz="2400" dirty="0" smtClean="0"/>
+              <a:rPr lang="en-US" altLang="ja-JP" sz="2400" dirty="0"/>
               <a:t> of that directory run fast)</a:t>
             </a:r>
           </a:p>
           <a:p>
             <a:r>
-              <a:rPr lang="en-US" dirty="0" smtClean="0"/>
+              <a:rPr lang="en-US" dirty="0"/>
               <a:t>Pros: </a:t>
             </a:r>
           </a:p>
           <a:p>
             <a:pPr lvl="1"/>
             <a:r>
-              <a:rPr lang="en-US" sz="2400" dirty="0" smtClean="0"/>
-              <a:t>UNIX BSD 4.2 puts </a:t>
-            </a:r>
-            <a:r>
-              <a:rPr lang="en-US" sz="2400" dirty="0" smtClean="0"/>
-              <a:t>bits </a:t>
-            </a:r>
-            <a:r>
-              <a:rPr lang="en-US" sz="2400" dirty="0" smtClean="0"/>
-              <a:t>of file header array on many cylinders</a:t>
+              <a:rPr lang="en-US" sz="2400" dirty="0"/>
+              <a:t>UNIX BSD 4.2 puts bits of file header array on many cylinders</a:t>
             </a:r>
           </a:p>
           <a:p>
             <a:pPr lvl="1"/>
             <a:r>
-              <a:rPr lang="en-US" sz="2400" dirty="0" smtClean="0"/>
+              <a:rPr lang="en-US" sz="2400" dirty="0"/>
               <a:t>For small directories, can fit all data, file headers, etc. in same cylinder </a:t>
             </a:r>
             <a:r>
-              <a:rPr lang="en-US" sz="2400" dirty="0" smtClean="0">
+              <a:rPr lang="en-US" sz="2400" dirty="0">
                 <a:sym typeface="Symbol" pitchFamily="-83" charset="2"/>
               </a:rPr>
               <a:t> no seeks!</a:t>
@@ -12830,7 +12546,7 @@
           <a:p>
             <a:pPr lvl="1"/>
             <a:r>
-              <a:rPr lang="en-US" sz="2400" dirty="0" smtClean="0">
+              <a:rPr lang="en-US" sz="2400" dirty="0">
                 <a:sym typeface="Symbol" pitchFamily="-83" charset="2"/>
               </a:rPr>
               <a:t>File headers much smaller than whole block (a few hundred bytes), so multiple headers fetched from disk at same time</a:t>
@@ -12839,24 +12555,23 @@
           <a:p>
             <a:pPr lvl="1"/>
             <a:r>
-              <a:rPr lang="en-US" sz="2400" dirty="0" smtClean="0"/>
+              <a:rPr lang="en-US" sz="2400" dirty="0"/>
               <a:t>Reliability: whatever happens to the disk, you can find many of the files (even if directories disconnected)</a:t>
             </a:r>
-            <a:endParaRPr lang="en-US" sz="1600" dirty="0" smtClean="0"/>
-          </a:p>
-          <a:p>
-            <a:r>
-              <a:rPr lang="en-US" dirty="0" smtClean="0"/>
+            <a:endParaRPr lang="en-US" sz="1600" dirty="0"/>
+          </a:p>
+          <a:p>
+            <a:r>
+              <a:rPr lang="en-US" dirty="0"/>
               <a:t>Part of the Fast File System (FFS)</a:t>
             </a:r>
           </a:p>
           <a:p>
             <a:pPr lvl="1"/>
             <a:r>
-              <a:rPr lang="en-US" sz="2400" dirty="0" smtClean="0"/>
+              <a:rPr lang="en-US" sz="2400" dirty="0"/>
               <a:t>General optimization to avoid seeks</a:t>
             </a:r>
-            <a:endParaRPr lang="en-US" sz="2400" dirty="0"/>
           </a:p>
         </p:txBody>
       </p:sp>
@@ -13296,10 +13011,9 @@
           <a:lstStyle/>
           <a:p>
             <a:r>
-              <a:rPr lang="en-US" dirty="0" smtClean="0"/>
+              <a:rPr lang="en-US" dirty="0"/>
               <a:t>Our first filesystem: FAT (File Allocation Table)</a:t>
             </a:r>
-            <a:endParaRPr lang="en-US" dirty="0"/>
           </a:p>
         </p:txBody>
       </p:sp>
@@ -13326,7 +13040,7 @@
           <a:lstStyle/>
           <a:p>
             <a:r>
-              <a:rPr lang="en-US" sz="2400" dirty="0" smtClean="0">
+              <a:rPr lang="en-US" sz="2400" dirty="0">
                 <a:solidFill>
                   <a:srgbClr val="FF0000"/>
                 </a:solidFill>
@@ -13334,7 +13048,7 @@
               <a:t>The most commonly used </a:t>
             </a:r>
             <a:r>
-              <a:rPr lang="en-US" sz="2400" dirty="0" err="1" smtClean="0">
+              <a:rPr lang="en-US" sz="2400" dirty="0" err="1">
                 <a:solidFill>
                   <a:srgbClr val="FF0000"/>
                 </a:solidFill>
@@ -13342,7 +13056,7 @@
               <a:t>filesystem</a:t>
             </a:r>
             <a:r>
-              <a:rPr lang="en-US" sz="2400" dirty="0" smtClean="0">
+              <a:rPr lang="en-US" sz="2400" dirty="0">
                 <a:solidFill>
                   <a:srgbClr val="FF0000"/>
                 </a:solidFill>
@@ -13351,117 +13065,93 @@
             </a:r>
           </a:p>
           <a:p>
-            <a:endParaRPr lang="en-US" sz="1600" dirty="0" smtClean="0"/>
-          </a:p>
-          <a:p>
-            <a:r>
-              <a:rPr lang="en-US" sz="2400" dirty="0" smtClean="0"/>
+            <a:endParaRPr lang="en-US" sz="1600" dirty="0"/>
+          </a:p>
+          <a:p>
+            <a:r>
+              <a:rPr lang="en-US" sz="2400" dirty="0"/>
               <a:t>Assume (for now) we have a </a:t>
             </a:r>
             <a:br>
-              <a:rPr lang="en-US" sz="2400" dirty="0" smtClean="0"/>
+              <a:rPr lang="en-US" sz="2400" dirty="0"/>
             </a:br>
             <a:r>
-              <a:rPr lang="en-US" sz="2400" dirty="0" smtClean="0"/>
+              <a:rPr lang="en-US" sz="2400" dirty="0"/>
               <a:t>way to translate a path to </a:t>
             </a:r>
             <a:br>
-              <a:rPr lang="en-US" sz="2400" dirty="0" smtClean="0"/>
+              <a:rPr lang="en-US" sz="2400" dirty="0"/>
             </a:br>
             <a:r>
-              <a:rPr lang="en-US" sz="2400" dirty="0" smtClean="0"/>
+              <a:rPr lang="en-US" sz="2400" dirty="0"/>
               <a:t>a “file number”</a:t>
             </a:r>
           </a:p>
           <a:p>
             <a:pPr lvl="1"/>
             <a:r>
-              <a:rPr lang="en-US" sz="2000" dirty="0" smtClean="0"/>
+              <a:rPr lang="en-US" sz="2000" dirty="0"/>
               <a:t>i.e., a directory structure</a:t>
             </a:r>
           </a:p>
           <a:p>
-            <a:endParaRPr lang="en-US" sz="1600" dirty="0" smtClean="0"/>
-          </a:p>
-          <a:p>
-            <a:r>
-              <a:rPr lang="en-US" sz="2400" dirty="0" smtClean="0"/>
+            <a:endParaRPr lang="en-US" sz="1600" dirty="0"/>
+          </a:p>
+          <a:p>
+            <a:r>
+              <a:rPr lang="en-US" sz="2400" dirty="0"/>
               <a:t>Disk Storage is a collection of Blocks</a:t>
             </a:r>
           </a:p>
           <a:p>
             <a:pPr lvl="1"/>
             <a:r>
-              <a:rPr lang="en-US" sz="2000" dirty="0" smtClean="0"/>
-              <a:t>Just hold file </a:t>
-            </a:r>
-            <a:r>
               <a:rPr lang="en-US" sz="2000" dirty="0"/>
-              <a:t>data (offset </a:t>
-            </a:r>
-            <a:r>
-              <a:rPr lang="en-US" sz="2000" dirty="0" smtClean="0"/>
-              <a:t>o </a:t>
-            </a:r>
-            <a:r>
-              <a:rPr lang="en-US" sz="2000" dirty="0"/>
-              <a:t>= </a:t>
-            </a:r>
-            <a:r>
-              <a:rPr lang="en-US" sz="2000" dirty="0" smtClean="0"/>
-              <a:t>&lt; B</a:t>
-            </a:r>
-            <a:r>
-              <a:rPr lang="en-US" sz="2000" dirty="0"/>
-              <a:t>, </a:t>
-            </a:r>
-            <a:r>
-              <a:rPr lang="en-US" sz="2000" dirty="0" smtClean="0"/>
-              <a:t>x &gt;)</a:t>
-            </a:r>
-          </a:p>
-          <a:p>
-            <a:endParaRPr lang="en-US" sz="1600" dirty="0" smtClean="0"/>
-          </a:p>
-          <a:p>
-            <a:r>
-              <a:rPr lang="en-US" sz="2400" dirty="0" smtClean="0"/>
+              <a:t>Just hold file data (offset o = &lt; B, x &gt;)</a:t>
+            </a:r>
+          </a:p>
+          <a:p>
+            <a:endParaRPr lang="en-US" sz="1600" dirty="0"/>
+          </a:p>
+          <a:p>
+            <a:r>
+              <a:rPr lang="en-US" sz="2400" dirty="0"/>
               <a:t>Example: </a:t>
             </a:r>
             <a:r>
-              <a:rPr lang="en-US" sz="2400" dirty="0" err="1" smtClean="0"/>
+              <a:rPr lang="en-US" sz="2400" dirty="0" err="1"/>
               <a:t>file_read</a:t>
             </a:r>
             <a:r>
-              <a:rPr lang="en-US" sz="2400" dirty="0" smtClean="0"/>
+              <a:rPr lang="en-US" sz="2400" dirty="0"/>
               <a:t> 31, &lt; 2, x &gt;</a:t>
             </a:r>
           </a:p>
           <a:p>
             <a:pPr lvl="1"/>
             <a:r>
-              <a:rPr lang="en-US" sz="2200" dirty="0" smtClean="0"/>
+              <a:rPr lang="en-US" sz="2200" dirty="0"/>
               <a:t>Index into FAT with file number</a:t>
             </a:r>
           </a:p>
           <a:p>
             <a:pPr lvl="1"/>
             <a:r>
-              <a:rPr lang="en-US" sz="2200" dirty="0" smtClean="0"/>
+              <a:rPr lang="en-US" sz="2200" dirty="0"/>
               <a:t>Follow linked list to block</a:t>
             </a:r>
           </a:p>
           <a:p>
             <a:pPr lvl="1"/>
             <a:r>
-              <a:rPr lang="en-US" sz="2200" dirty="0" smtClean="0"/>
+              <a:rPr lang="en-US" sz="2200" dirty="0"/>
               <a:t>Read the block from disk </a:t>
             </a:r>
             <a:br>
-              <a:rPr lang="en-US" sz="2200" dirty="0" smtClean="0"/>
+              <a:rPr lang="en-US" sz="2200" dirty="0"/>
             </a:br>
             <a:r>
-              <a:rPr lang="en-US" sz="2200" dirty="0" smtClean="0"/>
+              <a:rPr lang="en-US" sz="2200" dirty="0"/>
               <a:t>into memory</a:t>
             </a:r>
           </a:p>
@@ -13607,18 +13297,13 @@
             <a:lstStyle/>
             <a:p>
               <a:r>
-                <a:rPr lang="en-US" sz="1600" b="0" dirty="0" smtClean="0">
+                <a:rPr lang="en-US" sz="1600" b="0" dirty="0">
                   <a:latin typeface="Gill Sans" charset="0"/>
                   <a:ea typeface="Gill Sans" charset="0"/>
                   <a:cs typeface="Gill Sans" charset="0"/>
                 </a:rPr>
                 <a:t>File 31, Block 0</a:t>
               </a:r>
-              <a:endParaRPr lang="en-US" sz="1600" b="0" dirty="0">
-                <a:latin typeface="Gill Sans" charset="0"/>
-                <a:ea typeface="Gill Sans" charset="0"/>
-                <a:cs typeface="Gill Sans" charset="0"/>
-              </a:endParaRPr>
             </a:p>
           </p:txBody>
         </p:sp>
@@ -13709,18 +13394,13 @@
             <a:lstStyle/>
             <a:p>
               <a:r>
-                <a:rPr lang="en-US" sz="1600" b="0" dirty="0" smtClean="0">
+                <a:rPr lang="en-US" sz="1600" b="0" dirty="0">
                   <a:latin typeface="Gill Sans" charset="0"/>
                   <a:ea typeface="Gill Sans" charset="0"/>
                   <a:cs typeface="Gill Sans" charset="0"/>
                 </a:rPr>
                 <a:t>File 31, Block 1</a:t>
               </a:r>
-              <a:endParaRPr lang="en-US" sz="1600" b="0" dirty="0">
-                <a:latin typeface="Gill Sans" charset="0"/>
-                <a:ea typeface="Gill Sans" charset="0"/>
-                <a:cs typeface="Gill Sans" charset="0"/>
-              </a:endParaRPr>
             </a:p>
           </p:txBody>
         </p:sp>
@@ -14030,18 +13710,13 @@
             <a:lstStyle/>
             <a:p>
               <a:r>
-                <a:rPr lang="en-US" sz="1600" b="0" dirty="0" smtClean="0">
+                <a:rPr lang="en-US" sz="1600" b="0" dirty="0">
                   <a:latin typeface="Gill Sans" charset="0"/>
                   <a:ea typeface="Gill Sans" charset="0"/>
                   <a:cs typeface="Gill Sans" charset="0"/>
                 </a:rPr>
                 <a:t>File 31, Block 2</a:t>
               </a:r>
-              <a:endParaRPr lang="en-US" sz="1600" b="0" dirty="0">
-                <a:latin typeface="Gill Sans" charset="0"/>
-                <a:ea typeface="Gill Sans" charset="0"/>
-                <a:cs typeface="Gill Sans" charset="0"/>
-              </a:endParaRPr>
             </a:p>
           </p:txBody>
         </p:sp>
@@ -14112,18 +13787,13 @@
           <a:lstStyle/>
           <a:p>
             <a:r>
-              <a:rPr lang="en-US" b="0" dirty="0" smtClean="0">
+              <a:rPr lang="en-US" b="0" dirty="0">
                 <a:latin typeface="Gill Sans" charset="0"/>
                 <a:ea typeface="Gill Sans" charset="0"/>
                 <a:cs typeface="Gill Sans" charset="0"/>
               </a:rPr>
               <a:t>Disk Blocks</a:t>
             </a:r>
-            <a:endParaRPr lang="en-US" b="0" dirty="0">
-              <a:latin typeface="Gill Sans" charset="0"/>
-              <a:ea typeface="Gill Sans" charset="0"/>
-              <a:cs typeface="Gill Sans" charset="0"/>
-            </a:endParaRPr>
           </a:p>
         </p:txBody>
       </p:sp>
@@ -14236,18 +13906,13 @@
           <a:lstStyle/>
           <a:p>
             <a:r>
-              <a:rPr lang="en-US" b="0" dirty="0" smtClean="0">
+              <a:rPr lang="en-US" b="0" dirty="0">
                 <a:latin typeface="Gill Sans" charset="0"/>
                 <a:ea typeface="Gill Sans" charset="0"/>
                 <a:cs typeface="Gill Sans" charset="0"/>
               </a:rPr>
               <a:t>FAT</a:t>
             </a:r>
-            <a:endParaRPr lang="en-US" b="0" dirty="0">
-              <a:latin typeface="Gill Sans" charset="0"/>
-              <a:ea typeface="Gill Sans" charset="0"/>
-              <a:cs typeface="Gill Sans" charset="0"/>
-            </a:endParaRPr>
           </a:p>
         </p:txBody>
       </p:sp>
@@ -14273,18 +13938,13 @@
           <a:lstStyle/>
           <a:p>
             <a:r>
-              <a:rPr lang="en-US" sz="2000" b="0" dirty="0" smtClean="0">
+              <a:rPr lang="en-US" sz="2000" b="0" dirty="0">
                 <a:latin typeface="Gill Sans" charset="0"/>
                 <a:ea typeface="Gill Sans" charset="0"/>
                 <a:cs typeface="Gill Sans" charset="0"/>
               </a:rPr>
               <a:t>N-1:</a:t>
             </a:r>
-            <a:endParaRPr lang="en-US" sz="2000" b="0" dirty="0">
-              <a:latin typeface="Gill Sans" charset="0"/>
-              <a:ea typeface="Gill Sans" charset="0"/>
-              <a:cs typeface="Gill Sans" charset="0"/>
-            </a:endParaRPr>
           </a:p>
         </p:txBody>
       </p:sp>
@@ -14310,18 +13970,13 @@
           <a:lstStyle/>
           <a:p>
             <a:r>
-              <a:rPr lang="en-US" sz="2000" b="0" dirty="0" smtClean="0">
+              <a:rPr lang="en-US" sz="2000" b="0" dirty="0">
                 <a:latin typeface="Gill Sans" charset="0"/>
                 <a:ea typeface="Gill Sans" charset="0"/>
                 <a:cs typeface="Gill Sans" charset="0"/>
               </a:rPr>
               <a:t>0:</a:t>
             </a:r>
-            <a:endParaRPr lang="en-US" sz="2000" b="0" dirty="0">
-              <a:latin typeface="Gill Sans" charset="0"/>
-              <a:ea typeface="Gill Sans" charset="0"/>
-              <a:cs typeface="Gill Sans" charset="0"/>
-            </a:endParaRPr>
           </a:p>
         </p:txBody>
       </p:sp>
@@ -14347,18 +14002,13 @@
           <a:lstStyle/>
           <a:p>
             <a:r>
-              <a:rPr lang="en-US" sz="2000" b="0" dirty="0" smtClean="0">
+              <a:rPr lang="en-US" sz="2000" b="0" dirty="0">
                 <a:latin typeface="Gill Sans" charset="0"/>
                 <a:ea typeface="Gill Sans" charset="0"/>
                 <a:cs typeface="Gill Sans" charset="0"/>
               </a:rPr>
               <a:t>0:</a:t>
             </a:r>
-            <a:endParaRPr lang="en-US" sz="2000" b="0" dirty="0">
-              <a:latin typeface="Gill Sans" charset="0"/>
-              <a:ea typeface="Gill Sans" charset="0"/>
-              <a:cs typeface="Gill Sans" charset="0"/>
-            </a:endParaRPr>
           </a:p>
         </p:txBody>
       </p:sp>
@@ -14384,18 +14034,13 @@
           <a:lstStyle/>
           <a:p>
             <a:r>
-              <a:rPr lang="en-US" sz="2000" b="0" dirty="0" smtClean="0">
+              <a:rPr lang="en-US" sz="2000" b="0" dirty="0">
                 <a:latin typeface="Gill Sans" charset="0"/>
                 <a:ea typeface="Gill Sans" charset="0"/>
                 <a:cs typeface="Gill Sans" charset="0"/>
               </a:rPr>
               <a:t>N-1:</a:t>
             </a:r>
-            <a:endParaRPr lang="en-US" sz="2000" b="0" dirty="0">
-              <a:latin typeface="Gill Sans" charset="0"/>
-              <a:ea typeface="Gill Sans" charset="0"/>
-              <a:cs typeface="Gill Sans" charset="0"/>
-            </a:endParaRPr>
           </a:p>
         </p:txBody>
       </p:sp>
@@ -14435,18 +14080,13 @@
             <a:lstStyle/>
             <a:p>
               <a:r>
-                <a:rPr lang="en-US" sz="2000" b="0" dirty="0" smtClean="0">
+                <a:rPr lang="en-US" sz="2000" b="0" dirty="0">
                   <a:latin typeface="Gill Sans" charset="0"/>
                   <a:ea typeface="Gill Sans" charset="0"/>
                   <a:cs typeface="Gill Sans" charset="0"/>
                 </a:rPr>
                 <a:t>31:</a:t>
               </a:r>
-              <a:endParaRPr lang="en-US" sz="2000" b="0" dirty="0">
-                <a:latin typeface="Gill Sans" charset="0"/>
-                <a:ea typeface="Gill Sans" charset="0"/>
-                <a:cs typeface="Gill Sans" charset="0"/>
-              </a:endParaRPr>
             </a:p>
           </p:txBody>
         </p:sp>
@@ -14481,27 +14121,8 @@
                   <a:ea typeface="Gill Sans" charset="0"/>
                   <a:cs typeface="Gill Sans" charset="0"/>
                 </a:rPr>
-                <a:t>f</a:t>
+                <a:t>file number</a:t>
               </a:r>
-              <a:r>
-                <a:rPr lang="en-US" sz="2000" b="0" dirty="0" smtClean="0">
-                  <a:solidFill>
-                    <a:srgbClr val="3366FF"/>
-                  </a:solidFill>
-                  <a:latin typeface="Gill Sans" charset="0"/>
-                  <a:ea typeface="Gill Sans" charset="0"/>
-                  <a:cs typeface="Gill Sans" charset="0"/>
-                </a:rPr>
-                <a:t>ile number</a:t>
-              </a:r>
-              <a:endParaRPr lang="en-US" sz="2000" b="0" dirty="0">
-                <a:solidFill>
-                  <a:srgbClr val="3366FF"/>
-                </a:solidFill>
-                <a:latin typeface="Gill Sans" charset="0"/>
-                <a:ea typeface="Gill Sans" charset="0"/>
-                <a:cs typeface="Gill Sans" charset="0"/>
-              </a:endParaRPr>
             </a:p>
           </p:txBody>
         </p:sp>
@@ -14907,18 +14528,13 @@
           <a:lstStyle/>
           <a:p>
             <a:r>
-              <a:rPr lang="en-US" sz="2000" b="0" dirty="0" smtClean="0">
+              <a:rPr lang="en-US" sz="2000" b="0" dirty="0">
                 <a:latin typeface="Gill Sans" charset="0"/>
                 <a:ea typeface="Gill Sans" charset="0"/>
                 <a:cs typeface="Gill Sans" charset="0"/>
               </a:rPr>
               <a:t>memory</a:t>
             </a:r>
-            <a:endParaRPr lang="en-US" sz="2000" b="0" dirty="0">
-              <a:latin typeface="Gill Sans" charset="0"/>
-              <a:ea typeface="Gill Sans" charset="0"/>
-              <a:cs typeface="Gill Sans" charset="0"/>
-            </a:endParaRPr>
           </a:p>
         </p:txBody>
       </p:sp>
@@ -15081,7 +14697,7 @@
           <a:lstStyle/>
           <a:p>
             <a:r>
-              <a:rPr lang="en-US" smtClean="0"/>
+              <a:rPr lang="en-US"/>
               <a:t>4.2 BSD Locality: Block Groups</a:t>
             </a:r>
             <a:endParaRPr lang="en-US" dirty="0"/>
@@ -15116,7 +14732,7 @@
               </a:lnSpc>
             </a:pPr>
             <a:r>
-              <a:rPr lang="en-US" dirty="0" smtClean="0"/>
+              <a:rPr lang="en-US" dirty="0"/>
               <a:t>File system volume is divided into a set of block groups</a:t>
             </a:r>
           </a:p>
@@ -15127,7 +14743,7 @@
               </a:lnSpc>
             </a:pPr>
             <a:r>
-              <a:rPr lang="en-US" sz="2400" dirty="0" smtClean="0"/>
+              <a:rPr lang="en-US" sz="2400" dirty="0"/>
               <a:t>Close set of tracks</a:t>
             </a:r>
           </a:p>
@@ -15138,14 +14754,14 @@
               </a:lnSpc>
             </a:pPr>
             <a:r>
-              <a:rPr lang="en-US" dirty="0" smtClean="0"/>
+              <a:rPr lang="en-US" dirty="0"/>
               <a:t>Data blocks, metadata, and free space </a:t>
             </a:r>
             <a:br>
-              <a:rPr lang="en-US" dirty="0" smtClean="0"/>
+              <a:rPr lang="en-US" dirty="0"/>
             </a:br>
             <a:r>
-              <a:rPr lang="en-US" dirty="0" smtClean="0"/>
+              <a:rPr lang="en-US" dirty="0"/>
               <a:t>interleaved within block group</a:t>
             </a:r>
           </a:p>
@@ -15156,14 +14772,14 @@
               </a:lnSpc>
             </a:pPr>
             <a:r>
-              <a:rPr lang="en-US" sz="2400" dirty="0" smtClean="0"/>
+              <a:rPr lang="en-US" sz="2400" dirty="0"/>
               <a:t>Avoid huge seeks between </a:t>
             </a:r>
             <a:br>
-              <a:rPr lang="en-US" sz="2400" dirty="0" smtClean="0"/>
+              <a:rPr lang="en-US" sz="2400" dirty="0"/>
             </a:br>
             <a:r>
-              <a:rPr lang="en-US" sz="2400" dirty="0" smtClean="0"/>
+              <a:rPr lang="en-US" sz="2400" dirty="0"/>
               <a:t>user data and system structure</a:t>
             </a:r>
           </a:p>
@@ -15174,14 +14790,14 @@
               </a:lnSpc>
             </a:pPr>
             <a:r>
-              <a:rPr lang="en-US" dirty="0" smtClean="0"/>
+              <a:rPr lang="en-US" dirty="0"/>
               <a:t>Put directory and its files in </a:t>
             </a:r>
             <a:br>
-              <a:rPr lang="en-US" dirty="0" smtClean="0"/>
+              <a:rPr lang="en-US" dirty="0"/>
             </a:br>
             <a:r>
-              <a:rPr lang="en-US" dirty="0" smtClean="0"/>
+              <a:rPr lang="en-US" dirty="0"/>
               <a:t>common block group</a:t>
             </a:r>
           </a:p>
@@ -15516,7 +15132,7 @@
           <a:lstStyle/>
           <a:p>
             <a:r>
-              <a:rPr lang="en-US" smtClean="0"/>
+              <a:rPr lang="en-US"/>
               <a:t>4.2 BSD Locality: Block Groups</a:t>
             </a:r>
             <a:endParaRPr lang="en-US" dirty="0"/>
@@ -15551,14 +15167,14 @@
               </a:lnSpc>
             </a:pPr>
             <a:r>
-              <a:rPr lang="en-US" dirty="0" smtClean="0"/>
+              <a:rPr lang="en-US" dirty="0"/>
               <a:t>First-Free allocation of new </a:t>
             </a:r>
             <a:br>
-              <a:rPr lang="en-US" dirty="0" smtClean="0"/>
+              <a:rPr lang="en-US" dirty="0"/>
             </a:br>
             <a:r>
-              <a:rPr lang="en-US" dirty="0" smtClean="0"/>
+              <a:rPr lang="en-US" dirty="0"/>
               <a:t>file blocks</a:t>
             </a:r>
           </a:p>
@@ -15569,21 +15185,21 @@
               </a:lnSpc>
             </a:pPr>
             <a:r>
-              <a:rPr lang="en-US" altLang="ko-KR" sz="2400" dirty="0" smtClean="0"/>
+              <a:rPr lang="en-US" altLang="ko-KR" sz="2400" dirty="0"/>
               <a:t>To expand file, first try </a:t>
             </a:r>
             <a:br>
-              <a:rPr lang="en-US" altLang="ko-KR" sz="2400" dirty="0" smtClean="0"/>
+              <a:rPr lang="en-US" altLang="ko-KR" sz="2400" dirty="0"/>
             </a:br>
             <a:r>
-              <a:rPr lang="en-US" altLang="ko-KR" sz="2400" dirty="0" smtClean="0"/>
+              <a:rPr lang="en-US" altLang="ko-KR" sz="2400" dirty="0"/>
               <a:t>successive blocks in bitmap, then </a:t>
             </a:r>
             <a:br>
-              <a:rPr lang="en-US" altLang="ko-KR" sz="2400" dirty="0" smtClean="0"/>
+              <a:rPr lang="en-US" altLang="ko-KR" sz="2400" dirty="0"/>
             </a:br>
             <a:r>
-              <a:rPr lang="en-US" altLang="ko-KR" sz="2400" dirty="0" smtClean="0"/>
+              <a:rPr lang="en-US" altLang="ko-KR" sz="2400" dirty="0"/>
               <a:t>choose new range of blocks</a:t>
             </a:r>
           </a:p>
@@ -15594,14 +15210,14 @@
               </a:lnSpc>
             </a:pPr>
             <a:r>
-              <a:rPr lang="en-US" sz="2400" dirty="0" smtClean="0"/>
+              <a:rPr lang="en-US" sz="2400" dirty="0"/>
               <a:t>Few little holes at start, big </a:t>
             </a:r>
             <a:br>
-              <a:rPr lang="en-US" sz="2400" dirty="0" smtClean="0"/>
+              <a:rPr lang="en-US" sz="2400" dirty="0"/>
             </a:br>
             <a:r>
-              <a:rPr lang="en-US" sz="2400" dirty="0" smtClean="0"/>
+              <a:rPr lang="en-US" sz="2400" dirty="0"/>
               <a:t>sequential runs at end of group</a:t>
             </a:r>
           </a:p>
@@ -15612,7 +15228,7 @@
               </a:lnSpc>
             </a:pPr>
             <a:r>
-              <a:rPr lang="en-US" sz="2400" dirty="0" smtClean="0"/>
+              <a:rPr lang="en-US" sz="2400" dirty="0"/>
               <a:t>Avoids fragmentation</a:t>
             </a:r>
           </a:p>
@@ -15623,7 +15239,7 @@
               </a:lnSpc>
             </a:pPr>
             <a:r>
-              <a:rPr lang="en-US" sz="2400" dirty="0" smtClean="0"/>
+              <a:rPr lang="en-US" sz="2400" dirty="0"/>
               <a:t>Sequential layout for big files</a:t>
             </a:r>
           </a:p>
@@ -15634,7 +15250,7 @@
               </a:lnSpc>
             </a:pPr>
             <a:r>
-              <a:rPr lang="en-US" dirty="0" smtClean="0">
+              <a:rPr lang="en-US" dirty="0">
                 <a:solidFill>
                   <a:srgbClr val="FF0000"/>
                 </a:solidFill>
@@ -15649,7 +15265,7 @@
               </a:lnSpc>
             </a:pPr>
             <a:r>
-              <a:rPr lang="en-US" sz="2400" dirty="0" smtClean="0">
+              <a:rPr lang="en-US" sz="2400" dirty="0">
                 <a:solidFill>
                   <a:srgbClr val="FF0000"/>
                 </a:solidFill>
@@ -16037,10 +15653,9 @@
           <a:lstStyle/>
           <a:p>
             <a:r>
-              <a:rPr lang="en-US" dirty="0" smtClean="0"/>
+              <a:rPr lang="en-US" dirty="0"/>
               <a:t>UNIX 4.2 BSD FFS First Fit Block Allocation</a:t>
             </a:r>
-            <a:endParaRPr lang="en-US" dirty="0"/>
           </a:p>
         </p:txBody>
       </p:sp>
@@ -16067,16 +15682,15 @@
           <a:lstStyle/>
           <a:p>
             <a:r>
-              <a:rPr lang="en-US" dirty="0" smtClean="0"/>
+              <a:rPr lang="en-US" dirty="0"/>
               <a:t>Fills in the small holes at the start of block group</a:t>
             </a:r>
           </a:p>
           <a:p>
             <a:r>
-              <a:rPr lang="en-US" dirty="0" smtClean="0"/>
+              <a:rPr lang="en-US" dirty="0"/>
               <a:t>Avoids fragmentation, leaves contiguous free space at end</a:t>
             </a:r>
-            <a:endParaRPr lang="en-US" dirty="0"/>
           </a:p>
         </p:txBody>
       </p:sp>
@@ -16447,10 +16061,9 @@
           <a:lstStyle/>
           <a:p>
             <a:r>
-              <a:rPr lang="en-US" dirty="0" smtClean="0"/>
+              <a:rPr lang="en-US" dirty="0"/>
               <a:t>UNIX 4.2 BSD FFS</a:t>
             </a:r>
-            <a:endParaRPr lang="en-US" dirty="0"/>
           </a:p>
         </p:txBody>
       </p:sp>
@@ -16477,84 +16090,84 @@
           <a:lstStyle/>
           <a:p>
             <a:r>
-              <a:rPr lang="en-US" sz="2800" dirty="0" smtClean="0"/>
+              <a:rPr lang="en-US" sz="2800" dirty="0"/>
               <a:t>Pros</a:t>
             </a:r>
           </a:p>
           <a:p>
             <a:pPr lvl="1"/>
             <a:r>
-              <a:rPr lang="en-US" sz="2400" dirty="0" smtClean="0"/>
+              <a:rPr lang="en-US" sz="2400" dirty="0"/>
               <a:t>Efficient storage for both small and large files</a:t>
             </a:r>
           </a:p>
           <a:p>
             <a:pPr lvl="1"/>
             <a:r>
-              <a:rPr lang="en-US" sz="2400" dirty="0" smtClean="0"/>
+              <a:rPr lang="en-US" sz="2400" dirty="0"/>
               <a:t>Locality for both small and large files</a:t>
             </a:r>
           </a:p>
           <a:p>
             <a:pPr lvl="1"/>
             <a:r>
-              <a:rPr lang="en-US" sz="2400" dirty="0" smtClean="0"/>
+              <a:rPr lang="en-US" sz="2400" dirty="0"/>
               <a:t>Locality for metadata and data</a:t>
             </a:r>
           </a:p>
           <a:p>
             <a:pPr lvl="1"/>
             <a:r>
-              <a:rPr lang="en-US" sz="2400" dirty="0" smtClean="0"/>
+              <a:rPr lang="en-US" sz="2400" dirty="0"/>
               <a:t>No defragmentation necessary!</a:t>
             </a:r>
           </a:p>
           <a:p>
             <a:pPr lvl="1"/>
-            <a:endParaRPr lang="en-US" sz="2400" dirty="0" smtClean="0"/>
-          </a:p>
-          <a:p>
-            <a:r>
-              <a:rPr lang="en-US" sz="2800" dirty="0" smtClean="0"/>
+            <a:endParaRPr lang="en-US" sz="2400" dirty="0"/>
+          </a:p>
+          <a:p>
+            <a:r>
+              <a:rPr lang="en-US" sz="2800" dirty="0"/>
               <a:t>Cons</a:t>
             </a:r>
           </a:p>
           <a:p>
             <a:pPr lvl="1"/>
             <a:r>
-              <a:rPr lang="en-US" sz="2400" dirty="0" smtClean="0"/>
+              <a:rPr lang="en-US" sz="2400" dirty="0"/>
               <a:t>Inefficient for tiny files (a 1 byte file requires both an </a:t>
             </a:r>
             <a:r>
-              <a:rPr lang="en-US" sz="2400" dirty="0" err="1" smtClean="0"/>
+              <a:rPr lang="en-US" sz="2400" dirty="0" err="1"/>
               <a:t>inode</a:t>
             </a:r>
             <a:r>
-              <a:rPr lang="en-US" sz="2400" dirty="0" smtClean="0"/>
+              <a:rPr lang="en-US" sz="2400" dirty="0"/>
               <a:t> and a data block)</a:t>
             </a:r>
           </a:p>
           <a:p>
             <a:pPr lvl="1"/>
             <a:r>
-              <a:rPr lang="en-US" sz="2400" dirty="0" smtClean="0"/>
+              <a:rPr lang="en-US" sz="2400" dirty="0"/>
               <a:t>Inefficient encoding when file is mostly contiguous on disk</a:t>
             </a:r>
           </a:p>
           <a:p>
             <a:pPr lvl="1"/>
             <a:r>
-              <a:rPr lang="en-US" sz="2400" dirty="0" smtClean="0"/>
+              <a:rPr lang="en-US" sz="2400" dirty="0"/>
               <a:t>Need to reserve 10-20% of free space to prevent fragmentation</a:t>
             </a:r>
           </a:p>
           <a:p>
             <a:pPr lvl="1"/>
-            <a:endParaRPr lang="en-US" sz="2400" dirty="0" smtClean="0"/>
+            <a:endParaRPr lang="en-US" sz="2400" dirty="0"/>
           </a:p>
           <a:p>
             <a:pPr lvl="1"/>
-            <a:endParaRPr lang="en-US" sz="2400" dirty="0" smtClean="0"/>
+            <a:endParaRPr lang="en-US" sz="2400" dirty="0"/>
           </a:p>
         </p:txBody>
       </p:sp>
@@ -16953,10 +16566,9 @@
           <a:lstStyle/>
           <a:p>
             <a:r>
-              <a:rPr lang="en-US" b="0" dirty="0" smtClean="0"/>
+              <a:rPr lang="en-US" b="0" dirty="0"/>
               <a:t>break</a:t>
             </a:r>
-            <a:endParaRPr lang="en-US" b="0" dirty="0"/>
           </a:p>
         </p:txBody>
       </p:sp>
@@ -16990,13 +16602,6 @@
     <a:masterClrMapping/>
   </p:clrMapOvr>
   <p:transition/>
-  <p:timing>
-    <p:tnLst>
-      <p:par>
-        <p:cTn id="1" dur="indefinite" restart="never" nodeType="tmRoot"/>
-      </p:par>
-    </p:tnLst>
-  </p:timing>
 </p:sld>
 </file>
 
@@ -17062,14 +16667,14 @@
           </a:ln>
           <a:extLst>
             <a:ext uri="{909E8E84-426E-40dd-AFC4-6F175D3DCCD1}">
-              <a14:hiddenFill xmlns:a14="http://schemas.microsoft.com/office/drawing/2010/main" xmlns="">
+              <a14:hiddenFill xmlns="" xmlns:a14="http://schemas.microsoft.com/office/drawing/2010/main">
                 <a:solidFill>
                   <a:srgbClr val="FFFFFF"/>
                 </a:solidFill>
               </a14:hiddenFill>
             </a:ext>
             <a:ext uri="{91240B29-F687-4f45-9708-019B960494DF}">
-              <a14:hiddenLine xmlns:a14="http://schemas.microsoft.com/office/drawing/2010/main" xmlns="" w="9525">
+              <a14:hiddenLine xmlns="" xmlns:a14="http://schemas.microsoft.com/office/drawing/2010/main" w="9525">
                 <a:solidFill>
                   <a:srgbClr val="000000"/>
                 </a:solidFill>
@@ -17097,7 +16702,7 @@
           <a:lstStyle/>
           <a:p>
             <a:r>
-              <a:rPr lang="en-US" altLang="ko-KR" smtClean="0">
+              <a:rPr lang="en-US" altLang="ko-KR">
                 <a:ea typeface="굴림" panose="020B0600000101010101" pitchFamily="34" charset="-127"/>
               </a:rPr>
               <a:t>Linux Example: Ext2/3 Disk Layout</a:t>
@@ -17128,7 +16733,7 @@
           <a:lstStyle/>
           <a:p>
             <a:r>
-              <a:rPr lang="en-US" altLang="zh-TW" dirty="0" smtClean="0">
+              <a:rPr lang="en-US" altLang="zh-TW" dirty="0">
                 <a:ea typeface="新細明體" panose="02020500000000000000" pitchFamily="18" charset="-120"/>
               </a:rPr>
               <a:t>Disk divided into block groups</a:t>
@@ -17137,7 +16742,7 @@
           <a:p>
             <a:pPr lvl="1"/>
             <a:r>
-              <a:rPr lang="en-US" altLang="zh-TW" sz="2400" dirty="0" smtClean="0">
+              <a:rPr lang="en-US" altLang="zh-TW" sz="2400" dirty="0">
                 <a:ea typeface="新細明體" panose="02020500000000000000" pitchFamily="18" charset="-120"/>
               </a:rPr>
               <a:t>Provides locality</a:t>
@@ -17146,19 +16751,19 @@
           <a:p>
             <a:pPr lvl="1"/>
             <a:r>
-              <a:rPr lang="en-US" altLang="zh-TW" sz="2400" dirty="0" smtClean="0">
+              <a:rPr lang="en-US" altLang="zh-TW" sz="2400" dirty="0">
                 <a:ea typeface="新細明體" panose="02020500000000000000" pitchFamily="18" charset="-120"/>
               </a:rPr>
               <a:t>Each group has two block-sized bitmaps  (free blocks/</a:t>
             </a:r>
             <a:r>
-              <a:rPr lang="en-US" altLang="zh-TW" sz="2400" dirty="0" err="1" smtClean="0">
+              <a:rPr lang="en-US" altLang="zh-TW" sz="2400" dirty="0" err="1">
                 <a:ea typeface="新細明體" panose="02020500000000000000" pitchFamily="18" charset="-120"/>
               </a:rPr>
               <a:t>inodes</a:t>
             </a:r>
             <a:r>
-              <a:rPr lang="en-US" altLang="zh-TW" sz="2400" dirty="0" smtClean="0">
+              <a:rPr lang="en-US" altLang="zh-TW" sz="2400" dirty="0">
                 <a:ea typeface="新細明體" panose="02020500000000000000" pitchFamily="18" charset="-120"/>
               </a:rPr>
               <a:t>)</a:t>
@@ -17167,29 +16772,29 @@
           <a:p>
             <a:pPr lvl="1"/>
             <a:r>
-              <a:rPr lang="en-US" altLang="zh-TW" sz="2400" dirty="0" smtClean="0">
+              <a:rPr lang="en-US" altLang="zh-TW" sz="2400" dirty="0">
                 <a:ea typeface="新細明體" panose="02020500000000000000" pitchFamily="18" charset="-120"/>
               </a:rPr>
               <a:t>Block sizes settable </a:t>
             </a:r>
             <a:br>
-              <a:rPr lang="en-US" altLang="zh-TW" sz="2400" dirty="0" smtClean="0">
+              <a:rPr lang="en-US" altLang="zh-TW" sz="2400" dirty="0">
                 <a:ea typeface="新細明體" panose="02020500000000000000" pitchFamily="18" charset="-120"/>
               </a:rPr>
             </a:br>
             <a:r>
-              <a:rPr lang="en-US" altLang="zh-TW" sz="2400" dirty="0" smtClean="0">
+              <a:rPr lang="en-US" altLang="zh-TW" sz="2400" dirty="0">
                 <a:ea typeface="新細明體" panose="02020500000000000000" pitchFamily="18" charset="-120"/>
               </a:rPr>
               <a:t>at format time: </a:t>
             </a:r>
             <a:br>
-              <a:rPr lang="en-US" altLang="zh-TW" sz="2400" dirty="0" smtClean="0">
+              <a:rPr lang="en-US" altLang="zh-TW" sz="2400" dirty="0">
                 <a:ea typeface="新細明體" panose="02020500000000000000" pitchFamily="18" charset="-120"/>
               </a:rPr>
             </a:br>
             <a:r>
-              <a:rPr lang="en-US" altLang="zh-TW" sz="2400" dirty="0" smtClean="0">
+              <a:rPr lang="en-US" altLang="zh-TW" sz="2400" dirty="0">
                 <a:ea typeface="新細明體" panose="02020500000000000000" pitchFamily="18" charset="-120"/>
               </a:rPr>
               <a:t>1K, 2K, 4K, 8K…</a:t>
@@ -17197,7 +16802,7 @@
           </a:p>
           <a:p>
             <a:r>
-              <a:rPr lang="en-US" altLang="zh-TW" dirty="0" smtClean="0">
+              <a:rPr lang="en-US" altLang="zh-TW" dirty="0">
                 <a:ea typeface="新細明體" panose="02020500000000000000" pitchFamily="18" charset="-120"/>
               </a:rPr>
               <a:t>Actual </a:t>
@@ -17206,16 +16811,10 @@
               <a:rPr lang="en-US" altLang="zh-TW" dirty="0" err="1">
                 <a:ea typeface="新細明體" panose="02020500000000000000" pitchFamily="18" charset="-120"/>
               </a:rPr>
-              <a:t>i</a:t>
-            </a:r>
-            <a:r>
-              <a:rPr lang="en-US" altLang="zh-TW" dirty="0" err="1" smtClean="0">
-                <a:ea typeface="新細明體" panose="02020500000000000000" pitchFamily="18" charset="-120"/>
-              </a:rPr>
-              <a:t>node</a:t>
-            </a:r>
-            <a:r>
-              <a:rPr lang="en-US" altLang="zh-TW" dirty="0" smtClean="0">
+              <a:t>inode</a:t>
+            </a:r>
+            <a:r>
+              <a:rPr lang="en-US" altLang="zh-TW" dirty="0">
                 <a:ea typeface="新細明體" panose="02020500000000000000" pitchFamily="18" charset="-120"/>
               </a:rPr>
               <a:t> structure similar to 4.2 BSD</a:t>
@@ -17224,7 +16823,7 @@
           <a:p>
             <a:pPr lvl="1"/>
             <a:r>
-              <a:rPr lang="en-US" altLang="zh-TW" sz="2400" dirty="0" smtClean="0">
+              <a:rPr lang="en-US" altLang="zh-TW" sz="2400" dirty="0">
                 <a:ea typeface="新細明體" panose="02020500000000000000" pitchFamily="18" charset="-120"/>
               </a:rPr>
               <a:t>with 12 direct pointers</a:t>
@@ -17232,7 +16831,7 @@
           </a:p>
           <a:p>
             <a:r>
-              <a:rPr lang="en-US" altLang="ko-KR" dirty="0" smtClean="0">
+              <a:rPr lang="en-US" altLang="ko-KR" dirty="0">
                 <a:ea typeface="굴림" panose="020B0600000101010101" pitchFamily="34" charset="-127"/>
               </a:rPr>
               <a:t>Ext3: Ext2 with Journaling</a:t>
@@ -17241,7 +16840,7 @@
           <a:p>
             <a:pPr lvl="1"/>
             <a:r>
-              <a:rPr lang="en-US" altLang="ko-KR" sz="2400" dirty="0" smtClean="0">
+              <a:rPr lang="en-US" altLang="ko-KR" sz="2400" dirty="0">
                 <a:ea typeface="굴림" panose="020B0600000101010101" pitchFamily="34" charset="-127"/>
               </a:rPr>
               <a:t>Several degrees of protection with comparable overhead</a:t>
@@ -17249,7 +16848,7 @@
           </a:p>
           <a:p>
             <a:pPr lvl="1"/>
-            <a:endParaRPr lang="en-US" altLang="ko-KR" sz="2400" dirty="0" smtClean="0">
+            <a:endParaRPr lang="en-US" altLang="ko-KR" sz="2400" dirty="0">
               <a:ea typeface="굴림" panose="020B0600000101010101" pitchFamily="34" charset="-127"/>
             </a:endParaRPr>
           </a:p>
@@ -17278,14 +16877,14 @@
           <a:effectLst/>
           <a:extLst>
             <a:ext uri="{909E8E84-426E-40dd-AFC4-6F175D3DCCD1}">
-              <a14:hiddenFill xmlns:a14="http://schemas.microsoft.com/office/drawing/2010/main" xmlns="">
+              <a14:hiddenFill xmlns="" xmlns:a14="http://schemas.microsoft.com/office/drawing/2010/main">
                 <a:solidFill>
                   <a:srgbClr val="FF66CC"/>
                 </a:solidFill>
               </a14:hiddenFill>
             </a:ext>
             <a:ext uri="{91240B29-F687-4f45-9708-019B960494DF}">
-              <a14:hiddenLine xmlns:a14="http://schemas.microsoft.com/office/drawing/2010/main" xmlns="" w="38100" algn="ctr">
+              <a14:hiddenLine xmlns="" xmlns:a14="http://schemas.microsoft.com/office/drawing/2010/main" w="38100" algn="ctr">
                 <a:solidFill>
                   <a:schemeClr val="tx1"/>
                 </a:solidFill>
@@ -17295,7 +16894,7 @@
               </a14:hiddenLine>
             </a:ext>
             <a:ext uri="{AF507438-7753-43e0-B8FC-AC1667EBCBE1}">
-              <a14:hiddenEffects xmlns:a14="http://schemas.microsoft.com/office/drawing/2010/main" xmlns="">
+              <a14:hiddenEffects xmlns="" xmlns:a14="http://schemas.microsoft.com/office/drawing/2010/main">
                 <a:effectLst>
                   <a:outerShdw dist="35921" dir="2700000" algn="ctr" rotWithShape="0">
                     <a:schemeClr val="bg2"/>
@@ -17932,10 +17531,9 @@
           <a:lstStyle/>
           <a:p>
             <a:r>
-              <a:rPr lang="en-US" dirty="0" smtClean="0"/>
+              <a:rPr lang="en-US" dirty="0"/>
               <a:t>A bit more on directories</a:t>
             </a:r>
-            <a:endParaRPr lang="en-US" dirty="0"/>
           </a:p>
         </p:txBody>
       </p:sp>
@@ -17962,14 +17560,14 @@
           <a:lstStyle/>
           <a:p>
             <a:r>
-              <a:rPr lang="en-US" dirty="0" smtClean="0"/>
+              <a:rPr lang="en-US" dirty="0"/>
               <a:t>Stored in files, can be read, but typically don’t</a:t>
             </a:r>
           </a:p>
           <a:p>
             <a:pPr lvl="1"/>
             <a:r>
-              <a:rPr lang="en-US" dirty="0" smtClean="0"/>
+              <a:rPr lang="en-US" dirty="0"/>
               <a:t>System calls to access directories</a:t>
             </a:r>
           </a:p>
@@ -17981,18 +17579,10 @@
                 <a:ea typeface="Consolas" charset="0"/>
                 <a:cs typeface="Consolas" charset="0"/>
               </a:rPr>
-              <a:t>o</a:t>
-            </a:r>
-            <a:r>
-              <a:rPr lang="en-US" dirty="0" smtClean="0">
-                <a:latin typeface="Consolas" charset="0"/>
-                <a:ea typeface="Consolas" charset="0"/>
-                <a:cs typeface="Consolas" charset="0"/>
-              </a:rPr>
-              <a:t>pen</a:t>
-            </a:r>
-            <a:r>
-              <a:rPr lang="en-US" dirty="0" smtClean="0"/>
+              <a:t>open</a:t>
+            </a:r>
+            <a:r>
+              <a:rPr lang="en-US" dirty="0"/>
               <a:t> / </a:t>
             </a:r>
             <a:r>
@@ -18001,25 +17591,17 @@
                 <a:ea typeface="Consolas" charset="0"/>
                 <a:cs typeface="Consolas" charset="0"/>
               </a:rPr>
-              <a:t>c</a:t>
-            </a:r>
-            <a:r>
-              <a:rPr lang="en-US" dirty="0" err="1" smtClean="0">
-                <a:latin typeface="Consolas" charset="0"/>
-                <a:ea typeface="Consolas" charset="0"/>
-                <a:cs typeface="Consolas" charset="0"/>
-              </a:rPr>
-              <a:t>reat</a:t>
-            </a:r>
-            <a:r>
-              <a:rPr lang="en-US" dirty="0" smtClean="0"/>
+              <a:t>creat</a:t>
+            </a:r>
+            <a:r>
+              <a:rPr lang="en-US" dirty="0"/>
               <a:t> traverse the structure</a:t>
             </a:r>
           </a:p>
           <a:p>
             <a:pPr lvl="1"/>
             <a:r>
-              <a:rPr lang="en-US" dirty="0" err="1" smtClean="0">
+              <a:rPr lang="en-US" dirty="0" err="1">
                 <a:latin typeface="Consolas" charset="0"/>
                 <a:ea typeface="Consolas" charset="0"/>
                 <a:cs typeface="Consolas" charset="0"/>
@@ -18028,14 +17610,10 @@
             </a:r>
             <a:r>
               <a:rPr lang="en-US" dirty="0"/>
-              <a:t> </a:t>
-            </a:r>
-            <a:r>
-              <a:rPr lang="en-US" dirty="0" smtClean="0"/>
-              <a:t>/</a:t>
-            </a:r>
-            <a:r>
-              <a:rPr lang="en-US" dirty="0" err="1" smtClean="0">
+              <a:t> /</a:t>
+            </a:r>
+            <a:r>
+              <a:rPr lang="en-US" dirty="0" err="1">
                 <a:latin typeface="Consolas" charset="0"/>
                 <a:ea typeface="Consolas" charset="0"/>
                 <a:cs typeface="Consolas" charset="0"/>
@@ -18043,7 +17621,7 @@
               <a:t>rmdir</a:t>
             </a:r>
             <a:r>
-              <a:rPr lang="en-US" dirty="0" smtClean="0"/>
+              <a:rPr lang="en-US" dirty="0"/>
               <a:t> add/remove entries</a:t>
             </a:r>
           </a:p>
@@ -18055,30 +17633,14 @@
                 <a:ea typeface="Consolas" charset="0"/>
                 <a:cs typeface="Consolas" charset="0"/>
               </a:rPr>
-              <a:t>l</a:t>
-            </a:r>
-            <a:r>
-              <a:rPr lang="en-US" dirty="0" smtClean="0">
-                <a:latin typeface="Consolas" charset="0"/>
-                <a:ea typeface="Consolas" charset="0"/>
-                <a:cs typeface="Consolas" charset="0"/>
-              </a:rPr>
-              <a:t>ink</a:t>
-            </a:r>
-            <a:r>
-              <a:rPr lang="en-US" dirty="0" smtClean="0"/>
-              <a:t> / </a:t>
+              <a:t>link</a:t>
             </a:r>
             <a:r>
               <a:rPr lang="en-US" dirty="0"/>
-              <a:t>u</a:t>
-            </a:r>
-            <a:r>
-              <a:rPr lang="en-US" dirty="0" smtClean="0"/>
-              <a:t>nlink (</a:t>
-            </a:r>
-            <a:r>
-              <a:rPr lang="en-US" dirty="0" err="1" smtClean="0">
+              <a:t> / unlink (</a:t>
+            </a:r>
+            <a:r>
+              <a:rPr lang="en-US" dirty="0" err="1">
                 <a:latin typeface="Consolas" charset="0"/>
                 <a:ea typeface="Consolas" charset="0"/>
                 <a:cs typeface="Consolas" charset="0"/>
@@ -18086,34 +17648,34 @@
               <a:t>rm</a:t>
             </a:r>
             <a:r>
-              <a:rPr lang="en-US" dirty="0" smtClean="0"/>
+              <a:rPr lang="en-US" dirty="0"/>
               <a:t>)</a:t>
             </a:r>
           </a:p>
           <a:p>
             <a:pPr lvl="2"/>
             <a:r>
-              <a:rPr lang="en-US" dirty="0" smtClean="0"/>
+              <a:rPr lang="en-US" dirty="0"/>
               <a:t>Link existing file to a directory</a:t>
             </a:r>
           </a:p>
           <a:p>
             <a:pPr lvl="3"/>
             <a:r>
-              <a:rPr lang="en-US" dirty="0" smtClean="0"/>
+              <a:rPr lang="en-US" dirty="0"/>
               <a:t>Not in FAT !</a:t>
             </a:r>
           </a:p>
           <a:p>
             <a:pPr lvl="2"/>
             <a:r>
-              <a:rPr lang="en-US" dirty="0" smtClean="0"/>
+              <a:rPr lang="en-US" dirty="0"/>
               <a:t>Forms a DAG</a:t>
             </a:r>
           </a:p>
           <a:p>
             <a:r>
-              <a:rPr lang="en-US" dirty="0" smtClean="0"/>
+              <a:rPr lang="en-US" dirty="0"/>
               <a:t>When can file be deleted?</a:t>
             </a:r>
           </a:p>
@@ -18121,62 +17683,35 @@
             <a:pPr lvl="1"/>
             <a:r>
               <a:rPr lang="en-US" dirty="0"/>
-              <a:t>Maintain </a:t>
-            </a:r>
-            <a:r>
-              <a:rPr lang="en-US" dirty="0" smtClean="0"/>
-              <a:t>ref-count </a:t>
-            </a:r>
+              <a:t>Maintain ref-count of links to the file</a:t>
+            </a:r>
+          </a:p>
+          <a:p>
+            <a:pPr lvl="1"/>
             <a:r>
               <a:rPr lang="en-US" dirty="0"/>
-              <a:t>of links to the </a:t>
-            </a:r>
-            <a:r>
-              <a:rPr lang="en-US" dirty="0" smtClean="0"/>
-              <a:t>file</a:t>
-            </a:r>
-            <a:endParaRPr lang="en-US" dirty="0"/>
+              <a:t>Delete after the last reference is gone</a:t>
+            </a:r>
+          </a:p>
+          <a:p>
+            <a:r>
+              <a:rPr lang="en-US" dirty="0" err="1"/>
+              <a:t>libc</a:t>
+            </a:r>
+            <a:r>
+              <a:rPr lang="en-US" dirty="0"/>
+              <a:t> support</a:t>
+            </a:r>
           </a:p>
           <a:p>
             <a:pPr lvl="1"/>
-            <a:r>
-              <a:rPr lang="en-US" dirty="0"/>
-              <a:t>Delete after the last reference is </a:t>
-            </a:r>
-            <a:r>
-              <a:rPr lang="en-US" dirty="0" smtClean="0"/>
-              <a:t>gone</a:t>
-            </a:r>
-            <a:endParaRPr lang="en-US" dirty="0"/>
-          </a:p>
-          <a:p>
-            <a:r>
-              <a:rPr lang="en-US" dirty="0" err="1" smtClean="0"/>
-              <a:t>libc</a:t>
-            </a:r>
-            <a:r>
-              <a:rPr lang="en-US" dirty="0" smtClean="0"/>
-              <a:t> support</a:t>
-            </a:r>
-            <a:endParaRPr lang="en-US" dirty="0"/>
-          </a:p>
-          <a:p>
-            <a:pPr lvl="1"/>
-            <a:r>
-              <a:rPr lang="en-US" dirty="0" smtClean="0">
-                <a:latin typeface="Consolas" charset="0"/>
-                <a:ea typeface="Consolas" charset="0"/>
-                <a:cs typeface="Consolas" charset="0"/>
-              </a:rPr>
-              <a:t>DIR </a:t>
-            </a:r>
             <a:r>
               <a:rPr lang="en-US" dirty="0">
                 <a:latin typeface="Consolas" charset="0"/>
                 <a:ea typeface="Consolas" charset="0"/>
                 <a:cs typeface="Consolas" charset="0"/>
               </a:rPr>
-              <a:t>* </a:t>
+              <a:t>DIR * </a:t>
             </a:r>
             <a:r>
               <a:rPr lang="en-US" dirty="0" err="1">
@@ -18219,7 +17754,7 @@
               <a:t>dirname</a:t>
             </a:r>
             <a:r>
-              <a:rPr lang="en-US" dirty="0" smtClean="0">
+              <a:rPr lang="en-US" dirty="0">
                 <a:latin typeface="Consolas" charset="0"/>
                 <a:ea typeface="Consolas" charset="0"/>
                 <a:cs typeface="Consolas" charset="0"/>
@@ -18286,7 +17821,7 @@
               <a:t>dirstream</a:t>
             </a:r>
             <a:r>
-              <a:rPr lang="en-US" dirty="0" smtClean="0">
+              <a:rPr lang="en-US" dirty="0">
                 <a:latin typeface="Consolas" charset="0"/>
                 <a:ea typeface="Consolas" charset="0"/>
                 <a:cs typeface="Consolas" charset="0"/>
@@ -18374,41 +17909,17 @@
                 <a:ea typeface="Consolas" charset="0"/>
                 <a:cs typeface="Consolas" charset="0"/>
               </a:rPr>
-              <a:t> </a:t>
-            </a:r>
-            <a:r>
-              <a:rPr lang="en-US" sz="2200" dirty="0" smtClean="0">
-                <a:latin typeface="Consolas" charset="0"/>
-                <a:ea typeface="Consolas" charset="0"/>
-                <a:cs typeface="Consolas" charset="0"/>
-              </a:rPr>
-              <a:t>*</a:t>
-            </a:r>
-            <a:r>
+              <a:t> *entry, </a:t>
+            </a:r>
+            <a:br>
               <a:rPr lang="en-US" sz="2200" dirty="0">
                 <a:latin typeface="Consolas" charset="0"/>
                 <a:ea typeface="Consolas" charset="0"/>
                 <a:cs typeface="Consolas" charset="0"/>
               </a:rPr>
-              <a:t>entry, </a:t>
-            </a:r>
-            <a:r>
-              <a:rPr lang="en-US" sz="2200" dirty="0" smtClean="0">
-                <a:latin typeface="Consolas" charset="0"/>
-                <a:ea typeface="Consolas" charset="0"/>
-                <a:cs typeface="Consolas" charset="0"/>
-              </a:rPr>
-              <a:t/>
-            </a:r>
-            <a:br>
-              <a:rPr lang="en-US" sz="2200" dirty="0" smtClean="0">
-                <a:latin typeface="Consolas" charset="0"/>
-                <a:ea typeface="Consolas" charset="0"/>
-                <a:cs typeface="Consolas" charset="0"/>
-              </a:rPr>
             </a:br>
             <a:r>
-              <a:rPr lang="en-US" sz="2200" dirty="0" smtClean="0">
+              <a:rPr lang="en-US" sz="2200" dirty="0">
                 <a:latin typeface="Consolas" charset="0"/>
                 <a:ea typeface="Consolas" charset="0"/>
                 <a:cs typeface="Consolas" charset="0"/>
@@ -18416,7 +17927,7 @@
               <a:t>			 </a:t>
             </a:r>
             <a:r>
-              <a:rPr lang="en-US" sz="2200" dirty="0" err="1" smtClean="0">
+              <a:rPr lang="en-US" sz="2200" dirty="0" err="1">
                 <a:latin typeface="Consolas" charset="0"/>
                 <a:ea typeface="Consolas" charset="0"/>
                 <a:cs typeface="Consolas" charset="0"/>
@@ -18424,7 +17935,7 @@
               <a:t>struct</a:t>
             </a:r>
             <a:r>
-              <a:rPr lang="en-US" sz="2200" dirty="0" smtClean="0">
+              <a:rPr lang="en-US" sz="2200" dirty="0">
                 <a:latin typeface="Consolas" charset="0"/>
                 <a:ea typeface="Consolas" charset="0"/>
                 <a:cs typeface="Consolas" charset="0"/>
@@ -18650,7 +18161,7 @@
           <a:lstStyle/>
           <a:p>
             <a:r>
-              <a:rPr lang="en-US" sz="2000" b="0" dirty="0" smtClean="0">
+              <a:rPr lang="en-US" sz="2000" b="0" dirty="0">
                 <a:latin typeface="Consolas" charset="0"/>
                 <a:ea typeface="Consolas" charset="0"/>
                 <a:cs typeface="Consolas" charset="0"/>
@@ -18658,7 +18169,7 @@
               <a:t>/</a:t>
             </a:r>
             <a:r>
-              <a:rPr lang="en-US" sz="2000" b="0" dirty="0" err="1" smtClean="0">
+              <a:rPr lang="en-US" sz="2000" b="0" dirty="0" err="1">
                 <a:latin typeface="Consolas" charset="0"/>
                 <a:ea typeface="Consolas" charset="0"/>
                 <a:cs typeface="Consolas" charset="0"/>
@@ -18696,7 +18207,7 @@
           <a:lstStyle/>
           <a:p>
             <a:r>
-              <a:rPr lang="en-US" sz="2000" b="0" dirty="0" smtClean="0">
+              <a:rPr lang="en-US" sz="2000" b="0" dirty="0">
                 <a:latin typeface="Consolas" charset="0"/>
                 <a:ea typeface="Consolas" charset="0"/>
                 <a:cs typeface="Consolas" charset="0"/>
@@ -18704,7 +18215,7 @@
               <a:t>/</a:t>
             </a:r>
             <a:r>
-              <a:rPr lang="en-US" sz="2000" b="0" dirty="0" err="1" smtClean="0">
+              <a:rPr lang="en-US" sz="2000" b="0" dirty="0" err="1">
                 <a:latin typeface="Consolas" charset="0"/>
                 <a:ea typeface="Consolas" charset="0"/>
                 <a:cs typeface="Consolas" charset="0"/>
@@ -18712,18 +18223,13 @@
               <a:t>usr</a:t>
             </a:r>
             <a:r>
-              <a:rPr lang="en-US" sz="2000" b="0" dirty="0" smtClean="0">
+              <a:rPr lang="en-US" sz="2000" b="0" dirty="0">
                 <a:latin typeface="Consolas" charset="0"/>
                 <a:ea typeface="Consolas" charset="0"/>
                 <a:cs typeface="Consolas" charset="0"/>
               </a:rPr>
               <a:t>/lib4.3</a:t>
             </a:r>
-            <a:endParaRPr lang="en-US" sz="2000" b="0" dirty="0">
-              <a:latin typeface="Consolas" charset="0"/>
-              <a:ea typeface="Consolas" charset="0"/>
-              <a:cs typeface="Consolas" charset="0"/>
-            </a:endParaRPr>
           </a:p>
         </p:txBody>
       </p:sp>
@@ -18750,7 +18256,7 @@
           <a:lstStyle/>
           <a:p>
             <a:r>
-              <a:rPr lang="en-US" sz="2000" b="0" dirty="0" smtClean="0">
+              <a:rPr lang="en-US" sz="2000" b="0" dirty="0">
                 <a:latin typeface="Consolas" charset="0"/>
                 <a:ea typeface="Consolas" charset="0"/>
                 <a:cs typeface="Consolas" charset="0"/>
@@ -18758,7 +18264,7 @@
               <a:t>/</a:t>
             </a:r>
             <a:r>
-              <a:rPr lang="en-US" sz="2000" b="0" dirty="0" err="1" smtClean="0">
+              <a:rPr lang="en-US" sz="2000" b="0" dirty="0" err="1">
                 <a:latin typeface="Consolas" charset="0"/>
                 <a:ea typeface="Consolas" charset="0"/>
                 <a:cs typeface="Consolas" charset="0"/>
@@ -18766,18 +18272,13 @@
               <a:t>usr</a:t>
             </a:r>
             <a:r>
-              <a:rPr lang="en-US" sz="2000" b="0" dirty="0" smtClean="0">
+              <a:rPr lang="en-US" sz="2000" b="0" dirty="0">
                 <a:latin typeface="Consolas" charset="0"/>
                 <a:ea typeface="Consolas" charset="0"/>
                 <a:cs typeface="Consolas" charset="0"/>
               </a:rPr>
               <a:t>/lib4.3/foo</a:t>
             </a:r>
-            <a:endParaRPr lang="en-US" sz="2000" b="0" dirty="0">
-              <a:latin typeface="Consolas" charset="0"/>
-              <a:ea typeface="Consolas" charset="0"/>
-              <a:cs typeface="Consolas" charset="0"/>
-            </a:endParaRPr>
           </a:p>
         </p:txBody>
       </p:sp>
@@ -18903,7 +18404,7 @@
           <a:lstStyle/>
           <a:p>
             <a:r>
-              <a:rPr lang="en-US" sz="2000" b="0" dirty="0" smtClean="0">
+              <a:rPr lang="en-US" sz="2000" b="0" dirty="0">
                 <a:latin typeface="Consolas" charset="0"/>
                 <a:ea typeface="Consolas" charset="0"/>
                 <a:cs typeface="Consolas" charset="0"/>
@@ -18911,7 +18412,7 @@
               <a:t>/</a:t>
             </a:r>
             <a:r>
-              <a:rPr lang="en-US" sz="2000" b="0" dirty="0" err="1" smtClean="0">
+              <a:rPr lang="en-US" sz="2000" b="0" dirty="0" err="1">
                 <a:latin typeface="Consolas" charset="0"/>
                 <a:ea typeface="Consolas" charset="0"/>
                 <a:cs typeface="Consolas" charset="0"/>
@@ -18919,18 +18420,13 @@
               <a:t>usr</a:t>
             </a:r>
             <a:r>
-              <a:rPr lang="en-US" sz="2000" b="0" dirty="0" smtClean="0">
+              <a:rPr lang="en-US" sz="2000" b="0" dirty="0">
                 <a:latin typeface="Consolas" charset="0"/>
                 <a:ea typeface="Consolas" charset="0"/>
                 <a:cs typeface="Consolas" charset="0"/>
               </a:rPr>
               <a:t>/lib</a:t>
             </a:r>
-            <a:endParaRPr lang="en-US" sz="2000" b="0" dirty="0">
-              <a:latin typeface="Consolas" charset="0"/>
-              <a:ea typeface="Consolas" charset="0"/>
-              <a:cs typeface="Consolas" charset="0"/>
-            </a:endParaRPr>
           </a:p>
         </p:txBody>
       </p:sp>
@@ -18990,7 +18486,7 @@
           <a:lstStyle/>
           <a:p>
             <a:r>
-              <a:rPr lang="en-US" sz="2000" b="0" dirty="0" smtClean="0">
+              <a:rPr lang="en-US" sz="2000" b="0" dirty="0">
                 <a:latin typeface="Consolas" charset="0"/>
                 <a:ea typeface="Consolas" charset="0"/>
                 <a:cs typeface="Consolas" charset="0"/>
@@ -18998,7 +18494,7 @@
               <a:t>/</a:t>
             </a:r>
             <a:r>
-              <a:rPr lang="en-US" sz="2000" b="0" dirty="0" err="1" smtClean="0">
+              <a:rPr lang="en-US" sz="2000" b="0" dirty="0" err="1">
                 <a:latin typeface="Consolas" charset="0"/>
                 <a:ea typeface="Consolas" charset="0"/>
                 <a:cs typeface="Consolas" charset="0"/>
@@ -19006,18 +18502,13 @@
               <a:t>usr</a:t>
             </a:r>
             <a:r>
-              <a:rPr lang="en-US" sz="2000" b="0" dirty="0" smtClean="0">
+              <a:rPr lang="en-US" sz="2000" b="0" dirty="0">
                 <a:latin typeface="Consolas" charset="0"/>
                 <a:ea typeface="Consolas" charset="0"/>
                 <a:cs typeface="Consolas" charset="0"/>
               </a:rPr>
               <a:t>/lib/foo</a:t>
             </a:r>
-            <a:endParaRPr lang="en-US" sz="2000" b="0" dirty="0">
-              <a:latin typeface="Consolas" charset="0"/>
-              <a:ea typeface="Consolas" charset="0"/>
-              <a:cs typeface="Consolas" charset="0"/>
-            </a:endParaRPr>
           </a:p>
         </p:txBody>
       </p:sp>
@@ -19701,10 +19192,9 @@
           <a:lstStyle/>
           <a:p>
             <a:r>
-              <a:rPr lang="en-US" dirty="0" smtClean="0"/>
+              <a:rPr lang="en-US" dirty="0"/>
               <a:t>Links</a:t>
             </a:r>
-            <a:endParaRPr lang="en-US" dirty="0"/>
           </a:p>
         </p:txBody>
       </p:sp>
@@ -19726,51 +19216,51 @@
           <a:lstStyle/>
           <a:p>
             <a:r>
-              <a:rPr lang="en-US" sz="2800" dirty="0" smtClean="0"/>
+              <a:rPr lang="en-US" sz="2800" dirty="0"/>
               <a:t>Hard link</a:t>
             </a:r>
           </a:p>
           <a:p>
             <a:pPr lvl="1"/>
             <a:r>
-              <a:rPr lang="en-US" sz="2400" dirty="0" smtClean="0"/>
+              <a:rPr lang="en-US" sz="2400" dirty="0"/>
               <a:t>Sets another directory entry to contain the file number for the file</a:t>
             </a:r>
           </a:p>
           <a:p>
             <a:pPr lvl="1"/>
             <a:r>
-              <a:rPr lang="en-US" sz="2400" dirty="0" smtClean="0"/>
+              <a:rPr lang="en-US" sz="2400" dirty="0"/>
               <a:t>Creates another name (path) for the file</a:t>
             </a:r>
           </a:p>
           <a:p>
             <a:pPr lvl="1"/>
             <a:r>
-              <a:rPr lang="en-US" sz="2400" dirty="0" smtClean="0"/>
+              <a:rPr lang="en-US" sz="2400" dirty="0"/>
               <a:t>Each is “first class”</a:t>
             </a:r>
           </a:p>
           <a:p>
-            <a:endParaRPr lang="en-US" sz="2800" dirty="0" smtClean="0"/>
-          </a:p>
-          <a:p>
-            <a:r>
-              <a:rPr lang="en-US" sz="2800" dirty="0" smtClean="0"/>
+            <a:endParaRPr lang="en-US" sz="2800" dirty="0"/>
+          </a:p>
+          <a:p>
+            <a:r>
+              <a:rPr lang="en-US" sz="2800" dirty="0"/>
               <a:t>Soft link or Symbolic Link or Shortcut</a:t>
             </a:r>
           </a:p>
           <a:p>
             <a:pPr lvl="1"/>
             <a:r>
-              <a:rPr lang="en-US" sz="2400" dirty="0" smtClean="0"/>
+              <a:rPr lang="en-US" sz="2400" dirty="0"/>
               <a:t>Directory entry contains the path and name of the file</a:t>
             </a:r>
           </a:p>
           <a:p>
             <a:pPr lvl="1"/>
             <a:r>
-              <a:rPr lang="en-US" sz="2400" dirty="0" smtClean="0"/>
+              <a:rPr lang="en-US" sz="2400" dirty="0"/>
               <a:t>Map one name to another name</a:t>
             </a:r>
           </a:p>
@@ -20109,18 +19599,17 @@
           <a:lstStyle/>
           <a:p>
             <a:r>
-              <a:rPr lang="en-US" dirty="0" smtClean="0"/>
+              <a:rPr lang="en-US" dirty="0"/>
               <a:t>Large Directories: B-Trees (</a:t>
             </a:r>
             <a:r>
-              <a:rPr lang="en-US" dirty="0" err="1" smtClean="0"/>
+              <a:rPr lang="en-US" dirty="0" err="1"/>
               <a:t>dirhash</a:t>
             </a:r>
             <a:r>
-              <a:rPr lang="en-US" dirty="0" smtClean="0"/>
+              <a:rPr lang="en-US" dirty="0"/>
               <a:t>)</a:t>
             </a:r>
-            <a:endParaRPr lang="en-US" dirty="0"/>
           </a:p>
         </p:txBody>
       </p:sp>
@@ -20171,7 +19660,7 @@
           <a:lstStyle/>
           <a:p>
             <a:r>
-              <a:rPr lang="en-US" sz="2400" b="0" dirty="0" smtClean="0">
+              <a:rPr lang="en-US" sz="2400" b="0" dirty="0">
                 <a:latin typeface="Gill Sans" charset="0"/>
                 <a:ea typeface="Gill Sans" charset="0"/>
                 <a:cs typeface="Gill Sans" charset="0"/>
@@ -20179,7 +19668,7 @@
               <a:t>in FreeBSD, </a:t>
             </a:r>
             <a:r>
-              <a:rPr lang="en-US" sz="2400" b="0" dirty="0" err="1" smtClean="0">
+              <a:rPr lang="en-US" sz="2400" b="0" dirty="0" err="1">
                 <a:latin typeface="Gill Sans" charset="0"/>
                 <a:ea typeface="Gill Sans" charset="0"/>
                 <a:cs typeface="Gill Sans" charset="0"/>
@@ -20187,7 +19676,7 @@
               <a:t>NetBSD</a:t>
             </a:r>
             <a:r>
-              <a:rPr lang="en-US" sz="2400" b="0" dirty="0" smtClean="0">
+              <a:rPr lang="en-US" sz="2400" b="0" dirty="0">
                 <a:latin typeface="Gill Sans" charset="0"/>
                 <a:ea typeface="Gill Sans" charset="0"/>
                 <a:cs typeface="Gill Sans" charset="0"/>
@@ -20195,7 +19684,7 @@
               <a:t>, </a:t>
             </a:r>
             <a:r>
-              <a:rPr lang="en-US" sz="2400" b="0" dirty="0" err="1" smtClean="0">
+              <a:rPr lang="en-US" sz="2400" b="0" dirty="0" err="1">
                 <a:latin typeface="Gill Sans" charset="0"/>
                 <a:ea typeface="Gill Sans" charset="0"/>
                 <a:cs typeface="Gill Sans" charset="0"/>
@@ -20221,13 +19710,6 @@
     <a:masterClrMapping/>
   </p:clrMapOvr>
   <p:transition/>
-  <p:timing>
-    <p:tnLst>
-      <p:par>
-        <p:cTn id="1" dur="indefinite" restart="never" nodeType="tmRoot"/>
-      </p:par>
-    </p:tnLst>
-  </p:timing>
 </p:sld>
 </file>
 
@@ -20264,10 +19746,9 @@
           <a:lstStyle/>
           <a:p>
             <a:r>
-              <a:rPr lang="en-US" dirty="0" smtClean="0"/>
+              <a:rPr lang="en-US" dirty="0"/>
               <a:t>NTFS</a:t>
             </a:r>
-            <a:endParaRPr lang="en-US" dirty="0"/>
           </a:p>
         </p:txBody>
       </p:sp>
@@ -20292,75 +19773,74 @@
           <a:lstStyle/>
           <a:p>
             <a:r>
-              <a:rPr lang="en-US" dirty="0" smtClean="0"/>
+              <a:rPr lang="en-US" dirty="0"/>
               <a:t>New Technology File System (NTFS)</a:t>
             </a:r>
           </a:p>
           <a:p>
             <a:pPr lvl="1"/>
             <a:r>
-              <a:rPr lang="en-US" dirty="0" smtClean="0"/>
+              <a:rPr lang="en-US" dirty="0"/>
               <a:t>Default on Microsoft Windows systems</a:t>
             </a:r>
           </a:p>
           <a:p>
-            <a:endParaRPr lang="en-US" dirty="0" smtClean="0"/>
-          </a:p>
-          <a:p>
-            <a:r>
-              <a:rPr lang="en-US" dirty="0" smtClean="0"/>
+            <a:endParaRPr lang="en-US" dirty="0"/>
+          </a:p>
+          <a:p>
+            <a:r>
+              <a:rPr lang="en-US" dirty="0"/>
               <a:t>Variable length extents</a:t>
             </a:r>
           </a:p>
           <a:p>
             <a:pPr lvl="1"/>
             <a:r>
-              <a:rPr lang="en-US" dirty="0" smtClean="0"/>
+              <a:rPr lang="en-US" dirty="0"/>
               <a:t>Rather than fixed blocks</a:t>
             </a:r>
           </a:p>
           <a:p>
-            <a:endParaRPr lang="en-US" dirty="0" smtClean="0"/>
-          </a:p>
-          <a:p>
-            <a:r>
-              <a:rPr lang="en-US" dirty="0" smtClean="0"/>
+            <a:endParaRPr lang="en-US" dirty="0"/>
+          </a:p>
+          <a:p>
+            <a:r>
+              <a:rPr lang="en-US" dirty="0"/>
               <a:t>Everything (almost) is a sequence of &lt;</a:t>
             </a:r>
             <a:r>
-              <a:rPr lang="en-US" dirty="0" err="1" smtClean="0"/>
+              <a:rPr lang="en-US" dirty="0" err="1"/>
               <a:t>attribute:value</a:t>
             </a:r>
             <a:r>
-              <a:rPr lang="en-US" dirty="0" smtClean="0"/>
+              <a:rPr lang="en-US" dirty="0"/>
               <a:t>&gt; pairs</a:t>
             </a:r>
           </a:p>
           <a:p>
             <a:pPr lvl="1"/>
             <a:r>
-              <a:rPr lang="en-US" dirty="0" smtClean="0"/>
+              <a:rPr lang="en-US" dirty="0"/>
               <a:t>Meta-data and data</a:t>
             </a:r>
           </a:p>
           <a:p>
-            <a:endParaRPr lang="en-US" dirty="0" smtClean="0"/>
-          </a:p>
-          <a:p>
-            <a:r>
-              <a:rPr lang="en-US" dirty="0" smtClean="0"/>
+            <a:endParaRPr lang="en-US" dirty="0"/>
+          </a:p>
+          <a:p>
+            <a:r>
+              <a:rPr lang="en-US" dirty="0"/>
               <a:t>Mix direct and indirect freely</a:t>
             </a:r>
           </a:p>
           <a:p>
-            <a:endParaRPr lang="en-US" dirty="0" smtClean="0"/>
-          </a:p>
-          <a:p>
-            <a:r>
-              <a:rPr lang="en-US" dirty="0" smtClean="0"/>
+            <a:endParaRPr lang="en-US" dirty="0"/>
+          </a:p>
+          <a:p>
+            <a:r>
+              <a:rPr lang="en-US" dirty="0"/>
               <a:t>Directories organized in B-tree structure by default</a:t>
             </a:r>
-            <a:endParaRPr lang="en-US" dirty="0"/>
           </a:p>
         </p:txBody>
       </p:sp>
@@ -20785,17 +20265,8 @@
               <a:rPr lang="en-US" dirty="0">
                 <a:ea typeface="ＭＳ Ｐゴシック" pitchFamily="-83" charset="-128"/>
               </a:rPr>
-              <a:t>Directory Structure </a:t>
-            </a:r>
-            <a:r>
-              <a:rPr lang="en-US" dirty="0" smtClean="0">
-                <a:ea typeface="ＭＳ Ｐゴシック" pitchFamily="-83" charset="-128"/>
-              </a:rPr>
-              <a:t>(cont’d)</a:t>
-            </a:r>
-            <a:endParaRPr lang="en-US" dirty="0">
-              <a:ea typeface="ＭＳ Ｐゴシック" pitchFamily="-83" charset="-128"/>
-            </a:endParaRPr>
+              <a:t>Directory Structure (cont’d)</a:t>
+            </a:r>
           </a:p>
         </p:txBody>
       </p:sp>
@@ -20833,41 +20304,20 @@
               <a:rPr lang="en-US" dirty="0">
                 <a:ea typeface="ＭＳ Ｐゴシック" pitchFamily="-83" charset="-128"/>
               </a:rPr>
-              <a:t>How many disk accesses to resolve </a:t>
-            </a:r>
-            <a:r>
-              <a:rPr lang="en-US" dirty="0" smtClean="0">
-                <a:ea typeface="ＭＳ Ｐゴシック" pitchFamily="-83" charset="-128"/>
-              </a:rPr>
-              <a:t>“</a:t>
-            </a:r>
-            <a:r>
-              <a:rPr lang="en-US" altLang="ja-JP" dirty="0" smtClean="0">
-                <a:ea typeface="Courier New" pitchFamily="-83" charset="0"/>
-              </a:rPr>
-              <a:t>/</a:t>
+              <a:t>How many disk accesses to resolve “</a:t>
             </a:r>
             <a:r>
               <a:rPr lang="en-US" altLang="ja-JP" dirty="0">
                 <a:ea typeface="Courier New" pitchFamily="-83" charset="0"/>
               </a:rPr>
-              <a:t>my/book/</a:t>
-            </a:r>
-            <a:r>
-              <a:rPr lang="en-US" altLang="ja-JP" dirty="0" smtClean="0">
-                <a:ea typeface="Courier New" pitchFamily="-83" charset="0"/>
-              </a:rPr>
-              <a:t>count</a:t>
-            </a:r>
-            <a:r>
-              <a:rPr lang="en-US" altLang="ja-JP" dirty="0" smtClean="0">
+              <a:t>/my/book/count</a:t>
+            </a:r>
+            <a:r>
+              <a:rPr lang="en-US" altLang="ja-JP" dirty="0">
                 <a:ea typeface="ＭＳ Ｐゴシック" pitchFamily="-83" charset="-128"/>
               </a:rPr>
               <a:t>”?</a:t>
             </a:r>
-            <a:endParaRPr lang="en-US" altLang="ja-JP" dirty="0">
-              <a:ea typeface="ＭＳ Ｐゴシック" pitchFamily="-83" charset="-128"/>
-            </a:endParaRPr>
           </a:p>
           <a:p>
             <a:pPr lvl="1">
@@ -20930,23 +20380,14 @@
               <a:rPr lang="en-US" dirty="0">
                 <a:ea typeface="ＭＳ Ｐゴシック" pitchFamily="-83" charset="-128"/>
               </a:rPr>
-              <a:t>Read in file header for </a:t>
-            </a:r>
-            <a:r>
-              <a:rPr lang="en-US" dirty="0" smtClean="0">
-                <a:ea typeface="ＭＳ Ｐゴシック" pitchFamily="-83" charset="-128"/>
-              </a:rPr>
-              <a:t>“</a:t>
-            </a:r>
-            <a:r>
-              <a:rPr lang="en-US" altLang="ja-JP" dirty="0" smtClean="0">
+              <a:t>Read in file header for “</a:t>
+            </a:r>
+            <a:r>
+              <a:rPr lang="en-US" altLang="ja-JP" dirty="0">
                 <a:ea typeface="ＭＳ Ｐゴシック" pitchFamily="-83" charset="-128"/>
               </a:rPr>
               <a:t>my”</a:t>
             </a:r>
-            <a:endParaRPr lang="en-US" altLang="ja-JP" dirty="0">
-              <a:ea typeface="ＭＳ Ｐゴシック" pitchFamily="-83" charset="-128"/>
-            </a:endParaRPr>
           </a:p>
           <a:p>
             <a:pPr lvl="1">
@@ -20961,35 +20402,14 @@
               <a:rPr lang="en-US" dirty="0">
                 <a:ea typeface="ＭＳ Ｐゴシック" pitchFamily="-83" charset="-128"/>
               </a:rPr>
-              <a:t>Read in first data block for </a:t>
-            </a:r>
-            <a:r>
-              <a:rPr lang="en-US" dirty="0" smtClean="0">
-                <a:ea typeface="ＭＳ Ｐゴシック" pitchFamily="-83" charset="-128"/>
-              </a:rPr>
-              <a:t>“</a:t>
-            </a:r>
-            <a:r>
-              <a:rPr lang="en-US" altLang="ja-JP" dirty="0" smtClean="0">
-                <a:ea typeface="ＭＳ Ｐゴシック" pitchFamily="-83" charset="-128"/>
-              </a:rPr>
-              <a:t>my”; </a:t>
+              <a:t>Read in first data block for “</a:t>
             </a:r>
             <a:r>
               <a:rPr lang="en-US" altLang="ja-JP" dirty="0">
                 <a:ea typeface="ＭＳ Ｐゴシック" pitchFamily="-83" charset="-128"/>
               </a:rPr>
-              <a:t>search for </a:t>
-            </a:r>
-            <a:r>
-              <a:rPr lang="en-US" altLang="ja-JP" dirty="0" smtClean="0">
-                <a:ea typeface="ＭＳ Ｐゴシック" pitchFamily="-83" charset="-128"/>
-              </a:rPr>
-              <a:t>“book”</a:t>
-            </a:r>
-            <a:endParaRPr lang="en-US" altLang="ja-JP" dirty="0">
-              <a:ea typeface="ＭＳ Ｐゴシック" pitchFamily="-83" charset="-128"/>
-            </a:endParaRPr>
+              <a:t>my”; search for “book”</a:t>
+            </a:r>
           </a:p>
           <a:p>
             <a:pPr lvl="1">
@@ -21004,23 +20424,14 @@
               <a:rPr lang="en-US" dirty="0">
                 <a:ea typeface="ＭＳ Ｐゴシック" pitchFamily="-83" charset="-128"/>
               </a:rPr>
-              <a:t>Read in file header for </a:t>
-            </a:r>
-            <a:r>
-              <a:rPr lang="en-US" dirty="0" smtClean="0">
-                <a:ea typeface="ＭＳ Ｐゴシック" pitchFamily="-83" charset="-128"/>
-              </a:rPr>
-              <a:t>“</a:t>
-            </a:r>
-            <a:r>
-              <a:rPr lang="en-US" altLang="ja-JP" dirty="0" smtClean="0">
+              <a:t>Read in file header for “</a:t>
+            </a:r>
+            <a:r>
+              <a:rPr lang="en-US" altLang="ja-JP" dirty="0">
                 <a:ea typeface="ＭＳ Ｐゴシック" pitchFamily="-83" charset="-128"/>
               </a:rPr>
               <a:t>book”</a:t>
             </a:r>
-            <a:endParaRPr lang="en-US" altLang="ja-JP" dirty="0">
-              <a:ea typeface="ＭＳ Ｐゴシック" pitchFamily="-83" charset="-128"/>
-            </a:endParaRPr>
           </a:p>
           <a:p>
             <a:pPr lvl="1">
@@ -21035,35 +20446,14 @@
               <a:rPr lang="en-US" dirty="0">
                 <a:ea typeface="ＭＳ Ｐゴシック" pitchFamily="-83" charset="-128"/>
               </a:rPr>
-              <a:t>Read in first data block for </a:t>
-            </a:r>
-            <a:r>
-              <a:rPr lang="en-US" dirty="0" smtClean="0">
-                <a:ea typeface="ＭＳ Ｐゴシック" pitchFamily="-83" charset="-128"/>
-              </a:rPr>
-              <a:t>“</a:t>
-            </a:r>
-            <a:r>
-              <a:rPr lang="en-US" altLang="ja-JP" dirty="0" smtClean="0">
-                <a:ea typeface="ＭＳ Ｐゴシック" pitchFamily="-83" charset="-128"/>
-              </a:rPr>
-              <a:t>book”; </a:t>
+              <a:t>Read in first data block for “</a:t>
             </a:r>
             <a:r>
               <a:rPr lang="en-US" altLang="ja-JP" dirty="0">
                 <a:ea typeface="ＭＳ Ｐゴシック" pitchFamily="-83" charset="-128"/>
               </a:rPr>
-              <a:t>search for </a:t>
-            </a:r>
-            <a:r>
-              <a:rPr lang="en-US" altLang="ja-JP" dirty="0" smtClean="0">
-                <a:ea typeface="ＭＳ Ｐゴシック" pitchFamily="-83" charset="-128"/>
-              </a:rPr>
-              <a:t>“count”</a:t>
-            </a:r>
-            <a:endParaRPr lang="en-US" altLang="ja-JP" dirty="0">
-              <a:ea typeface="ＭＳ Ｐゴシック" pitchFamily="-83" charset="-128"/>
-            </a:endParaRPr>
+              <a:t>book”; search for “count”</a:t>
+            </a:r>
           </a:p>
           <a:p>
             <a:pPr lvl="1">
@@ -21078,16 +20468,10 @@
               <a:rPr lang="en-US" dirty="0">
                 <a:ea typeface="ＭＳ Ｐゴシック" pitchFamily="-83" charset="-128"/>
               </a:rPr>
-              <a:t>Read in file header for </a:t>
-            </a:r>
-            <a:r>
-              <a:rPr lang="en-US" dirty="0" smtClean="0">
-                <a:ea typeface="ＭＳ Ｐゴシック" pitchFamily="-83" charset="-128"/>
-              </a:rPr>
-              <a:t>“</a:t>
-            </a:r>
-            <a:r>
-              <a:rPr lang="en-US" altLang="ja-JP" dirty="0" smtClean="0">
+              <a:t>Read in file header for “</a:t>
+            </a:r>
+            <a:r>
+              <a:rPr lang="en-US" altLang="ja-JP" dirty="0">
                 <a:ea typeface="ＭＳ Ｐゴシック" pitchFamily="-83" charset="-128"/>
               </a:rPr>
               <a:t>count”</a:t>
@@ -21149,53 +20533,20 @@
               <a:rPr lang="en-US" dirty="0">
                 <a:ea typeface="ＭＳ Ｐゴシック" pitchFamily="-83" charset="-128"/>
               </a:rPr>
-              <a:t>Allows user to specify relative filename instead of absolute path (say CWD</a:t>
-            </a:r>
-            <a:r>
-              <a:rPr lang="en-US" dirty="0" smtClean="0">
-                <a:ea typeface="ＭＳ Ｐゴシック" pitchFamily="-83" charset="-128"/>
-              </a:rPr>
-              <a:t>=“</a:t>
-            </a:r>
-            <a:r>
-              <a:rPr lang="en-US" altLang="ja-JP" dirty="0" smtClean="0">
-                <a:ea typeface="Courier New" pitchFamily="-83" charset="0"/>
-              </a:rPr>
-              <a:t>/</a:t>
+              <a:t>Allows user to specify relative filename instead of absolute path (say CWD=“</a:t>
             </a:r>
             <a:r>
               <a:rPr lang="en-US" altLang="ja-JP" dirty="0">
                 <a:ea typeface="Courier New" pitchFamily="-83" charset="0"/>
               </a:rPr>
-              <a:t>my/</a:t>
-            </a:r>
-            <a:r>
-              <a:rPr lang="en-US" altLang="ja-JP" dirty="0" smtClean="0">
-                <a:ea typeface="Courier New" pitchFamily="-83" charset="0"/>
-              </a:rPr>
-              <a:t>book</a:t>
-            </a:r>
-            <a:r>
-              <a:rPr lang="en-US" altLang="ja-JP" dirty="0" smtClean="0">
-                <a:ea typeface="ＭＳ Ｐゴシック" pitchFamily="-83" charset="-128"/>
-              </a:rPr>
-              <a:t>” </a:t>
+              <a:t>/my/book</a:t>
             </a:r>
             <a:r>
               <a:rPr lang="en-US" altLang="ja-JP" dirty="0">
                 <a:ea typeface="ＭＳ Ｐゴシック" pitchFamily="-83" charset="-128"/>
               </a:rPr>
-              <a:t>can resolve </a:t>
-            </a:r>
-            <a:r>
-              <a:rPr lang="en-US" altLang="ja-JP" dirty="0" smtClean="0">
-                <a:ea typeface="ＭＳ Ｐゴシック" pitchFamily="-83" charset="-128"/>
-              </a:rPr>
-              <a:t>“count”)</a:t>
-            </a:r>
-            <a:endParaRPr lang="en-US" altLang="ja-JP" dirty="0">
-              <a:ea typeface="ＭＳ Ｐゴシック" pitchFamily="-83" charset="-128"/>
-            </a:endParaRPr>
+              <a:t>” can resolve “count”)</a:t>
+            </a:r>
           </a:p>
           <a:p>
             <a:pPr lvl="1">
@@ -21819,10 +21170,9 @@
           <a:lstStyle/>
           <a:p>
             <a:r>
-              <a:rPr lang="en-US" dirty="0" smtClean="0"/>
+              <a:rPr lang="en-US" dirty="0"/>
               <a:t>NTFS</a:t>
             </a:r>
-            <a:endParaRPr lang="en-US" dirty="0"/>
           </a:p>
         </p:txBody>
       </p:sp>
@@ -21849,96 +21199,96 @@
           <a:lstStyle/>
           <a:p>
             <a:r>
-              <a:rPr lang="en-US" dirty="0" smtClean="0"/>
+              <a:rPr lang="en-US" dirty="0"/>
               <a:t>Master File Table</a:t>
             </a:r>
           </a:p>
           <a:p>
             <a:pPr lvl="1"/>
             <a:r>
-              <a:rPr lang="en-US" sz="2400" dirty="0" smtClean="0"/>
+              <a:rPr lang="en-US" sz="2400" dirty="0"/>
               <a:t>Database with Flexible 1KB entries for metadata/data</a:t>
             </a:r>
           </a:p>
           <a:p>
             <a:pPr lvl="1"/>
             <a:r>
-              <a:rPr lang="en-US" sz="2400" dirty="0" smtClean="0"/>
+              <a:rPr lang="en-US" sz="2400" dirty="0"/>
               <a:t>Variable-sized attribute records (data or metadata)</a:t>
             </a:r>
           </a:p>
           <a:p>
             <a:pPr lvl="1"/>
             <a:r>
-              <a:rPr lang="en-US" sz="2400" dirty="0" smtClean="0"/>
+              <a:rPr lang="en-US" sz="2400" dirty="0"/>
               <a:t>Extend with variable depth tree (non-resident)</a:t>
             </a:r>
           </a:p>
           <a:p>
             <a:r>
-              <a:rPr lang="en-US" dirty="0" smtClean="0"/>
+              <a:rPr lang="en-US" dirty="0"/>
               <a:t>Extents – variable length </a:t>
             </a:r>
             <a:br>
-              <a:rPr lang="en-US" dirty="0" smtClean="0"/>
+              <a:rPr lang="en-US" dirty="0"/>
             </a:br>
             <a:r>
-              <a:rPr lang="en-US" dirty="0" smtClean="0"/>
+              <a:rPr lang="en-US" dirty="0"/>
               <a:t>contiguous regions</a:t>
             </a:r>
           </a:p>
           <a:p>
             <a:pPr lvl="1"/>
             <a:r>
-              <a:rPr lang="en-US" sz="2400" dirty="0" smtClean="0"/>
+              <a:rPr lang="en-US" sz="2400" dirty="0"/>
               <a:t>Block pointers cover </a:t>
             </a:r>
             <a:br>
-              <a:rPr lang="en-US" sz="2400" dirty="0" smtClean="0"/>
+              <a:rPr lang="en-US" sz="2400" dirty="0"/>
             </a:br>
             <a:r>
-              <a:rPr lang="en-US" sz="2400" dirty="0" smtClean="0"/>
+              <a:rPr lang="en-US" sz="2400" dirty="0"/>
               <a:t>runs of blocks</a:t>
             </a:r>
           </a:p>
           <a:p>
             <a:pPr lvl="1"/>
             <a:r>
-              <a:rPr lang="en-US" sz="2400" dirty="0" smtClean="0"/>
+              <a:rPr lang="en-US" sz="2400" dirty="0"/>
               <a:t>Similar approach in </a:t>
             </a:r>
             <a:br>
-              <a:rPr lang="en-US" sz="2400" dirty="0" smtClean="0"/>
+              <a:rPr lang="en-US" sz="2400" dirty="0"/>
             </a:br>
             <a:r>
-              <a:rPr lang="en-US" sz="2400" dirty="0" smtClean="0"/>
+              <a:rPr lang="en-US" sz="2400" dirty="0"/>
               <a:t>Linux (ext4)</a:t>
             </a:r>
           </a:p>
           <a:p>
             <a:pPr lvl="1"/>
             <a:r>
-              <a:rPr lang="en-US" sz="2400" dirty="0" smtClean="0"/>
+              <a:rPr lang="en-US" sz="2400" dirty="0"/>
               <a:t>File create can provide</a:t>
             </a:r>
             <a:br>
-              <a:rPr lang="en-US" sz="2400" dirty="0" smtClean="0"/>
+              <a:rPr lang="en-US" sz="2400" dirty="0"/>
             </a:br>
             <a:r>
-              <a:rPr lang="en-US" sz="2400" dirty="0" smtClean="0"/>
+              <a:rPr lang="en-US" sz="2400" dirty="0"/>
               <a:t> hint as to size of file</a:t>
             </a:r>
           </a:p>
           <a:p>
             <a:r>
-              <a:rPr lang="en-US" dirty="0" smtClean="0"/>
+              <a:rPr lang="en-US" dirty="0"/>
               <a:t>Journaling for reliability</a:t>
             </a:r>
           </a:p>
           <a:p>
             <a:pPr lvl="1"/>
             <a:r>
-              <a:rPr lang="en-US" sz="2400" dirty="0" smtClean="0"/>
+              <a:rPr lang="en-US" sz="2400" dirty="0"/>
               <a:t>Discussed later</a:t>
             </a:r>
           </a:p>
@@ -22477,10 +21827,9 @@
           <a:lstStyle/>
           <a:p>
             <a:r>
-              <a:rPr lang="en-US" dirty="0" smtClean="0"/>
+              <a:rPr lang="en-US" dirty="0"/>
               <a:t>NTFS Small File</a:t>
             </a:r>
-            <a:endParaRPr lang="en-US" dirty="0"/>
           </a:p>
         </p:txBody>
       </p:sp>
@@ -22528,7 +21877,7 @@
           <a:lstStyle/>
           <a:p>
             <a:r>
-              <a:rPr lang="en-US" sz="2000" b="0" dirty="0" smtClean="0">
+              <a:rPr lang="en-US" sz="2000" b="0" dirty="0">
                 <a:latin typeface="Gill Sans" charset="0"/>
                 <a:ea typeface="Gill Sans" charset="0"/>
                 <a:cs typeface="Gill Sans" charset="0"/>
@@ -22538,7 +21887,7 @@
           </a:p>
           <a:p>
             <a:r>
-              <a:rPr lang="en-US" sz="2000" b="0" dirty="0" smtClean="0">
+              <a:rPr lang="en-US" sz="2000" b="0" dirty="0">
                 <a:latin typeface="Gill Sans" charset="0"/>
                 <a:ea typeface="Gill Sans" charset="0"/>
                 <a:cs typeface="Gill Sans" charset="0"/>
@@ -22546,7 +21895,7 @@
               <a:t>Owner id, security </a:t>
             </a:r>
             <a:r>
-              <a:rPr lang="en-US" sz="2000" b="0" dirty="0" err="1" smtClean="0">
+              <a:rPr lang="en-US" sz="2000" b="0" dirty="0" err="1">
                 <a:latin typeface="Gill Sans" charset="0"/>
                 <a:ea typeface="Gill Sans" charset="0"/>
                 <a:cs typeface="Gill Sans" charset="0"/>
@@ -22554,18 +21903,13 @@
               <a:t>specifier</a:t>
             </a:r>
             <a:r>
-              <a:rPr lang="en-US" sz="2000" b="0" dirty="0" smtClean="0">
+              <a:rPr lang="en-US" sz="2000" b="0" dirty="0">
                 <a:latin typeface="Gill Sans" charset="0"/>
                 <a:ea typeface="Gill Sans" charset="0"/>
                 <a:cs typeface="Gill Sans" charset="0"/>
               </a:rPr>
               <a:t>, flags (RO, hidden, sys)</a:t>
             </a:r>
-            <a:endParaRPr lang="en-US" sz="2000" b="0" dirty="0">
-              <a:latin typeface="Gill Sans" charset="0"/>
-              <a:ea typeface="Gill Sans" charset="0"/>
-              <a:cs typeface="Gill Sans" charset="0"/>
-            </a:endParaRPr>
           </a:p>
         </p:txBody>
       </p:sp>
@@ -22629,21 +21973,8 @@
                 <a:ea typeface="Gill Sans" charset="0"/>
                 <a:cs typeface="Gill Sans" charset="0"/>
               </a:rPr>
-              <a:t>d</a:t>
-            </a:r>
-            <a:r>
-              <a:rPr lang="en-US" sz="2000" b="0" dirty="0" smtClean="0">
-                <a:latin typeface="Gill Sans" charset="0"/>
-                <a:ea typeface="Gill Sans" charset="0"/>
-                <a:cs typeface="Gill Sans" charset="0"/>
-              </a:rPr>
-              <a:t>ata attribute</a:t>
-            </a:r>
-            <a:endParaRPr lang="en-US" sz="2000" b="0" dirty="0">
-              <a:latin typeface="Gill Sans" charset="0"/>
-              <a:ea typeface="Gill Sans" charset="0"/>
-              <a:cs typeface="Gill Sans" charset="0"/>
-            </a:endParaRPr>
+              <a:t>data attribute</a:t>
+            </a:r>
           </a:p>
         </p:txBody>
       </p:sp>
@@ -22744,7 +22075,7 @@
           <a:lstStyle/>
           <a:p>
             <a:r>
-              <a:rPr lang="en-US" sz="2000" b="0" dirty="0" smtClean="0">
+              <a:rPr lang="en-US" sz="2000" b="0" dirty="0">
                 <a:solidFill>
                   <a:srgbClr val="0000FF"/>
                 </a:solidFill>
@@ -22754,14 +22085,6 @@
               </a:rPr>
               <a:t>Attribute list</a:t>
             </a:r>
-            <a:endParaRPr lang="en-US" sz="2000" b="0" dirty="0">
-              <a:solidFill>
-                <a:srgbClr val="0000FF"/>
-              </a:solidFill>
-              <a:latin typeface="Gill Sans" charset="0"/>
-              <a:ea typeface="Gill Sans" charset="0"/>
-              <a:cs typeface="Gill Sans" charset="0"/>
-            </a:endParaRPr>
           </a:p>
         </p:txBody>
       </p:sp>
@@ -22776,13 +22099,6 @@
     <a:masterClrMapping/>
   </p:clrMapOvr>
   <p:transition/>
-  <p:timing>
-    <p:tnLst>
-      <p:par>
-        <p:cTn id="1" dur="indefinite" restart="never" nodeType="tmRoot"/>
-      </p:par>
-    </p:tnLst>
-  </p:timing>
 </p:sld>
 </file>
 
@@ -22819,10 +22135,9 @@
           <a:lstStyle/>
           <a:p>
             <a:r>
-              <a:rPr lang="en-US" dirty="0" smtClean="0"/>
+              <a:rPr lang="en-US" dirty="0"/>
               <a:t>NTFS Medium File</a:t>
             </a:r>
-            <a:endParaRPr lang="en-US" dirty="0"/>
           </a:p>
         </p:txBody>
       </p:sp>
@@ -22856,13 +22171,6 @@
     <a:masterClrMapping/>
   </p:clrMapOvr>
   <p:transition/>
-  <p:timing>
-    <p:tnLst>
-      <p:par>
-        <p:cTn id="1" dur="indefinite" restart="never" nodeType="tmRoot"/>
-      </p:par>
-    </p:tnLst>
-  </p:timing>
 </p:sld>
 </file>
 
@@ -22901,10 +22209,9 @@
           <a:lstStyle/>
           <a:p>
             <a:r>
-              <a:rPr lang="en-US" dirty="0" smtClean="0"/>
+              <a:rPr lang="en-US" dirty="0"/>
               <a:t>NTFS Multiple Indirect Blocks</a:t>
             </a:r>
-            <a:endParaRPr lang="en-US" dirty="0"/>
           </a:p>
         </p:txBody>
       </p:sp>
@@ -22955,13 +22262,6 @@
     <a:masterClrMapping/>
   </p:clrMapOvr>
   <p:transition/>
-  <p:timing>
-    <p:tnLst>
-      <p:par>
-        <p:cTn id="1" dur="indefinite" restart="never" nodeType="tmRoot"/>
-      </p:par>
-    </p:tnLst>
-  </p:timing>
 </p:sld>
 </file>
 
@@ -23017,13 +22317,6 @@
     <a:masterClrMapping/>
   </p:clrMapOvr>
   <p:transition/>
-  <p:timing>
-    <p:tnLst>
-      <p:par>
-        <p:cTn id="1" dur="indefinite" restart="never" nodeType="tmRoot"/>
-      </p:par>
-    </p:tnLst>
-  </p:timing>
 </p:sld>
 </file>
 
@@ -23060,10 +22353,9 @@
           <a:lstStyle/>
           <a:p>
             <a:r>
-              <a:rPr lang="en-US" dirty="0" smtClean="0"/>
+              <a:rPr lang="en-US" dirty="0"/>
               <a:t>Memory Mapped Files</a:t>
             </a:r>
-            <a:endParaRPr lang="en-US" dirty="0"/>
           </a:p>
         </p:txBody>
       </p:sp>
@@ -23085,68 +22377,60 @@
           <a:lstStyle/>
           <a:p>
             <a:r>
-              <a:rPr lang="en-US" dirty="0" smtClean="0"/>
+              <a:rPr lang="en-US" dirty="0"/>
               <a:t>Traditional I/O involves explicit transfers between buffers in process address space to/from regions of a file</a:t>
             </a:r>
           </a:p>
           <a:p>
             <a:pPr lvl="1"/>
             <a:r>
-              <a:rPr lang="en-US" dirty="0" smtClean="0"/>
+              <a:rPr lang="en-US" dirty="0"/>
               <a:t>This involves multiple copies into caches in memory, plus system calls</a:t>
             </a:r>
           </a:p>
           <a:p>
             <a:pPr lvl="1"/>
-            <a:endParaRPr lang="en-US" dirty="0" smtClean="0"/>
-          </a:p>
-          <a:p>
-            <a:r>
-              <a:rPr lang="en-US" dirty="0" smtClean="0"/>
+            <a:endParaRPr lang="en-US" dirty="0"/>
+          </a:p>
+          <a:p>
+            <a:r>
+              <a:rPr lang="en-US" dirty="0"/>
               <a:t>What if we could “map” the file directly into an empty region of our address space</a:t>
             </a:r>
           </a:p>
           <a:p>
             <a:pPr lvl="1"/>
             <a:r>
-              <a:rPr lang="en-US" dirty="0" smtClean="0"/>
+              <a:rPr lang="en-US" dirty="0"/>
               <a:t>Implicitly “page it in” when we read it</a:t>
             </a:r>
           </a:p>
           <a:p>
             <a:pPr lvl="1"/>
             <a:r>
-              <a:rPr lang="en-US" dirty="0" smtClean="0"/>
+              <a:rPr lang="en-US" dirty="0"/>
               <a:t>Write it and “eventually” page it out</a:t>
             </a:r>
           </a:p>
           <a:p>
             <a:pPr lvl="1"/>
-            <a:endParaRPr lang="en-US" dirty="0" smtClean="0"/>
-          </a:p>
-          <a:p>
-            <a:r>
-              <a:rPr lang="en-US" dirty="0" smtClean="0"/>
+            <a:endParaRPr lang="en-US" dirty="0"/>
+          </a:p>
+          <a:p>
+            <a:r>
+              <a:rPr lang="en-US" dirty="0"/>
               <a:t>Executable files are treated this way when we </a:t>
             </a:r>
             <a:r>
-              <a:rPr lang="en-US" dirty="0" smtClean="0">
+              <a:rPr lang="en-US" dirty="0">
                 <a:latin typeface="Courier New"/>
                 <a:cs typeface="Courier New"/>
               </a:rPr>
               <a:t>exec</a:t>
             </a:r>
             <a:r>
-              <a:rPr lang="en-US" dirty="0" smtClean="0"/>
-              <a:t> the proces</a:t>
-            </a:r>
-            <a:r>
               <a:rPr lang="en-US" dirty="0"/>
-              <a:t>s</a:t>
-            </a:r>
-            <a:r>
-              <a:rPr lang="en-US" dirty="0" smtClean="0"/>
-              <a:t>!!</a:t>
+              <a:t> the process!!</a:t>
             </a:r>
           </a:p>
         </p:txBody>
@@ -23476,16 +22760,8 @@
           <a:lstStyle/>
           <a:p>
             <a:r>
-              <a:rPr lang="en-US" altLang="en-US" dirty="0" smtClean="0"/>
-              <a:t>Recall: Who Does </a:t>
-            </a:r>
-            <a:r>
               <a:rPr lang="en-US" altLang="en-US" dirty="0"/>
-              <a:t>W</a:t>
-            </a:r>
-            <a:r>
-              <a:rPr lang="en-US" altLang="en-US" dirty="0" smtClean="0"/>
-              <a:t>hat, When?</a:t>
+              <a:t>Recall: Who Does What, When?</a:t>
             </a:r>
           </a:p>
         </p:txBody>
@@ -23512,14 +22788,14 @@
           </a:ln>
           <a:extLst>
             <a:ext uri="{909E8E84-426E-40dd-AFC4-6F175D3DCCD1}">
-              <a14:hiddenFill xmlns:a14="http://schemas.microsoft.com/office/drawing/2010/main" xmlns="">
+              <a14:hiddenFill xmlns="" xmlns:a14="http://schemas.microsoft.com/office/drawing/2010/main">
                 <a:solidFill>
                   <a:srgbClr val="FFFFFF"/>
                 </a:solidFill>
               </a14:hiddenFill>
             </a:ext>
             <a:ext uri="{91240B29-F687-4f45-9708-019B960494DF}">
-              <a14:hiddenLine xmlns:a14="http://schemas.microsoft.com/office/drawing/2010/main" xmlns="" w="9525">
+              <a14:hiddenLine xmlns="" xmlns:a14="http://schemas.microsoft.com/office/drawing/2010/main" w="9525">
                 <a:solidFill>
                   <a:srgbClr val="000000"/>
                 </a:solidFill>
@@ -24659,7 +23935,7 @@
           </a:ln>
           <a:extLst>
             <a:ext uri="{909E8E84-426E-40dd-AFC4-6F175D3DCCD1}">
-              <a14:hiddenFill xmlns:a14="http://schemas.microsoft.com/office/drawing/2010/main" xmlns="">
+              <a14:hiddenFill xmlns="" xmlns:a14="http://schemas.microsoft.com/office/drawing/2010/main">
                 <a:solidFill>
                   <a:srgbClr val="FFFFFF"/>
                 </a:solidFill>
@@ -24840,14 +24116,14 @@
           </a:ln>
           <a:extLst>
             <a:ext uri="{909E8E84-426E-40dd-AFC4-6F175D3DCCD1}">
-              <a14:hiddenFill xmlns:a14="http://schemas.microsoft.com/office/drawing/2010/main" xmlns="">
+              <a14:hiddenFill xmlns="" xmlns:a14="http://schemas.microsoft.com/office/drawing/2010/main">
                 <a:solidFill>
                   <a:srgbClr val="FFFFFF"/>
                 </a:solidFill>
               </a14:hiddenFill>
             </a:ext>
             <a:ext uri="{91240B29-F687-4f45-9708-019B960494DF}">
-              <a14:hiddenLine xmlns:a14="http://schemas.microsoft.com/office/drawing/2010/main" xmlns="" w="9525">
+              <a14:hiddenLine xmlns="" xmlns:a14="http://schemas.microsoft.com/office/drawing/2010/main" w="9525">
                 <a:solidFill>
                   <a:srgbClr val="000000"/>
                 </a:solidFill>
@@ -25003,14 +24279,14 @@
           </a:ln>
           <a:extLst>
             <a:ext uri="{909E8E84-426E-40dd-AFC4-6F175D3DCCD1}">
-              <a14:hiddenFill xmlns:a14="http://schemas.microsoft.com/office/drawing/2010/main" xmlns="">
+              <a14:hiddenFill xmlns="" xmlns:a14="http://schemas.microsoft.com/office/drawing/2010/main">
                 <a:solidFill>
                   <a:srgbClr val="FFFFFF"/>
                 </a:solidFill>
               </a14:hiddenFill>
             </a:ext>
             <a:ext uri="{91240B29-F687-4f45-9708-019B960494DF}">
-              <a14:hiddenLine xmlns:a14="http://schemas.microsoft.com/office/drawing/2010/main" xmlns="" w="9525">
+              <a14:hiddenLine xmlns="" xmlns:a14="http://schemas.microsoft.com/office/drawing/2010/main" w="9525">
                 <a:solidFill>
                   <a:srgbClr val="000000"/>
                 </a:solidFill>
@@ -25166,14 +24442,14 @@
           </a:ln>
           <a:extLst>
             <a:ext uri="{909E8E84-426E-40dd-AFC4-6F175D3DCCD1}">
-              <a14:hiddenFill xmlns:a14="http://schemas.microsoft.com/office/drawing/2010/main" xmlns="">
+              <a14:hiddenFill xmlns="" xmlns:a14="http://schemas.microsoft.com/office/drawing/2010/main">
                 <a:solidFill>
                   <a:srgbClr val="FFFFFF"/>
                 </a:solidFill>
               </a14:hiddenFill>
             </a:ext>
             <a:ext uri="{91240B29-F687-4f45-9708-019B960494DF}">
-              <a14:hiddenLine xmlns:a14="http://schemas.microsoft.com/office/drawing/2010/main" xmlns="" w="9525">
+              <a14:hiddenLine xmlns="" xmlns:a14="http://schemas.microsoft.com/office/drawing/2010/main" w="9525">
                 <a:solidFill>
                   <a:srgbClr val="000000"/>
                 </a:solidFill>
@@ -25329,14 +24605,14 @@
           </a:ln>
           <a:extLst>
             <a:ext uri="{909E8E84-426E-40dd-AFC4-6F175D3DCCD1}">
-              <a14:hiddenFill xmlns:a14="http://schemas.microsoft.com/office/drawing/2010/main" xmlns="">
+              <a14:hiddenFill xmlns="" xmlns:a14="http://schemas.microsoft.com/office/drawing/2010/main">
                 <a:solidFill>
                   <a:srgbClr val="FFFFFF"/>
                 </a:solidFill>
               </a14:hiddenFill>
             </a:ext>
             <a:ext uri="{91240B29-F687-4f45-9708-019B960494DF}">
-              <a14:hiddenLine xmlns:a14="http://schemas.microsoft.com/office/drawing/2010/main" xmlns="" w="9525">
+              <a14:hiddenLine xmlns="" xmlns:a14="http://schemas.microsoft.com/office/drawing/2010/main" w="9525">
                 <a:solidFill>
                   <a:srgbClr val="000000"/>
                 </a:solidFill>
@@ -25656,14 +24932,14 @@
             </a:ln>
             <a:extLst>
               <a:ext uri="{909E8E84-426E-40dd-AFC4-6F175D3DCCD1}">
-                <a14:hiddenFill xmlns:a14="http://schemas.microsoft.com/office/drawing/2010/main" xmlns="">
+                <a14:hiddenFill xmlns="" xmlns:a14="http://schemas.microsoft.com/office/drawing/2010/main">
                   <a:solidFill>
                     <a:srgbClr val="FFFFFF"/>
                   </a:solidFill>
                 </a14:hiddenFill>
               </a:ext>
               <a:ext uri="{91240B29-F687-4f45-9708-019B960494DF}">
-                <a14:hiddenLine xmlns:a14="http://schemas.microsoft.com/office/drawing/2010/main" xmlns="" w="9525">
+                <a14:hiddenLine xmlns="" xmlns:a14="http://schemas.microsoft.com/office/drawing/2010/main" w="9525">
                   <a:solidFill>
                     <a:srgbClr val="000000"/>
                   </a:solidFill>
@@ -25922,14 +25198,14 @@
           </a:ln>
           <a:extLst>
             <a:ext uri="{909E8E84-426E-40dd-AFC4-6F175D3DCCD1}">
-              <a14:hiddenFill xmlns:a14="http://schemas.microsoft.com/office/drawing/2010/main" xmlns="">
+              <a14:hiddenFill xmlns="" xmlns:a14="http://schemas.microsoft.com/office/drawing/2010/main">
                 <a:solidFill>
                   <a:srgbClr val="FFFFFF"/>
                 </a:solidFill>
               </a14:hiddenFill>
             </a:ext>
             <a:ext uri="{91240B29-F687-4f45-9708-019B960494DF}">
-              <a14:hiddenLine xmlns:a14="http://schemas.microsoft.com/office/drawing/2010/main" xmlns="" w="9525">
+              <a14:hiddenLine xmlns="" xmlns:a14="http://schemas.microsoft.com/office/drawing/2010/main" w="9525">
                 <a:solidFill>
                   <a:srgbClr val="000000"/>
                 </a:solidFill>
@@ -26104,7 +25380,7 @@
             </a:ln>
             <a:extLst>
               <a:ext uri="{909E8E84-426E-40dd-AFC4-6F175D3DCCD1}">
-                <a14:hiddenFill xmlns:a14="http://schemas.microsoft.com/office/drawing/2010/main" xmlns="">
+                <a14:hiddenFill xmlns="" xmlns:a14="http://schemas.microsoft.com/office/drawing/2010/main">
                   <a:solidFill>
                     <a:srgbClr val="FFFFFF"/>
                   </a:solidFill>
@@ -26350,7 +25626,7 @@
             </a:ln>
             <a:extLst>
               <a:ext uri="{909E8E84-426E-40dd-AFC4-6F175D3DCCD1}">
-                <a14:hiddenFill xmlns:a14="http://schemas.microsoft.com/office/drawing/2010/main" xmlns="">
+                <a14:hiddenFill xmlns="" xmlns:a14="http://schemas.microsoft.com/office/drawing/2010/main">
                   <a:solidFill>
                     <a:srgbClr val="FFFFFF"/>
                   </a:solidFill>
@@ -26408,14 +25684,14 @@
             </a:ln>
             <a:extLst>
               <a:ext uri="{909E8E84-426E-40dd-AFC4-6F175D3DCCD1}">
-                <a14:hiddenFill xmlns:a14="http://schemas.microsoft.com/office/drawing/2010/main" xmlns="">
+                <a14:hiddenFill xmlns="" xmlns:a14="http://schemas.microsoft.com/office/drawing/2010/main">
                   <a:solidFill>
                     <a:srgbClr val="FFFFFF"/>
                   </a:solidFill>
                 </a14:hiddenFill>
               </a:ext>
               <a:ext uri="{91240B29-F687-4f45-9708-019B960494DF}">
-                <a14:hiddenLine xmlns:a14="http://schemas.microsoft.com/office/drawing/2010/main" xmlns="" w="9525">
+                <a14:hiddenLine xmlns="" xmlns:a14="http://schemas.microsoft.com/office/drawing/2010/main" w="9525">
                   <a:solidFill>
                     <a:srgbClr val="000000"/>
                   </a:solidFill>
@@ -27102,14 +26378,14 @@
             </a:ln>
             <a:extLst>
               <a:ext uri="{909E8E84-426E-40dd-AFC4-6F175D3DCCD1}">
-                <a14:hiddenFill xmlns:a14="http://schemas.microsoft.com/office/drawing/2010/main" xmlns="">
+                <a14:hiddenFill xmlns="" xmlns:a14="http://schemas.microsoft.com/office/drawing/2010/main">
                   <a:solidFill>
                     <a:srgbClr val="FFFFFF"/>
                   </a:solidFill>
                 </a14:hiddenFill>
               </a:ext>
               <a:ext uri="{91240B29-F687-4f45-9708-019B960494DF}">
-                <a14:hiddenLine xmlns:a14="http://schemas.microsoft.com/office/drawing/2010/main" xmlns="" w="9525">
+                <a14:hiddenLine xmlns="" xmlns:a14="http://schemas.microsoft.com/office/drawing/2010/main" w="9525">
                   <a:solidFill>
                     <a:srgbClr val="000000"/>
                   </a:solidFill>
@@ -27310,14 +26586,14 @@
             </a:ln>
             <a:extLst>
               <a:ext uri="{909E8E84-426E-40dd-AFC4-6F175D3DCCD1}">
-                <a14:hiddenFill xmlns:a14="http://schemas.microsoft.com/office/drawing/2010/main" xmlns="">
+                <a14:hiddenFill xmlns="" xmlns:a14="http://schemas.microsoft.com/office/drawing/2010/main">
                   <a:solidFill>
                     <a:srgbClr val="FFFFFF"/>
                   </a:solidFill>
                 </a14:hiddenFill>
               </a:ext>
               <a:ext uri="{91240B29-F687-4f45-9708-019B960494DF}">
-                <a14:hiddenLine xmlns:a14="http://schemas.microsoft.com/office/drawing/2010/main" xmlns="" w="9525">
+                <a14:hiddenLine xmlns="" xmlns:a14="http://schemas.microsoft.com/office/drawing/2010/main" w="9525">
                   <a:solidFill>
                     <a:srgbClr val="000000"/>
                   </a:solidFill>
@@ -27474,14 +26750,14 @@
           </a:ln>
           <a:extLst>
             <a:ext uri="{909E8E84-426E-40dd-AFC4-6F175D3DCCD1}">
-              <a14:hiddenFill xmlns:a14="http://schemas.microsoft.com/office/drawing/2010/main" xmlns="">
+              <a14:hiddenFill xmlns="" xmlns:a14="http://schemas.microsoft.com/office/drawing/2010/main">
                 <a:solidFill>
                   <a:srgbClr val="FFFFFF"/>
                 </a:solidFill>
               </a14:hiddenFill>
             </a:ext>
             <a:ext uri="{91240B29-F687-4f45-9708-019B960494DF}">
-              <a14:hiddenLine xmlns:a14="http://schemas.microsoft.com/office/drawing/2010/main" xmlns="" w="9525">
+              <a14:hiddenLine xmlns="" xmlns:a14="http://schemas.microsoft.com/office/drawing/2010/main" w="9525">
                 <a:solidFill>
                   <a:srgbClr val="000000"/>
                 </a:solidFill>
@@ -27653,14 +26929,14 @@
             </a:ln>
             <a:extLst>
               <a:ext uri="{909E8E84-426E-40dd-AFC4-6F175D3DCCD1}">
-                <a14:hiddenFill xmlns:a14="http://schemas.microsoft.com/office/drawing/2010/main" xmlns="">
+                <a14:hiddenFill xmlns="" xmlns:a14="http://schemas.microsoft.com/office/drawing/2010/main">
                   <a:solidFill>
                     <a:srgbClr val="FFFFFF"/>
                   </a:solidFill>
                 </a14:hiddenFill>
               </a:ext>
               <a:ext uri="{91240B29-F687-4f45-9708-019B960494DF}">
-                <a14:hiddenLine xmlns:a14="http://schemas.microsoft.com/office/drawing/2010/main" xmlns="" w="9525">
+                <a14:hiddenLine xmlns="" xmlns:a14="http://schemas.microsoft.com/office/drawing/2010/main" w="9525">
                   <a:solidFill>
                     <a:srgbClr val="000000"/>
                   </a:solidFill>
@@ -28020,7 +27296,7 @@
           </a:ln>
           <a:extLst>
             <a:ext uri="{909E8E84-426E-40dd-AFC4-6F175D3DCCD1}">
-              <a14:hiddenFill xmlns:a14="http://schemas.microsoft.com/office/drawing/2010/main" xmlns="">
+              <a14:hiddenFill xmlns="" xmlns:a14="http://schemas.microsoft.com/office/drawing/2010/main">
                 <a:solidFill>
                   <a:srgbClr val="FFFFFF"/>
                 </a:solidFill>
@@ -28500,7 +27776,7 @@
           <a:effectLst/>
           <a:extLst>
             <a:ext uri="{AF507438-7753-43e0-B8FC-AC1667EBCBE1}">
-              <a14:hiddenEffects xmlns:a14="http://schemas.microsoft.com/office/drawing/2010/main" xmlns="">
+              <a14:hiddenEffects xmlns="" xmlns:a14="http://schemas.microsoft.com/office/drawing/2010/main">
                 <a:effectLst>
                   <a:outerShdw dist="35921" dir="2700000" algn="ctr" rotWithShape="0">
                     <a:schemeClr val="bg2"/>
@@ -28630,14 +27906,14 @@
           </a:ln>
           <a:extLst>
             <a:ext uri="{909E8E84-426E-40dd-AFC4-6F175D3DCCD1}">
-              <a14:hiddenFill xmlns:a14="http://schemas.microsoft.com/office/drawing/2010/main" xmlns="">
+              <a14:hiddenFill xmlns="" xmlns:a14="http://schemas.microsoft.com/office/drawing/2010/main">
                 <a:solidFill>
                   <a:srgbClr val="FFFFFF"/>
                 </a:solidFill>
               </a14:hiddenFill>
             </a:ext>
             <a:ext uri="{91240B29-F687-4f45-9708-019B960494DF}">
-              <a14:hiddenLine xmlns:a14="http://schemas.microsoft.com/office/drawing/2010/main" xmlns="" w="9525">
+              <a14:hiddenLine xmlns="" xmlns:a14="http://schemas.microsoft.com/office/drawing/2010/main" w="9525">
                 <a:solidFill>
                   <a:srgbClr val="000000"/>
                 </a:solidFill>
@@ -28793,14 +28069,14 @@
           </a:ln>
           <a:extLst>
             <a:ext uri="{909E8E84-426E-40dd-AFC4-6F175D3DCCD1}">
-              <a14:hiddenFill xmlns:a14="http://schemas.microsoft.com/office/drawing/2010/main" xmlns="">
+              <a14:hiddenFill xmlns="" xmlns:a14="http://schemas.microsoft.com/office/drawing/2010/main">
                 <a:solidFill>
                   <a:srgbClr val="FFFFFF"/>
                 </a:solidFill>
               </a14:hiddenFill>
             </a:ext>
             <a:ext uri="{91240B29-F687-4f45-9708-019B960494DF}">
-              <a14:hiddenLine xmlns:a14="http://schemas.microsoft.com/office/drawing/2010/main" xmlns="" w="9525">
+              <a14:hiddenLine xmlns="" xmlns:a14="http://schemas.microsoft.com/office/drawing/2010/main" w="9525">
                 <a:solidFill>
                   <a:srgbClr val="000000"/>
                 </a:solidFill>
@@ -30913,28 +30189,27 @@
           <a:lstStyle/>
           <a:p>
             <a:r>
-              <a:rPr lang="en-US" dirty="0" smtClean="0"/>
+              <a:rPr lang="en-US" dirty="0"/>
               <a:t>Using Paging to </a:t>
             </a:r>
             <a:r>
-              <a:rPr lang="en-US" dirty="0" err="1" smtClean="0">
+              <a:rPr lang="en-US" dirty="0" err="1">
                 <a:latin typeface="Courier New"/>
                 <a:cs typeface="Courier New"/>
               </a:rPr>
               <a:t>mmap</a:t>
             </a:r>
             <a:r>
-              <a:rPr lang="en-US" dirty="0" smtClean="0">
+              <a:rPr lang="en-US" dirty="0">
                 <a:latin typeface="Courier New"/>
                 <a:cs typeface="Courier New"/>
               </a:rPr>
               <a:t>() </a:t>
             </a:r>
             <a:r>
-              <a:rPr lang="en-US" dirty="0" smtClean="0"/>
+              <a:rPr lang="en-US" dirty="0"/>
               <a:t>Files</a:t>
             </a:r>
-            <a:endParaRPr lang="en-US" dirty="0"/>
           </a:p>
         </p:txBody>
       </p:sp>
@@ -30960,14 +30235,14 @@
           </a:ln>
           <a:extLst>
             <a:ext uri="{909E8E84-426E-40dd-AFC4-6F175D3DCCD1}">
-              <a14:hiddenFill xmlns:a14="http://schemas.microsoft.com/office/drawing/2010/main" xmlns="">
+              <a14:hiddenFill xmlns="" xmlns:a14="http://schemas.microsoft.com/office/drawing/2010/main">
                 <a:solidFill>
                   <a:srgbClr val="FFFFFF"/>
                 </a:solidFill>
               </a14:hiddenFill>
             </a:ext>
             <a:ext uri="{91240B29-F687-4f45-9708-019B960494DF}">
-              <a14:hiddenLine xmlns:a14="http://schemas.microsoft.com/office/drawing/2010/main" xmlns="" w="9525">
+              <a14:hiddenLine xmlns="" xmlns:a14="http://schemas.microsoft.com/office/drawing/2010/main" w="9525">
                 <a:solidFill>
                   <a:srgbClr val="000000"/>
                 </a:solidFill>
@@ -31339,7 +30614,7 @@
           <a:p>
             <a:pPr algn="ctr"/>
             <a:r>
-              <a:rPr lang="en-US" sz="2000" b="0" dirty="0" smtClean="0">
+              <a:rPr lang="en-US" sz="2000" b="0" dirty="0">
                 <a:latin typeface="Gill Sans Light"/>
                 <a:cs typeface="Gill Sans Light"/>
               </a:rPr>
@@ -31355,7 +30630,7 @@
           </a:p>
           <a:p>
             <a:pPr algn="ctr"/>
-            <a:endParaRPr lang="en-US" sz="2000" b="0" dirty="0" smtClean="0">
+            <a:endParaRPr lang="en-US" sz="2000" b="0" dirty="0">
               <a:latin typeface="Gill Sans Light"/>
               <a:cs typeface="Gill Sans Light"/>
             </a:endParaRPr>
@@ -31369,7 +30644,7 @@
           </a:p>
           <a:p>
             <a:pPr algn="ctr"/>
-            <a:endParaRPr lang="en-US" sz="2000" b="0" dirty="0" smtClean="0">
+            <a:endParaRPr lang="en-US" sz="2000" b="0" dirty="0">
               <a:latin typeface="Gill Sans Light"/>
               <a:cs typeface="Gill Sans Light"/>
             </a:endParaRPr>
@@ -31411,7 +30686,7 @@
           </a:ln>
           <a:extLst>
             <a:ext uri="{909E8E84-426E-40dd-AFC4-6F175D3DCCD1}">
-              <a14:hiddenFill xmlns:a14="http://schemas.microsoft.com/office/drawing/2010/main" xmlns="">
+              <a14:hiddenFill xmlns="" xmlns:a14="http://schemas.microsoft.com/office/drawing/2010/main">
                 <a:noFill/>
               </a14:hiddenFill>
             </a:ext>
@@ -31445,7 +30720,7 @@
           </a:ln>
           <a:extLst>
             <a:ext uri="{909E8E84-426E-40dd-AFC4-6F175D3DCCD1}">
-              <a14:hiddenFill xmlns:a14="http://schemas.microsoft.com/office/drawing/2010/main" xmlns="">
+              <a14:hiddenFill xmlns="" xmlns:a14="http://schemas.microsoft.com/office/drawing/2010/main">
                 <a:noFill/>
               </a14:hiddenFill>
             </a:ext>
@@ -31479,7 +30754,7 @@
           </a:ln>
           <a:extLst>
             <a:ext uri="{909E8E84-426E-40dd-AFC4-6F175D3DCCD1}">
-              <a14:hiddenFill xmlns:a14="http://schemas.microsoft.com/office/drawing/2010/main" xmlns="">
+              <a14:hiddenFill xmlns="" xmlns:a14="http://schemas.microsoft.com/office/drawing/2010/main">
                 <a:solidFill>
                   <a:srgbClr val="FFFFFF"/>
                 </a:solidFill>
@@ -31639,7 +30914,7 @@
           </a:ln>
           <a:extLst>
             <a:ext uri="{909E8E84-426E-40dd-AFC4-6F175D3DCCD1}">
-              <a14:hiddenFill xmlns:a14="http://schemas.microsoft.com/office/drawing/2010/main" xmlns="">
+              <a14:hiddenFill xmlns="" xmlns:a14="http://schemas.microsoft.com/office/drawing/2010/main">
                 <a:noFill/>
               </a14:hiddenFill>
             </a:ext>
@@ -31668,14 +30943,14 @@
           </a:ln>
           <a:extLst>
             <a:ext uri="{909E8E84-426E-40dd-AFC4-6F175D3DCCD1}">
-              <a14:hiddenFill xmlns:a14="http://schemas.microsoft.com/office/drawing/2010/main" xmlns="">
+              <a14:hiddenFill xmlns="" xmlns:a14="http://schemas.microsoft.com/office/drawing/2010/main">
                 <a:solidFill>
                   <a:srgbClr val="FFFFFF"/>
                 </a:solidFill>
               </a14:hiddenFill>
             </a:ext>
             <a:ext uri="{91240B29-F687-4f45-9708-019B960494DF}">
-              <a14:hiddenLine xmlns:a14="http://schemas.microsoft.com/office/drawing/2010/main" xmlns="" w="9525">
+              <a14:hiddenLine xmlns="" xmlns:a14="http://schemas.microsoft.com/office/drawing/2010/main" w="9525">
                 <a:solidFill>
                   <a:srgbClr val="000000"/>
                 </a:solidFill>
@@ -31832,14 +31107,14 @@
           </a:ln>
           <a:extLst>
             <a:ext uri="{909E8E84-426E-40dd-AFC4-6F175D3DCCD1}">
-              <a14:hiddenFill xmlns:a14="http://schemas.microsoft.com/office/drawing/2010/main" xmlns="">
+              <a14:hiddenFill xmlns="" xmlns:a14="http://schemas.microsoft.com/office/drawing/2010/main">
                 <a:solidFill>
                   <a:srgbClr val="FFFFFF"/>
                 </a:solidFill>
               </a14:hiddenFill>
             </a:ext>
             <a:ext uri="{91240B29-F687-4f45-9708-019B960494DF}">
-              <a14:hiddenLine xmlns:a14="http://schemas.microsoft.com/office/drawing/2010/main" xmlns="" w="9525">
+              <a14:hiddenLine xmlns="" xmlns:a14="http://schemas.microsoft.com/office/drawing/2010/main" w="9525">
                 <a:solidFill>
                   <a:srgbClr val="000000"/>
                 </a:solidFill>
@@ -31996,14 +31271,14 @@
           </a:ln>
           <a:extLst>
             <a:ext uri="{909E8E84-426E-40dd-AFC4-6F175D3DCCD1}">
-              <a14:hiddenFill xmlns:a14="http://schemas.microsoft.com/office/drawing/2010/main" xmlns="">
+              <a14:hiddenFill xmlns="" xmlns:a14="http://schemas.microsoft.com/office/drawing/2010/main">
                 <a:solidFill>
                   <a:srgbClr val="FFFFFF"/>
                 </a:solidFill>
               </a14:hiddenFill>
             </a:ext>
             <a:ext uri="{91240B29-F687-4f45-9708-019B960494DF}">
-              <a14:hiddenLine xmlns:a14="http://schemas.microsoft.com/office/drawing/2010/main" xmlns="" w="9525">
+              <a14:hiddenLine xmlns="" xmlns:a14="http://schemas.microsoft.com/office/drawing/2010/main" w="9525">
                 <a:solidFill>
                   <a:srgbClr val="000000"/>
                 </a:solidFill>
@@ -32160,14 +31435,14 @@
           </a:ln>
           <a:extLst>
             <a:ext uri="{909E8E84-426E-40dd-AFC4-6F175D3DCCD1}">
-              <a14:hiddenFill xmlns:a14="http://schemas.microsoft.com/office/drawing/2010/main" xmlns="">
+              <a14:hiddenFill xmlns="" xmlns:a14="http://schemas.microsoft.com/office/drawing/2010/main">
                 <a:solidFill>
                   <a:srgbClr val="FFFFFF"/>
                 </a:solidFill>
               </a14:hiddenFill>
             </a:ext>
             <a:ext uri="{91240B29-F687-4f45-9708-019B960494DF}">
-              <a14:hiddenLine xmlns:a14="http://schemas.microsoft.com/office/drawing/2010/main" xmlns="" w="9525">
+              <a14:hiddenLine xmlns="" xmlns:a14="http://schemas.microsoft.com/office/drawing/2010/main" w="9525">
                 <a:solidFill>
                   <a:srgbClr val="000000"/>
                 </a:solidFill>
@@ -32382,14 +31657,14 @@
             </a:ln>
             <a:extLst>
               <a:ext uri="{909E8E84-426E-40dd-AFC4-6F175D3DCCD1}">
-                <a14:hiddenFill xmlns:a14="http://schemas.microsoft.com/office/drawing/2010/main" xmlns="">
+                <a14:hiddenFill xmlns="" xmlns:a14="http://schemas.microsoft.com/office/drawing/2010/main">
                   <a:solidFill>
                     <a:srgbClr val="FFFFFF"/>
                   </a:solidFill>
                 </a14:hiddenFill>
               </a:ext>
               <a:ext uri="{91240B29-F687-4f45-9708-019B960494DF}">
-                <a14:hiddenLine xmlns:a14="http://schemas.microsoft.com/office/drawing/2010/main" xmlns="" w="9525">
+                <a14:hiddenLine xmlns="" xmlns:a14="http://schemas.microsoft.com/office/drawing/2010/main" w="9525">
                   <a:solidFill>
                     <a:srgbClr val="000000"/>
                   </a:solidFill>
@@ -32554,7 +31829,7 @@
             </a:ln>
             <a:extLst>
               <a:ext uri="{909E8E84-426E-40dd-AFC4-6F175D3DCCD1}">
-                <a14:hiddenFill xmlns:a14="http://schemas.microsoft.com/office/drawing/2010/main" xmlns="">
+                <a14:hiddenFill xmlns="" xmlns:a14="http://schemas.microsoft.com/office/drawing/2010/main">
                   <a:noFill/>
                 </a14:hiddenFill>
               </a:ext>
@@ -32605,7 +31880,7 @@
             </a:ln>
             <a:extLst>
               <a:ext uri="{909E8E84-426E-40dd-AFC4-6F175D3DCCD1}">
-                <a14:hiddenFill xmlns:a14="http://schemas.microsoft.com/office/drawing/2010/main" xmlns="">
+                <a14:hiddenFill xmlns="" xmlns:a14="http://schemas.microsoft.com/office/drawing/2010/main">
                   <a:noFill/>
                 </a14:hiddenFill>
               </a:ext>
@@ -32639,7 +31914,7 @@
             </a:ln>
             <a:extLst>
               <a:ext uri="{909E8E84-426E-40dd-AFC4-6F175D3DCCD1}">
-                <a14:hiddenFill xmlns:a14="http://schemas.microsoft.com/office/drawing/2010/main" xmlns="">
+                <a14:hiddenFill xmlns="" xmlns:a14="http://schemas.microsoft.com/office/drawing/2010/main">
                   <a:noFill/>
                 </a14:hiddenFill>
               </a:ext>
@@ -32803,14 +32078,14 @@
           </a:ln>
           <a:extLst>
             <a:ext uri="{909E8E84-426E-40dd-AFC4-6F175D3DCCD1}">
-              <a14:hiddenFill xmlns:a14="http://schemas.microsoft.com/office/drawing/2010/main" xmlns="">
+              <a14:hiddenFill xmlns="" xmlns:a14="http://schemas.microsoft.com/office/drawing/2010/main">
                 <a:solidFill>
                   <a:srgbClr val="FFFFFF"/>
                 </a:solidFill>
               </a14:hiddenFill>
             </a:ext>
             <a:ext uri="{91240B29-F687-4f45-9708-019B960494DF}">
-              <a14:hiddenLine xmlns:a14="http://schemas.microsoft.com/office/drawing/2010/main" xmlns="" w="9525">
+              <a14:hiddenLine xmlns="" xmlns:a14="http://schemas.microsoft.com/office/drawing/2010/main" w="9525">
                 <a:solidFill>
                   <a:srgbClr val="000000"/>
                 </a:solidFill>
@@ -33139,18 +32414,13 @@
           <a:lstStyle/>
           <a:p>
             <a:r>
-              <a:rPr lang="en-US" sz="2400" b="0" dirty="0" smtClean="0">
+              <a:rPr lang="en-US" sz="2400" b="0" dirty="0">
                 <a:latin typeface="Gill Sans" charset="0"/>
                 <a:ea typeface="Gill Sans" charset="0"/>
                 <a:cs typeface="Gill Sans" charset="0"/>
               </a:rPr>
               <a:t>File</a:t>
             </a:r>
-            <a:endParaRPr lang="en-US" sz="2400" b="0" dirty="0">
-              <a:latin typeface="Gill Sans" charset="0"/>
-              <a:ea typeface="Gill Sans" charset="0"/>
-              <a:cs typeface="Gill Sans" charset="0"/>
-            </a:endParaRPr>
           </a:p>
         </p:txBody>
       </p:sp>
@@ -33177,7 +32447,7 @@
           <a:lstStyle/>
           <a:p>
             <a:r>
-              <a:rPr lang="en-US" sz="2400" b="0" dirty="0" err="1" smtClean="0">
+              <a:rPr lang="en-US" sz="2400" b="0" dirty="0" err="1">
                 <a:latin typeface="Consolas" charset="0"/>
                 <a:ea typeface="Consolas" charset="0"/>
                 <a:cs typeface="Consolas" charset="0"/>
@@ -33185,7 +32455,7 @@
               <a:t>mmap</a:t>
             </a:r>
             <a:r>
-              <a:rPr lang="en-US" sz="2400" b="0" dirty="0" smtClean="0">
+              <a:rPr lang="en-US" sz="2400" b="0" dirty="0">
                 <a:latin typeface="Consolas" charset="0"/>
                 <a:ea typeface="Consolas" charset="0"/>
                 <a:cs typeface="Consolas" charset="0"/>
@@ -33193,18 +32463,13 @@
               <a:t>() </a:t>
             </a:r>
             <a:r>
-              <a:rPr lang="en-US" sz="2400" b="0" dirty="0" smtClean="0">
+              <a:rPr lang="en-US" sz="2400" b="0" dirty="0">
                 <a:latin typeface="Gill Sans" charset="0"/>
                 <a:ea typeface="Gill Sans" charset="0"/>
                 <a:cs typeface="Gill Sans" charset="0"/>
               </a:rPr>
               <a:t>file to region of  VAS</a:t>
             </a:r>
-            <a:endParaRPr lang="en-US" sz="2400" b="0" dirty="0">
-              <a:latin typeface="Gill Sans" charset="0"/>
-              <a:ea typeface="Gill Sans" charset="0"/>
-              <a:cs typeface="Gill Sans" charset="0"/>
-            </a:endParaRPr>
           </a:p>
         </p:txBody>
       </p:sp>
@@ -33236,7 +32501,7 @@
           </a:ln>
           <a:extLst>
             <a:ext uri="{909E8E84-426E-40dd-AFC4-6F175D3DCCD1}">
-              <a14:hiddenFill xmlns:a14="http://schemas.microsoft.com/office/drawing/2010/main" xmlns="">
+              <a14:hiddenFill xmlns="" xmlns:a14="http://schemas.microsoft.com/office/drawing/2010/main">
                 <a:noFill/>
               </a14:hiddenFill>
             </a:ext>
@@ -33265,14 +32530,14 @@
           </a:ln>
           <a:extLst>
             <a:ext uri="{909E8E84-426E-40dd-AFC4-6F175D3DCCD1}">
-              <a14:hiddenFill xmlns:a14="http://schemas.microsoft.com/office/drawing/2010/main" xmlns="">
+              <a14:hiddenFill xmlns="" xmlns:a14="http://schemas.microsoft.com/office/drawing/2010/main">
                 <a:solidFill>
                   <a:srgbClr val="FFFFFF"/>
                 </a:solidFill>
               </a14:hiddenFill>
             </a:ext>
             <a:ext uri="{91240B29-F687-4f45-9708-019B960494DF}">
-              <a14:hiddenLine xmlns:a14="http://schemas.microsoft.com/office/drawing/2010/main" xmlns="" w="9525">
+              <a14:hiddenLine xmlns="" xmlns:a14="http://schemas.microsoft.com/office/drawing/2010/main" w="9525">
                 <a:solidFill>
                   <a:srgbClr val="000000"/>
                 </a:solidFill>
@@ -33398,16 +32663,6 @@
           <a:p>
             <a:pPr eaLnBrk="1" hangingPunct="1"/>
             <a:r>
-              <a:rPr lang="en-US" b="0" dirty="0" smtClean="0">
-                <a:solidFill>
-                  <a:srgbClr val="0000FF"/>
-                </a:solidFill>
-                <a:latin typeface="Gill Sans Light"/>
-                <a:cs typeface="Gill Sans Light"/>
-              </a:rPr>
-              <a:t>Create </a:t>
-            </a:r>
-            <a:r>
               <a:rPr lang="en-US" b="0" dirty="0">
                 <a:solidFill>
                   <a:srgbClr val="0000FF"/>
@@ -33415,17 +32670,7 @@
                 <a:latin typeface="Gill Sans Light"/>
                 <a:cs typeface="Gill Sans Light"/>
               </a:rPr>
-              <a:t>PT </a:t>
-            </a:r>
-            <a:r>
-              <a:rPr lang="en-US" b="0" dirty="0" smtClean="0">
-                <a:solidFill>
-                  <a:srgbClr val="0000FF"/>
-                </a:solidFill>
-                <a:latin typeface="Gill Sans Light"/>
-                <a:cs typeface="Gill Sans Light"/>
-              </a:rPr>
-              <a:t>entries</a:t>
+              <a:t>Create PT entries</a:t>
             </a:r>
           </a:p>
           <a:p>
@@ -33438,17 +32683,7 @@
                 <a:latin typeface="Gill Sans Light"/>
                 <a:cs typeface="Gill Sans Light"/>
               </a:rPr>
-              <a:t>f</a:t>
-            </a:r>
-            <a:r>
-              <a:rPr lang="en-US" b="0" dirty="0" smtClean="0">
-                <a:solidFill>
-                  <a:srgbClr val="0000FF"/>
-                </a:solidFill>
-                <a:latin typeface="Gill Sans Light"/>
-                <a:cs typeface="Gill Sans Light"/>
-              </a:rPr>
-              <a:t>or mapped region</a:t>
+              <a:t>for mapped region</a:t>
             </a:r>
           </a:p>
           <a:p>
@@ -33461,25 +32696,8 @@
                 <a:latin typeface="Gill Sans Light"/>
                 <a:cs typeface="Gill Sans Light"/>
               </a:rPr>
-              <a:t>a</a:t>
-            </a:r>
-            <a:r>
-              <a:rPr lang="en-US" b="0" dirty="0" smtClean="0">
-                <a:solidFill>
-                  <a:srgbClr val="0000FF"/>
-                </a:solidFill>
-                <a:latin typeface="Gill Sans Light"/>
-                <a:cs typeface="Gill Sans Light"/>
-              </a:rPr>
-              <a:t>s “backed” by file</a:t>
-            </a:r>
-            <a:endParaRPr lang="en-US" b="0" dirty="0">
-              <a:solidFill>
-                <a:srgbClr val="0000FF"/>
-              </a:solidFill>
-              <a:latin typeface="Gill Sans Light"/>
-              <a:cs typeface="Gill Sans Light"/>
-            </a:endParaRPr>
+              <a:t>as “backed” by file</a:t>
+            </a:r>
           </a:p>
         </p:txBody>
       </p:sp>
@@ -33613,7 +32831,7 @@
           </a:ln>
           <a:extLst>
             <a:ext uri="{909E8E84-426E-40dd-AFC4-6F175D3DCCD1}">
-              <a14:hiddenFill xmlns:a14="http://schemas.microsoft.com/office/drawing/2010/main" xmlns="">
+              <a14:hiddenFill xmlns="" xmlns:a14="http://schemas.microsoft.com/office/drawing/2010/main">
                 <a:noFill/>
               </a14:hiddenFill>
             </a:ext>
@@ -33648,7 +32866,7 @@
           </a:ln>
           <a:extLst>
             <a:ext uri="{909E8E84-426E-40dd-AFC4-6F175D3DCCD1}">
-              <a14:hiddenFill xmlns:a14="http://schemas.microsoft.com/office/drawing/2010/main" xmlns="">
+              <a14:hiddenFill xmlns="" xmlns:a14="http://schemas.microsoft.com/office/drawing/2010/main">
                 <a:noFill/>
               </a14:hiddenFill>
             </a:ext>
@@ -33683,7 +32901,7 @@
           </a:ln>
           <a:extLst>
             <a:ext uri="{909E8E84-426E-40dd-AFC4-6F175D3DCCD1}">
-              <a14:hiddenFill xmlns:a14="http://schemas.microsoft.com/office/drawing/2010/main" xmlns="">
+              <a14:hiddenFill xmlns="" xmlns:a14="http://schemas.microsoft.com/office/drawing/2010/main">
                 <a:noFill/>
               </a14:hiddenFill>
             </a:ext>
@@ -33718,7 +32936,7 @@
           </a:ln>
           <a:extLst>
             <a:ext uri="{909E8E84-426E-40dd-AFC4-6F175D3DCCD1}">
-              <a14:hiddenFill xmlns:a14="http://schemas.microsoft.com/office/drawing/2010/main" xmlns="">
+              <a14:hiddenFill xmlns="" xmlns:a14="http://schemas.microsoft.com/office/drawing/2010/main">
                 <a:noFill/>
               </a14:hiddenFill>
             </a:ext>
@@ -33747,14 +32965,14 @@
           </a:ln>
           <a:extLst>
             <a:ext uri="{909E8E84-426E-40dd-AFC4-6F175D3DCCD1}">
-              <a14:hiddenFill xmlns:a14="http://schemas.microsoft.com/office/drawing/2010/main" xmlns="">
+              <a14:hiddenFill xmlns="" xmlns:a14="http://schemas.microsoft.com/office/drawing/2010/main">
                 <a:solidFill>
                   <a:srgbClr val="FFFFFF"/>
                 </a:solidFill>
               </a14:hiddenFill>
             </a:ext>
             <a:ext uri="{91240B29-F687-4f45-9708-019B960494DF}">
-              <a14:hiddenLine xmlns:a14="http://schemas.microsoft.com/office/drawing/2010/main" xmlns="" w="9525">
+              <a14:hiddenLine xmlns="" xmlns:a14="http://schemas.microsoft.com/office/drawing/2010/main" w="9525">
                 <a:solidFill>
                   <a:srgbClr val="000000"/>
                 </a:solidFill>
@@ -33929,7 +33147,7 @@
             </a:ln>
             <a:extLst>
               <a:ext uri="{909E8E84-426E-40dd-AFC4-6F175D3DCCD1}">
-                <a14:hiddenFill xmlns:a14="http://schemas.microsoft.com/office/drawing/2010/main" xmlns="">
+                <a14:hiddenFill xmlns="" xmlns:a14="http://schemas.microsoft.com/office/drawing/2010/main">
                   <a:solidFill>
                     <a:srgbClr val="FFFFFF"/>
                   </a:solidFill>
@@ -34175,7 +33393,7 @@
             </a:ln>
             <a:extLst>
               <a:ext uri="{909E8E84-426E-40dd-AFC4-6F175D3DCCD1}">
-                <a14:hiddenFill xmlns:a14="http://schemas.microsoft.com/office/drawing/2010/main" xmlns="">
+                <a14:hiddenFill xmlns="" xmlns:a14="http://schemas.microsoft.com/office/drawing/2010/main">
                   <a:solidFill>
                     <a:srgbClr val="FFFFFF"/>
                   </a:solidFill>
@@ -34233,14 +33451,14 @@
             </a:ln>
             <a:extLst>
               <a:ext uri="{909E8E84-426E-40dd-AFC4-6F175D3DCCD1}">
-                <a14:hiddenFill xmlns:a14="http://schemas.microsoft.com/office/drawing/2010/main" xmlns="">
+                <a14:hiddenFill xmlns="" xmlns:a14="http://schemas.microsoft.com/office/drawing/2010/main">
                   <a:solidFill>
                     <a:srgbClr val="FFFFFF"/>
                   </a:solidFill>
                 </a14:hiddenFill>
               </a:ext>
               <a:ext uri="{91240B29-F687-4f45-9708-019B960494DF}">
-                <a14:hiddenLine xmlns:a14="http://schemas.microsoft.com/office/drawing/2010/main" xmlns="" w="9525">
+                <a14:hiddenLine xmlns="" xmlns:a14="http://schemas.microsoft.com/office/drawing/2010/main" w="9525">
                   <a:solidFill>
                     <a:srgbClr val="000000"/>
                   </a:solidFill>
@@ -34587,14 +33805,14 @@
             </a:ln>
             <a:extLst>
               <a:ext uri="{909E8E84-426E-40dd-AFC4-6F175D3DCCD1}">
-                <a14:hiddenFill xmlns:a14="http://schemas.microsoft.com/office/drawing/2010/main" xmlns="">
+                <a14:hiddenFill xmlns="" xmlns:a14="http://schemas.microsoft.com/office/drawing/2010/main">
                   <a:solidFill>
                     <a:srgbClr val="FFFFFF"/>
                   </a:solidFill>
                 </a14:hiddenFill>
               </a:ext>
               <a:ext uri="{91240B29-F687-4f45-9708-019B960494DF}">
-                <a14:hiddenLine xmlns:a14="http://schemas.microsoft.com/office/drawing/2010/main" xmlns="" w="9525">
+                <a14:hiddenLine xmlns="" xmlns:a14="http://schemas.microsoft.com/office/drawing/2010/main" w="9525">
                   <a:solidFill>
                     <a:srgbClr val="000000"/>
                   </a:solidFill>
@@ -34954,7 +34172,7 @@
           </a:ln>
           <a:extLst>
             <a:ext uri="{909E8E84-426E-40dd-AFC4-6F175D3DCCD1}">
-              <a14:hiddenFill xmlns:a14="http://schemas.microsoft.com/office/drawing/2010/main" xmlns="">
+              <a14:hiddenFill xmlns="" xmlns:a14="http://schemas.microsoft.com/office/drawing/2010/main">
                 <a:solidFill>
                   <a:srgbClr val="FFFFFF"/>
                 </a:solidFill>
@@ -35198,7 +34416,7 @@
               <a:tabLst/>
             </a:pPr>
             <a:r>
-              <a:rPr kumimoji="0" lang="en-US" sz="2800" b="0" u="none" strike="noStrike" cap="none" normalizeH="0" baseline="0" dirty="0" smtClean="0">
+              <a:rPr kumimoji="0" lang="en-US" sz="2800" b="0" u="none" strike="noStrike" cap="none" normalizeH="0" baseline="0" dirty="0">
                 <a:ln>
                   <a:noFill/>
                 </a:ln>
@@ -35231,14 +34449,14 @@
               <a:tabLst/>
             </a:pPr>
             <a:r>
-              <a:rPr lang="en-US" sz="2800" b="0" dirty="0" smtClean="0">
+              <a:rPr lang="en-US" sz="2800" b="0" dirty="0">
                 <a:latin typeface="Gill Sans" charset="0"/>
                 <a:ea typeface="Gill Sans" charset="0"/>
                 <a:cs typeface="Gill Sans" charset="0"/>
               </a:rPr>
               <a:t>from memory!</a:t>
             </a:r>
-            <a:endParaRPr kumimoji="0" lang="en-US" sz="2800" b="0" u="none" strike="noStrike" cap="none" normalizeH="0" baseline="0" dirty="0" smtClean="0">
+            <a:endParaRPr kumimoji="0" lang="en-US" sz="2800" b="0" u="none" strike="noStrike" cap="none" normalizeH="0" baseline="0" dirty="0">
               <a:ln>
                 <a:noFill/>
               </a:ln>
@@ -36592,24 +35810,23 @@
           <a:lstStyle/>
           <a:p>
             <a:r>
-              <a:rPr lang="en-US" dirty="0" err="1" smtClean="0">
+              <a:rPr lang="en-US" dirty="0" err="1">
                 <a:latin typeface="Courier New"/>
                 <a:cs typeface="Courier New"/>
               </a:rPr>
               <a:t>mmap</a:t>
             </a:r>
             <a:r>
-              <a:rPr lang="en-US" dirty="0" smtClean="0">
+              <a:rPr lang="en-US" dirty="0">
                 <a:latin typeface="Courier New"/>
                 <a:cs typeface="Courier New"/>
               </a:rPr>
               <a:t>()</a:t>
             </a:r>
             <a:r>
-              <a:rPr lang="en-US" dirty="0" smtClean="0"/>
+              <a:rPr lang="en-US" dirty="0"/>
               <a:t> system call</a:t>
             </a:r>
-            <a:endParaRPr lang="en-US" dirty="0"/>
           </a:p>
         </p:txBody>
       </p:sp>
@@ -36636,23 +35853,22 @@
           <a:lstStyle/>
           <a:p>
             <a:r>
-              <a:rPr lang="en-US" sz="2800" dirty="0" smtClean="0"/>
+              <a:rPr lang="en-US" sz="2800" dirty="0"/>
               <a:t>May map a specific region or let the system find one for you</a:t>
             </a:r>
           </a:p>
           <a:p>
             <a:pPr lvl="1"/>
             <a:r>
-              <a:rPr lang="en-US" sz="2400" dirty="0" smtClean="0"/>
+              <a:rPr lang="en-US" sz="2400" dirty="0"/>
               <a:t>Tricky to know where the holes are</a:t>
             </a:r>
           </a:p>
           <a:p>
             <a:r>
-              <a:rPr lang="en-US" sz="2800" dirty="0" smtClean="0"/>
+              <a:rPr lang="en-US" sz="2800" dirty="0"/>
               <a:t>Used both for manipulating files and for sharing between processes</a:t>
             </a:r>
-            <a:endParaRPr lang="en-US" sz="2800" dirty="0"/>
           </a:p>
         </p:txBody>
       </p:sp>
@@ -36900,7 +36116,7 @@
           <a:lstStyle/>
           <a:p>
             <a:r>
-              <a:rPr lang="en-US" dirty="0" smtClean="0"/>
+              <a:rPr lang="en-US" dirty="0"/>
               <a:t>An </a:t>
             </a:r>
             <a:r>
@@ -36917,21 +36133,12 @@
                 <a:ea typeface="Consolas" charset="0"/>
                 <a:cs typeface="Consolas" charset="0"/>
               </a:rPr>
-              <a:t>(</a:t>
-            </a:r>
-            <a:r>
-              <a:rPr lang="en-US" dirty="0" smtClean="0">
-                <a:latin typeface="Consolas" charset="0"/>
-                <a:ea typeface="Consolas" charset="0"/>
-                <a:cs typeface="Consolas" charset="0"/>
-              </a:rPr>
-              <a:t>)</a:t>
-            </a:r>
-            <a:r>
-              <a:rPr lang="en-US" dirty="0" smtClean="0"/>
+              <a:t>()</a:t>
+            </a:r>
+            <a:r>
+              <a:rPr lang="en-US" dirty="0"/>
               <a:t> Example</a:t>
             </a:r>
-            <a:endParaRPr lang="en-US" dirty="0"/>
           </a:p>
         </p:txBody>
       </p:sp>
@@ -36978,23 +36185,15 @@
               <a:t>mman.h</a:t>
             </a:r>
             <a:r>
-              <a:rPr lang="en-US" sz="1400" b="0" dirty="0" smtClean="0">
-                <a:latin typeface="Consolas" charset="0"/>
-                <a:ea typeface="Consolas" charset="0"/>
-                <a:cs typeface="Consolas" charset="0"/>
-              </a:rPr>
-              <a:t>&gt; /* </a:t>
-            </a:r>
-            <a:r>
               <a:rPr lang="en-US" sz="1400" b="0" dirty="0">
                 <a:latin typeface="Consolas" charset="0"/>
                 <a:ea typeface="Consolas" charset="0"/>
                 <a:cs typeface="Consolas" charset="0"/>
               </a:rPr>
-              <a:t>also </a:t>
-            </a:r>
-            <a:r>
-              <a:rPr lang="en-US" sz="1400" b="0" dirty="0" err="1" smtClean="0">
+              <a:t>&gt; /* also </a:t>
+            </a:r>
+            <a:r>
+              <a:rPr lang="en-US" sz="1400" b="0" dirty="0" err="1">
                 <a:latin typeface="Consolas" charset="0"/>
                 <a:ea typeface="Consolas" charset="0"/>
                 <a:cs typeface="Consolas" charset="0"/>
@@ -37002,7 +36201,7 @@
               <a:t>stdio.h</a:t>
             </a:r>
             <a:r>
-              <a:rPr lang="en-US" sz="1400" b="0" dirty="0" smtClean="0">
+              <a:rPr lang="en-US" sz="1400" b="0" dirty="0">
                 <a:latin typeface="Consolas" charset="0"/>
                 <a:ea typeface="Consolas" charset="0"/>
                 <a:cs typeface="Consolas" charset="0"/>
@@ -37010,7 +36209,7 @@
               <a:t>, </a:t>
             </a:r>
             <a:r>
-              <a:rPr lang="en-US" sz="1400" b="0" dirty="0" err="1" smtClean="0">
+              <a:rPr lang="en-US" sz="1400" b="0" dirty="0" err="1">
                 <a:latin typeface="Consolas" charset="0"/>
                 <a:ea typeface="Consolas" charset="0"/>
                 <a:cs typeface="Consolas" charset="0"/>
@@ -37018,7 +36217,7 @@
               <a:t>stdlib.h</a:t>
             </a:r>
             <a:r>
-              <a:rPr lang="en-US" sz="1400" b="0" dirty="0" smtClean="0">
+              <a:rPr lang="en-US" sz="1400" b="0" dirty="0">
                 <a:latin typeface="Consolas" charset="0"/>
                 <a:ea typeface="Consolas" charset="0"/>
                 <a:cs typeface="Consolas" charset="0"/>
@@ -37026,7 +36225,7 @@
               <a:t>, </a:t>
             </a:r>
             <a:r>
-              <a:rPr lang="en-US" sz="1400" b="0" dirty="0" err="1" smtClean="0">
+              <a:rPr lang="en-US" sz="1400" b="0" dirty="0" err="1">
                 <a:latin typeface="Consolas" charset="0"/>
                 <a:ea typeface="Consolas" charset="0"/>
                 <a:cs typeface="Consolas" charset="0"/>
@@ -37034,7 +36233,7 @@
               <a:t>string.h</a:t>
             </a:r>
             <a:r>
-              <a:rPr lang="en-US" sz="1400" b="0" dirty="0" smtClean="0">
+              <a:rPr lang="en-US" sz="1400" b="0" dirty="0">
                 <a:latin typeface="Consolas" charset="0"/>
                 <a:ea typeface="Consolas" charset="0"/>
                 <a:cs typeface="Consolas" charset="0"/>
@@ -37042,7 +36241,7 @@
               <a:t>, </a:t>
             </a:r>
             <a:r>
-              <a:rPr lang="en-US" sz="1400" b="0" dirty="0" err="1" smtClean="0">
+              <a:rPr lang="en-US" sz="1400" b="0" dirty="0" err="1">
                 <a:latin typeface="Consolas" charset="0"/>
                 <a:ea typeface="Consolas" charset="0"/>
                 <a:cs typeface="Consolas" charset="0"/>
@@ -37050,7 +36249,7 @@
               <a:t>fcntl.h</a:t>
             </a:r>
             <a:r>
-              <a:rPr lang="en-US" sz="1400" b="0" dirty="0" smtClean="0">
+              <a:rPr lang="en-US" sz="1400" b="0" dirty="0">
                 <a:latin typeface="Consolas" charset="0"/>
                 <a:ea typeface="Consolas" charset="0"/>
                 <a:cs typeface="Consolas" charset="0"/>
@@ -37058,7 +36257,7 @@
               <a:t>, </a:t>
             </a:r>
             <a:r>
-              <a:rPr lang="en-US" sz="1400" b="0" dirty="0" err="1" smtClean="0">
+              <a:rPr lang="en-US" sz="1400" b="0" dirty="0" err="1">
                 <a:latin typeface="Consolas" charset="0"/>
                 <a:ea typeface="Consolas" charset="0"/>
                 <a:cs typeface="Consolas" charset="0"/>
@@ -37066,18 +36265,13 @@
               <a:t>unistd.h</a:t>
             </a:r>
             <a:r>
-              <a:rPr lang="en-US" sz="1400" b="0" dirty="0" smtClean="0">
+              <a:rPr lang="en-US" sz="1400" b="0" dirty="0">
                 <a:latin typeface="Consolas" charset="0"/>
                 <a:ea typeface="Consolas" charset="0"/>
                 <a:cs typeface="Consolas" charset="0"/>
               </a:rPr>
               <a:t> */</a:t>
             </a:r>
-            <a:endParaRPr lang="en-US" sz="1400" b="0" dirty="0">
-              <a:latin typeface="Consolas" charset="0"/>
-              <a:ea typeface="Consolas" charset="0"/>
-              <a:cs typeface="Consolas" charset="0"/>
-            </a:endParaRPr>
           </a:p>
           <a:p>
             <a:endParaRPr lang="en-US" sz="1400" b="0" dirty="0">
@@ -37203,7 +36397,7 @@
               <a:t> </a:t>
             </a:r>
             <a:r>
-              <a:rPr lang="en-US" sz="1400" b="0" dirty="0" err="1" smtClean="0">
+              <a:rPr lang="en-US" sz="1400" b="0" dirty="0" err="1">
                 <a:latin typeface="Consolas" charset="0"/>
                 <a:ea typeface="Consolas" charset="0"/>
                 <a:cs typeface="Consolas" charset="0"/>
@@ -37211,18 +36405,13 @@
               <a:t>myfd</a:t>
             </a:r>
             <a:r>
-              <a:rPr lang="en-US" sz="1400" b="0" dirty="0" smtClean="0">
+              <a:rPr lang="en-US" sz="1400" b="0" dirty="0">
                 <a:latin typeface="Consolas" charset="0"/>
                 <a:ea typeface="Consolas" charset="0"/>
                 <a:cs typeface="Consolas" charset="0"/>
               </a:rPr>
               <a:t>;</a:t>
             </a:r>
-            <a:endParaRPr lang="en-US" sz="1400" b="0" dirty="0">
-              <a:latin typeface="Consolas" charset="0"/>
-              <a:ea typeface="Consolas" charset="0"/>
-              <a:cs typeface="Consolas" charset="0"/>
-            </a:endParaRPr>
           </a:p>
           <a:p>
             <a:r>
@@ -37234,7 +36423,7 @@
               <a:t>  char *</a:t>
             </a:r>
             <a:r>
-              <a:rPr lang="en-US" sz="1400" b="0" dirty="0" err="1" smtClean="0">
+              <a:rPr lang="en-US" sz="1400" b="0" dirty="0" err="1">
                 <a:latin typeface="Consolas" charset="0"/>
                 <a:ea typeface="Consolas" charset="0"/>
                 <a:cs typeface="Consolas" charset="0"/>
@@ -37242,13 +36431,15 @@
               <a:t>mfile</a:t>
             </a:r>
             <a:r>
-              <a:rPr lang="en-US" sz="1400" b="0" dirty="0" smtClean="0">
+              <a:rPr lang="en-US" sz="1400" b="0" dirty="0">
                 <a:latin typeface="Consolas" charset="0"/>
                 <a:ea typeface="Consolas" charset="0"/>
                 <a:cs typeface="Consolas" charset="0"/>
               </a:rPr>
               <a:t>;</a:t>
             </a:r>
+          </a:p>
+          <a:p>
             <a:endParaRPr lang="en-US" sz="1400" b="0" dirty="0">
               <a:latin typeface="Consolas" charset="0"/>
               <a:ea typeface="Consolas" charset="0"/>
@@ -37256,15 +36447,8 @@
             </a:endParaRPr>
           </a:p>
           <a:p>
-            <a:endParaRPr lang="en-US" sz="1400" b="0" dirty="0">
-              <a:latin typeface="Consolas" charset="0"/>
-              <a:ea typeface="Consolas" charset="0"/>
-              <a:cs typeface="Consolas" charset="0"/>
-            </a:endParaRPr>
-          </a:p>
-          <a:p>
-            <a:r>
-              <a:rPr lang="en-US" sz="1400" b="0" dirty="0" smtClean="0">
+            <a:r>
+              <a:rPr lang="en-US" sz="1400" b="0" dirty="0">
                 <a:latin typeface="Consolas" charset="0"/>
                 <a:ea typeface="Consolas" charset="0"/>
                 <a:cs typeface="Consolas" charset="0"/>
@@ -37272,7 +36456,7 @@
               <a:t>  </a:t>
             </a:r>
             <a:r>
-              <a:rPr lang="en-US" sz="1400" b="0" dirty="0" err="1" smtClean="0">
+              <a:rPr lang="en-US" sz="1400" b="0" dirty="0" err="1">
                 <a:latin typeface="Consolas" charset="0"/>
                 <a:ea typeface="Consolas" charset="0"/>
                 <a:cs typeface="Consolas" charset="0"/>
@@ -37421,7 +36605,7 @@
             </a:r>
           </a:p>
           <a:p>
-            <a:endParaRPr lang="en-US" sz="1400" b="0" dirty="0" smtClean="0">
+            <a:endParaRPr lang="en-US" sz="1400" b="0" dirty="0">
               <a:latin typeface="Consolas" charset="0"/>
               <a:ea typeface="Consolas" charset="0"/>
               <a:cs typeface="Consolas" charset="0"/>
@@ -37434,162 +36618,8 @@
                 <a:ea typeface="Consolas" charset="0"/>
                 <a:cs typeface="Consolas" charset="0"/>
               </a:rPr>
-              <a:t> </a:t>
-            </a:r>
-            <a:r>
-              <a:rPr lang="en-US" sz="1400" b="0" dirty="0" smtClean="0">
-                <a:latin typeface="Consolas" charset="0"/>
-                <a:ea typeface="Consolas" charset="0"/>
-                <a:cs typeface="Consolas" charset="0"/>
-              </a:rPr>
-              <a:t> /* Open the file */</a:t>
-            </a:r>
-          </a:p>
-          <a:p>
-            <a:r>
-              <a:rPr lang="en-US" sz="1400" b="0" dirty="0" smtClean="0">
-                <a:latin typeface="Consolas" charset="0"/>
-                <a:ea typeface="Consolas" charset="0"/>
-                <a:cs typeface="Consolas" charset="0"/>
-              </a:rPr>
-              <a:t>  </a:t>
-            </a:r>
-            <a:r>
-              <a:rPr lang="en-US" sz="1400" b="0" dirty="0" err="1" smtClean="0">
-                <a:latin typeface="Consolas" charset="0"/>
-                <a:ea typeface="Consolas" charset="0"/>
-                <a:cs typeface="Consolas" charset="0"/>
-              </a:rPr>
-              <a:t>myfd</a:t>
-            </a:r>
-            <a:r>
-              <a:rPr lang="en-US" sz="1400" b="0" dirty="0" smtClean="0">
-                <a:latin typeface="Consolas" charset="0"/>
-                <a:ea typeface="Consolas" charset="0"/>
-                <a:cs typeface="Consolas" charset="0"/>
-              </a:rPr>
-              <a:t> = open(</a:t>
-            </a:r>
-            <a:r>
-              <a:rPr lang="en-US" sz="1400" b="0" dirty="0" err="1" smtClean="0">
-                <a:latin typeface="Consolas" charset="0"/>
-                <a:ea typeface="Consolas" charset="0"/>
-                <a:cs typeface="Consolas" charset="0"/>
-              </a:rPr>
-              <a:t>argv</a:t>
-            </a:r>
-            <a:r>
-              <a:rPr lang="en-US" sz="1400" b="0" dirty="0" smtClean="0">
-                <a:latin typeface="Consolas" charset="0"/>
-                <a:ea typeface="Consolas" charset="0"/>
-                <a:cs typeface="Consolas" charset="0"/>
-              </a:rPr>
-              <a:t>[1], O_RDWR | O_CREAT);</a:t>
-            </a:r>
-          </a:p>
-          <a:p>
-            <a:r>
-              <a:rPr lang="en-US" sz="1400" b="0" dirty="0">
-                <a:latin typeface="Consolas" charset="0"/>
-                <a:ea typeface="Consolas" charset="0"/>
-                <a:cs typeface="Consolas" charset="0"/>
-              </a:rPr>
-              <a:t> </a:t>
-            </a:r>
-            <a:r>
-              <a:rPr lang="en-US" sz="1400" b="0" dirty="0" smtClean="0">
-                <a:latin typeface="Consolas" charset="0"/>
-                <a:ea typeface="Consolas" charset="0"/>
-                <a:cs typeface="Consolas" charset="0"/>
-              </a:rPr>
-              <a:t> if (</a:t>
-            </a:r>
-            <a:r>
-              <a:rPr lang="en-US" sz="1400" b="0" dirty="0" err="1" smtClean="0">
-                <a:latin typeface="Consolas" charset="0"/>
-                <a:ea typeface="Consolas" charset="0"/>
-                <a:cs typeface="Consolas" charset="0"/>
-              </a:rPr>
-              <a:t>myfd</a:t>
-            </a:r>
-            <a:r>
-              <a:rPr lang="en-US" sz="1400" b="0" dirty="0" smtClean="0">
-                <a:latin typeface="Consolas" charset="0"/>
-                <a:ea typeface="Consolas" charset="0"/>
-                <a:cs typeface="Consolas" charset="0"/>
-              </a:rPr>
-              <a:t> &lt; 0) { </a:t>
-            </a:r>
-            <a:r>
-              <a:rPr lang="en-US" sz="1400" b="0" dirty="0" err="1" smtClean="0">
-                <a:latin typeface="Consolas" charset="0"/>
-                <a:ea typeface="Consolas" charset="0"/>
-                <a:cs typeface="Consolas" charset="0"/>
-              </a:rPr>
-              <a:t>perror</a:t>
-            </a:r>
-            <a:r>
-              <a:rPr lang="en-US" sz="1400" b="0" dirty="0">
-                <a:latin typeface="Consolas" charset="0"/>
-                <a:ea typeface="Consolas" charset="0"/>
-                <a:cs typeface="Consolas" charset="0"/>
-              </a:rPr>
-              <a:t>("open </a:t>
-            </a:r>
-            <a:r>
-              <a:rPr lang="en-US" sz="1400" b="0" dirty="0" smtClean="0">
-                <a:latin typeface="Consolas" charset="0"/>
-                <a:ea typeface="Consolas" charset="0"/>
-                <a:cs typeface="Consolas" charset="0"/>
-              </a:rPr>
-              <a:t>failed!"</a:t>
-            </a:r>
-            <a:r>
-              <a:rPr lang="en-US" sz="1400" b="0" dirty="0">
-                <a:latin typeface="Consolas" charset="0"/>
-                <a:ea typeface="Consolas" charset="0"/>
-                <a:cs typeface="Consolas" charset="0"/>
-              </a:rPr>
-              <a:t>)</a:t>
-            </a:r>
-            <a:r>
-              <a:rPr lang="en-US" sz="1400" b="0" dirty="0" smtClean="0">
-                <a:latin typeface="Consolas" charset="0"/>
-                <a:ea typeface="Consolas" charset="0"/>
-                <a:cs typeface="Consolas" charset="0"/>
-              </a:rPr>
-              <a:t>;exit(1); }</a:t>
-            </a:r>
-          </a:p>
-          <a:p>
-            <a:endParaRPr lang="en-US" sz="1400" b="0" dirty="0" smtClean="0">
-              <a:latin typeface="Consolas" charset="0"/>
-              <a:ea typeface="Consolas" charset="0"/>
-              <a:cs typeface="Consolas" charset="0"/>
-            </a:endParaRPr>
-          </a:p>
-          <a:p>
-            <a:r>
-              <a:rPr lang="en-US" sz="1400" b="0" dirty="0">
-                <a:latin typeface="Consolas" charset="0"/>
-                <a:ea typeface="Consolas" charset="0"/>
-                <a:cs typeface="Consolas" charset="0"/>
-              </a:rPr>
-              <a:t> </a:t>
-            </a:r>
-            <a:r>
-              <a:rPr lang="en-US" sz="1400" b="0" dirty="0" smtClean="0">
-                <a:latin typeface="Consolas" charset="0"/>
-                <a:ea typeface="Consolas" charset="0"/>
-                <a:cs typeface="Consolas" charset="0"/>
-              </a:rPr>
-              <a:t> /* map the file */</a:t>
-            </a:r>
-            <a:endParaRPr lang="en-US" sz="1400" b="0" dirty="0">
-              <a:latin typeface="Consolas" charset="0"/>
-              <a:ea typeface="Consolas" charset="0"/>
-              <a:cs typeface="Consolas" charset="0"/>
-            </a:endParaRPr>
+              <a:t>  /* Open the file */</a:t>
+            </a:r>
           </a:p>
           <a:p>
             <a:r>
@@ -37606,6 +36636,107 @@
                 <a:ea typeface="Consolas" charset="0"/>
                 <a:cs typeface="Consolas" charset="0"/>
               </a:rPr>
+              <a:t>myfd</a:t>
+            </a:r>
+            <a:r>
+              <a:rPr lang="en-US" sz="1400" b="0" dirty="0">
+                <a:latin typeface="Consolas" charset="0"/>
+                <a:ea typeface="Consolas" charset="0"/>
+                <a:cs typeface="Consolas" charset="0"/>
+              </a:rPr>
+              <a:t> = open(</a:t>
+            </a:r>
+            <a:r>
+              <a:rPr lang="en-US" sz="1400" b="0" dirty="0" err="1">
+                <a:latin typeface="Consolas" charset="0"/>
+                <a:ea typeface="Consolas" charset="0"/>
+                <a:cs typeface="Consolas" charset="0"/>
+              </a:rPr>
+              <a:t>argv</a:t>
+            </a:r>
+            <a:r>
+              <a:rPr lang="en-US" sz="1400" b="0" dirty="0">
+                <a:latin typeface="Consolas" charset="0"/>
+                <a:ea typeface="Consolas" charset="0"/>
+                <a:cs typeface="Consolas" charset="0"/>
+              </a:rPr>
+              <a:t>[1], O_RDWR | O_CREAT);</a:t>
+            </a:r>
+          </a:p>
+          <a:p>
+            <a:r>
+              <a:rPr lang="en-US" sz="1400" b="0" dirty="0">
+                <a:latin typeface="Consolas" charset="0"/>
+                <a:ea typeface="Consolas" charset="0"/>
+                <a:cs typeface="Consolas" charset="0"/>
+              </a:rPr>
+              <a:t>  if (</a:t>
+            </a:r>
+            <a:r>
+              <a:rPr lang="en-US" sz="1400" b="0" dirty="0" err="1">
+                <a:latin typeface="Consolas" charset="0"/>
+                <a:ea typeface="Consolas" charset="0"/>
+                <a:cs typeface="Consolas" charset="0"/>
+              </a:rPr>
+              <a:t>myfd</a:t>
+            </a:r>
+            <a:r>
+              <a:rPr lang="en-US" sz="1400" b="0" dirty="0">
+                <a:latin typeface="Consolas" charset="0"/>
+                <a:ea typeface="Consolas" charset="0"/>
+                <a:cs typeface="Consolas" charset="0"/>
+              </a:rPr>
+              <a:t> &lt; 0) { </a:t>
+            </a:r>
+            <a:r>
+              <a:rPr lang="en-US" sz="1400" b="0" dirty="0" err="1">
+                <a:latin typeface="Consolas" charset="0"/>
+                <a:ea typeface="Consolas" charset="0"/>
+                <a:cs typeface="Consolas" charset="0"/>
+              </a:rPr>
+              <a:t>perror</a:t>
+            </a:r>
+            <a:r>
+              <a:rPr lang="en-US" sz="1400" b="0" dirty="0">
+                <a:latin typeface="Consolas" charset="0"/>
+                <a:ea typeface="Consolas" charset="0"/>
+                <a:cs typeface="Consolas" charset="0"/>
+              </a:rPr>
+              <a:t>("open failed!");exit(1); }</a:t>
+            </a:r>
+          </a:p>
+          <a:p>
+            <a:endParaRPr lang="en-US" sz="1400" b="0" dirty="0">
+              <a:latin typeface="Consolas" charset="0"/>
+              <a:ea typeface="Consolas" charset="0"/>
+              <a:cs typeface="Consolas" charset="0"/>
+            </a:endParaRPr>
+          </a:p>
+          <a:p>
+            <a:r>
+              <a:rPr lang="en-US" sz="1400" b="0" dirty="0">
+                <a:latin typeface="Consolas" charset="0"/>
+                <a:ea typeface="Consolas" charset="0"/>
+                <a:cs typeface="Consolas" charset="0"/>
+              </a:rPr>
+              <a:t>  /* map the file */</a:t>
+            </a:r>
+          </a:p>
+          <a:p>
+            <a:r>
+              <a:rPr lang="en-US" sz="1400" b="0" dirty="0">
+                <a:latin typeface="Consolas" charset="0"/>
+                <a:ea typeface="Consolas" charset="0"/>
+                <a:cs typeface="Consolas" charset="0"/>
+              </a:rPr>
+              <a:t>  </a:t>
+            </a:r>
+            <a:r>
+              <a:rPr lang="en-US" sz="1400" b="0" dirty="0" err="1">
+                <a:latin typeface="Consolas" charset="0"/>
+                <a:ea typeface="Consolas" charset="0"/>
+                <a:cs typeface="Consolas" charset="0"/>
+              </a:rPr>
               <a:t>mfile</a:t>
             </a:r>
             <a:r>
@@ -37630,15 +36761,15 @@
                 <a:ea typeface="Consolas" charset="0"/>
                 <a:cs typeface="Consolas" charset="0"/>
               </a:rPr>
-              <a:t>(0, 10000, </a:t>
-            </a:r>
-            <a:r>
-              <a:rPr lang="en-US" sz="1400" b="0" dirty="0" smtClean="0">
+              <a:t>(0, 10000, PROT_READ|PROT_WRITE, MAP_FILE|MAP_SHARED, </a:t>
+            </a:r>
+            <a:r>
+              <a:rPr lang="en-US" sz="1400" b="0" dirty="0" err="1">
                 <a:latin typeface="Consolas" charset="0"/>
                 <a:ea typeface="Consolas" charset="0"/>
                 <a:cs typeface="Consolas" charset="0"/>
               </a:rPr>
-              <a:t>PROT_READ|PROT_WRITE</a:t>
+              <a:t>myfd</a:t>
             </a:r>
             <a:r>
               <a:rPr lang="en-US" sz="1400" b="0" dirty="0">
@@ -37646,47 +36777,7 @@
                 <a:ea typeface="Consolas" charset="0"/>
                 <a:cs typeface="Consolas" charset="0"/>
               </a:rPr>
-              <a:t>, </a:t>
-            </a:r>
-            <a:r>
-              <a:rPr lang="en-US" sz="1400" b="0" dirty="0" smtClean="0">
-                <a:latin typeface="Consolas" charset="0"/>
-                <a:ea typeface="Consolas" charset="0"/>
-                <a:cs typeface="Consolas" charset="0"/>
-              </a:rPr>
-              <a:t>MAP_FILE|MAP_SHARED</a:t>
-            </a:r>
-            <a:r>
-              <a:rPr lang="en-US" sz="1400" b="0" dirty="0">
-                <a:latin typeface="Consolas" charset="0"/>
-                <a:ea typeface="Consolas" charset="0"/>
-                <a:cs typeface="Consolas" charset="0"/>
-              </a:rPr>
-              <a:t>, </a:t>
-            </a:r>
-            <a:r>
-              <a:rPr lang="en-US" sz="1400" b="0" dirty="0" err="1" smtClean="0">
-                <a:latin typeface="Consolas" charset="0"/>
-                <a:ea typeface="Consolas" charset="0"/>
-                <a:cs typeface="Consolas" charset="0"/>
-              </a:rPr>
-              <a:t>myfd</a:t>
-            </a:r>
-            <a:r>
-              <a:rPr lang="en-US" sz="1400" b="0" dirty="0" smtClean="0">
-                <a:latin typeface="Consolas" charset="0"/>
-                <a:ea typeface="Consolas" charset="0"/>
-                <a:cs typeface="Consolas" charset="0"/>
-              </a:rPr>
-              <a:t>, </a:t>
-            </a:r>
-            <a:r>
-              <a:rPr lang="en-US" sz="1400" b="0" dirty="0">
-                <a:latin typeface="Consolas" charset="0"/>
-                <a:ea typeface="Consolas" charset="0"/>
-                <a:cs typeface="Consolas" charset="0"/>
-              </a:rPr>
-              <a:t>0);</a:t>
+              <a:t>, 0);</a:t>
             </a:r>
           </a:p>
           <a:p>
@@ -37858,21 +36949,8 @@
                 <a:ea typeface="Consolas" charset="0"/>
                 <a:cs typeface="Consolas" charset="0"/>
               </a:rPr>
-              <a:t>)</a:t>
-            </a:r>
-            <a:r>
-              <a:rPr lang="en-US" sz="1400" b="0" dirty="0" smtClean="0">
-                <a:latin typeface="Consolas" charset="0"/>
-                <a:ea typeface="Consolas" charset="0"/>
-                <a:cs typeface="Consolas" charset="0"/>
-              </a:rPr>
-              <a:t>;</a:t>
-            </a:r>
-            <a:endParaRPr lang="en-US" sz="1400" b="0" dirty="0">
-              <a:latin typeface="Consolas" charset="0"/>
-              <a:ea typeface="Consolas" charset="0"/>
-              <a:cs typeface="Consolas" charset="0"/>
-            </a:endParaRPr>
+              <a:t>);</a:t>
+            </a:r>
           </a:p>
           <a:p>
             <a:r>
@@ -37897,21 +36975,8 @@
                 <a:ea typeface="Consolas" charset="0"/>
                 <a:cs typeface="Consolas" charset="0"/>
               </a:rPr>
-              <a:t>(mfile+20,"Let's write over it")</a:t>
-            </a:r>
-            <a:r>
-              <a:rPr lang="en-US" sz="1400" b="0" dirty="0" smtClean="0">
-                <a:latin typeface="Consolas" charset="0"/>
-                <a:ea typeface="Consolas" charset="0"/>
-                <a:cs typeface="Consolas" charset="0"/>
-              </a:rPr>
-              <a:t>;</a:t>
-            </a:r>
-            <a:endParaRPr lang="en-US" sz="1400" b="0" dirty="0">
-              <a:latin typeface="Consolas" charset="0"/>
-              <a:ea typeface="Consolas" charset="0"/>
-              <a:cs typeface="Consolas" charset="0"/>
-            </a:endParaRPr>
+              <a:t>(mfile+20,"Let's write over it");</a:t>
+            </a:r>
           </a:p>
           <a:p>
             <a:r>
@@ -37920,18 +36985,10 @@
                 <a:ea typeface="Consolas" charset="0"/>
                 <a:cs typeface="Consolas" charset="0"/>
               </a:rPr>
-              <a:t>  </a:t>
-            </a:r>
-            <a:r>
-              <a:rPr lang="en-US" sz="1400" b="0" dirty="0" smtClean="0">
-                <a:latin typeface="Consolas" charset="0"/>
-                <a:ea typeface="Consolas" charset="0"/>
-                <a:cs typeface="Consolas" charset="0"/>
-              </a:rPr>
-              <a:t>close(</a:t>
-            </a:r>
-            <a:r>
-              <a:rPr lang="en-US" sz="1400" b="0" dirty="0" err="1" smtClean="0">
+              <a:t>  close(</a:t>
+            </a:r>
+            <a:r>
+              <a:rPr lang="en-US" sz="1400" b="0" dirty="0" err="1">
                 <a:latin typeface="Consolas" charset="0"/>
                 <a:ea typeface="Consolas" charset="0"/>
                 <a:cs typeface="Consolas" charset="0"/>
@@ -37939,18 +36996,13 @@
               <a:t>myfd</a:t>
             </a:r>
             <a:r>
-              <a:rPr lang="en-US" sz="1400" b="0" dirty="0" smtClean="0">
+              <a:rPr lang="en-US" sz="1400" b="0" dirty="0">
                 <a:latin typeface="Consolas" charset="0"/>
                 <a:ea typeface="Consolas" charset="0"/>
                 <a:cs typeface="Consolas" charset="0"/>
               </a:rPr>
               <a:t>);</a:t>
             </a:r>
-            <a:endParaRPr lang="en-US" sz="1400" b="0" dirty="0">
-              <a:latin typeface="Consolas" charset="0"/>
-              <a:ea typeface="Consolas" charset="0"/>
-              <a:cs typeface="Consolas" charset="0"/>
-            </a:endParaRPr>
           </a:p>
           <a:p>
             <a:r>
@@ -38003,7 +37055,7 @@
           <a:effectLst/>
           <a:extLst>
             <a:ext uri="{AF507438-7753-43e0-B8FC-AC1667EBCBE1}">
-              <a14:hiddenEffects xmlns:a14="http://schemas.microsoft.com/office/drawing/2010/main" xmlns="">
+              <a14:hiddenEffects xmlns="" xmlns:a14="http://schemas.microsoft.com/office/drawing/2010/main">
                 <a:effectLst>
                   <a:outerShdw dist="35921" dir="2700000" algn="ctr" rotWithShape="0">
                     <a:schemeClr val="bg2"/>
@@ -38022,20 +37074,12 @@
           <a:lstStyle/>
           <a:p>
             <a:r>
-              <a:rPr lang="en-US" b="0" dirty="0" smtClean="0">
-                <a:latin typeface="Consolas" charset="0"/>
-                <a:ea typeface="Consolas" charset="0"/>
-                <a:cs typeface="Consolas" charset="0"/>
-              </a:rPr>
-              <a:t>$ </a:t>
-            </a:r>
-            <a:r>
               <a:rPr lang="en-US" b="0" dirty="0">
                 <a:latin typeface="Consolas" charset="0"/>
                 <a:ea typeface="Consolas" charset="0"/>
                 <a:cs typeface="Consolas" charset="0"/>
               </a:rPr>
-              <a:t>./</a:t>
+              <a:t>$ ./</a:t>
             </a:r>
             <a:r>
               <a:rPr lang="en-US" b="0" dirty="0" err="1">
@@ -38051,21 +37095,8 @@
                 <a:ea typeface="Consolas" charset="0"/>
                 <a:cs typeface="Consolas" charset="0"/>
               </a:rPr>
-              <a:t> </a:t>
-            </a:r>
-            <a:r>
-              <a:rPr lang="en-US" b="0" dirty="0" smtClean="0">
-                <a:latin typeface="Consolas" charset="0"/>
-                <a:ea typeface="Consolas" charset="0"/>
-                <a:cs typeface="Consolas" charset="0"/>
-              </a:rPr>
-              <a:t>test</a:t>
-            </a:r>
-            <a:endParaRPr lang="en-US" b="0" dirty="0">
-              <a:latin typeface="Consolas" charset="0"/>
-              <a:ea typeface="Consolas" charset="0"/>
-              <a:cs typeface="Consolas" charset="0"/>
-            </a:endParaRPr>
+              <a:t> test</a:t>
+            </a:r>
           </a:p>
           <a:p>
             <a:r>
@@ -38120,15 +37151,7 @@
                 <a:ea typeface="Consolas" charset="0"/>
                 <a:cs typeface="Consolas" charset="0"/>
               </a:rPr>
-              <a:t> at :        </a:t>
-            </a:r>
-            <a:r>
-              <a:rPr lang="da-DK" b="0" dirty="0" smtClean="0">
-                <a:latin typeface="Consolas" charset="0"/>
-                <a:ea typeface="Consolas" charset="0"/>
-                <a:cs typeface="Consolas" charset="0"/>
-              </a:rPr>
-              <a:t>105d97000</a:t>
+              <a:t> at :        105d97000</a:t>
             </a:r>
           </a:p>
           <a:p>
@@ -38168,15 +37191,7 @@
                 <a:ea typeface="Consolas" charset="0"/>
                 <a:cs typeface="Consolas" charset="0"/>
               </a:rPr>
-              <a:t>This is line </a:t>
-            </a:r>
-            <a:r>
-              <a:rPr lang="en-US" b="0" dirty="0" smtClean="0">
-                <a:latin typeface="Consolas" charset="0"/>
-                <a:ea typeface="Consolas" charset="0"/>
-                <a:cs typeface="Consolas" charset="0"/>
-              </a:rPr>
-              <a:t>four</a:t>
+              <a:t>This is line four</a:t>
             </a:r>
           </a:p>
         </p:txBody>
@@ -38210,7 +37225,7 @@
           <a:effectLst/>
           <a:extLst>
             <a:ext uri="{AF507438-7753-43e0-B8FC-AC1667EBCBE1}">
-              <a14:hiddenEffects xmlns:a14="http://schemas.microsoft.com/office/drawing/2010/main" xmlns="">
+              <a14:hiddenEffects xmlns="" xmlns:a14="http://schemas.microsoft.com/office/drawing/2010/main">
                 <a:effectLst>
                   <a:outerShdw dist="35921" dir="2700000" algn="ctr" rotWithShape="0">
                     <a:schemeClr val="bg2"/>
@@ -38229,7 +37244,7 @@
           <a:lstStyle/>
           <a:p>
             <a:r>
-              <a:rPr lang="en-US" b="0" dirty="0" smtClean="0">
+              <a:rPr lang="en-US" b="0" dirty="0">
                 <a:latin typeface="Consolas" charset="0"/>
                 <a:ea typeface="Consolas" charset="0"/>
                 <a:cs typeface="Consolas" charset="0"/>
@@ -38306,7 +37321,7 @@
             </a:r>
           </a:p>
           <a:p>
-            <a:endParaRPr kumimoji="0" lang="en-US" sz="1800" b="0" u="none" strike="noStrike" cap="none" normalizeH="0" baseline="0" dirty="0" smtClean="0">
+            <a:endParaRPr kumimoji="0" lang="en-US" sz="1800" b="0" u="none" strike="noStrike" cap="none" normalizeH="0" baseline="0" dirty="0">
               <a:ln>
                 <a:noFill/>
               </a:ln>
@@ -38492,18 +37507,9 @@
           <a:lstStyle/>
           <a:p>
             <a:r>
-              <a:rPr lang="en-US" dirty="0" smtClean="0"/>
-              <a:t>Many Huge FAT </a:t>
-            </a:r>
-            <a:r>
               <a:rPr lang="en-US" dirty="0"/>
-              <a:t>S</a:t>
-            </a:r>
-            <a:r>
-              <a:rPr lang="en-US" dirty="0" smtClean="0"/>
-              <a:t>ecurity Holes!</a:t>
-            </a:r>
-            <a:endParaRPr lang="en-US" dirty="0"/>
+              <a:t>Many Huge FAT Security Holes!</a:t>
+            </a:r>
           </a:p>
         </p:txBody>
       </p:sp>
@@ -38525,35 +37531,34 @@
           <a:lstStyle/>
           <a:p>
             <a:r>
-              <a:rPr lang="en-US" sz="2800" dirty="0" smtClean="0"/>
+              <a:rPr lang="en-US" sz="2800" dirty="0"/>
               <a:t>FAT has no access rights</a:t>
             </a:r>
           </a:p>
           <a:p>
-            <a:endParaRPr lang="en-US" sz="2800" dirty="0" smtClean="0"/>
-          </a:p>
-          <a:p>
-            <a:r>
-              <a:rPr lang="en-US" sz="2800" dirty="0" smtClean="0"/>
+            <a:endParaRPr lang="en-US" sz="2800" dirty="0"/>
+          </a:p>
+          <a:p>
+            <a:r>
+              <a:rPr lang="en-US" sz="2800" dirty="0"/>
               <a:t>FAT has no header in the file blocks</a:t>
             </a:r>
           </a:p>
           <a:p>
-            <a:endParaRPr lang="en-US" sz="2800" dirty="0" smtClean="0"/>
-          </a:p>
-          <a:p>
-            <a:r>
-              <a:rPr lang="en-US" sz="2800" dirty="0" smtClean="0"/>
+            <a:endParaRPr lang="en-US" sz="2800" dirty="0"/>
+          </a:p>
+          <a:p>
+            <a:r>
+              <a:rPr lang="en-US" sz="2800" dirty="0"/>
               <a:t>Just gives an index into the FAT </a:t>
             </a:r>
           </a:p>
           <a:p>
             <a:pPr lvl="1"/>
             <a:r>
-              <a:rPr lang="en-US" sz="2400" dirty="0" smtClean="0"/>
+              <a:rPr lang="en-US" sz="2400" dirty="0"/>
               <a:t>(file number = block number)</a:t>
             </a:r>
-            <a:endParaRPr lang="en-US" sz="2400" dirty="0"/>
           </a:p>
         </p:txBody>
       </p:sp>
@@ -38815,7 +37820,7 @@
           <a:lstStyle/>
           <a:p>
             <a:r>
-              <a:rPr lang="en-US" smtClean="0"/>
+              <a:rPr lang="en-US"/>
               <a:t>File System Summary (1/2)</a:t>
             </a:r>
             <a:endParaRPr lang="en-US" dirty="0"/>
@@ -38845,110 +37850,102 @@
           <a:lstStyle/>
           <a:p>
             <a:r>
-              <a:rPr lang="en-US" dirty="0" smtClean="0"/>
+              <a:rPr lang="en-US" dirty="0"/>
               <a:t>File System:</a:t>
             </a:r>
           </a:p>
           <a:p>
             <a:pPr lvl="1"/>
             <a:r>
-              <a:rPr lang="en-US" sz="2400" dirty="0" smtClean="0"/>
+              <a:rPr lang="en-US" sz="2400" dirty="0"/>
               <a:t>Transforms blocks into Files and Directories</a:t>
             </a:r>
           </a:p>
           <a:p>
             <a:pPr lvl="1"/>
             <a:r>
-              <a:rPr lang="en-US" sz="2400" dirty="0" smtClean="0"/>
+              <a:rPr lang="en-US" sz="2400" dirty="0"/>
               <a:t>Optimize for size, access and usage patterns</a:t>
             </a:r>
           </a:p>
           <a:p>
             <a:pPr lvl="1"/>
             <a:r>
-              <a:rPr lang="en-US" sz="2400" dirty="0" smtClean="0"/>
+              <a:rPr lang="en-US" sz="2400" dirty="0"/>
               <a:t>Maximize sequential access, allow efficient random access</a:t>
             </a:r>
           </a:p>
           <a:p>
             <a:pPr lvl="1"/>
             <a:r>
-              <a:rPr lang="en-US" sz="2400" dirty="0" smtClean="0"/>
+              <a:rPr lang="en-US" sz="2400" dirty="0"/>
               <a:t>Projects the OS protection and security regime (UGO </a:t>
             </a:r>
             <a:r>
-              <a:rPr lang="en-US" sz="2400" dirty="0" err="1" smtClean="0"/>
+              <a:rPr lang="en-US" sz="2400" dirty="0" err="1"/>
               <a:t>vs</a:t>
             </a:r>
             <a:r>
-              <a:rPr lang="en-US" sz="2400" dirty="0" smtClean="0"/>
+              <a:rPr lang="en-US" sz="2400" dirty="0"/>
               <a:t> ACL)</a:t>
             </a:r>
           </a:p>
           <a:p>
             <a:r>
-              <a:rPr lang="en-US" dirty="0" smtClean="0"/>
+              <a:rPr lang="en-US" dirty="0"/>
               <a:t>File defined by header, called “</a:t>
             </a:r>
             <a:r>
-              <a:rPr lang="en-US" altLang="ja-JP" dirty="0" err="1" smtClean="0"/>
+              <a:rPr lang="en-US" altLang="ja-JP" dirty="0" err="1"/>
               <a:t>inode</a:t>
             </a:r>
             <a:r>
-              <a:rPr lang="en-US" dirty="0" smtClean="0"/>
+              <a:rPr lang="en-US" dirty="0"/>
               <a:t>”</a:t>
             </a:r>
           </a:p>
           <a:p>
             <a:r>
-              <a:rPr lang="en-US" dirty="0" smtClean="0"/>
+              <a:rPr lang="en-US" dirty="0"/>
               <a:t>Naming: translating from user-visible names to actual sys resources</a:t>
             </a:r>
           </a:p>
           <a:p>
             <a:pPr lvl="1"/>
             <a:r>
-              <a:rPr lang="en-US" sz="2400" dirty="0" smtClean="0"/>
+              <a:rPr lang="en-US" sz="2400" dirty="0"/>
               <a:t>Directories used for naming for local file systems</a:t>
             </a:r>
           </a:p>
           <a:p>
             <a:pPr lvl="1"/>
             <a:r>
-              <a:rPr lang="en-US" sz="2400" dirty="0" smtClean="0"/>
+              <a:rPr lang="en-US" sz="2400" dirty="0"/>
               <a:t>Linked or tree structure stored in files</a:t>
             </a:r>
           </a:p>
           <a:p>
             <a:r>
-              <a:rPr lang="en-US" dirty="0" smtClean="0"/>
+              <a:rPr lang="en-US" dirty="0"/>
               <a:t>Multilevel Indexed Scheme</a:t>
             </a:r>
           </a:p>
           <a:p>
             <a:pPr lvl="1"/>
             <a:r>
-              <a:rPr lang="en-US" sz="2400" dirty="0" err="1" smtClean="0"/>
+              <a:rPr lang="en-US" sz="2400" dirty="0" err="1"/>
               <a:t>inode</a:t>
             </a:r>
             <a:r>
-              <a:rPr lang="en-US" sz="2400" dirty="0" smtClean="0"/>
+              <a:rPr lang="en-US" sz="2400" dirty="0"/>
               <a:t> contains file info, direct pointers to blocks, indirect blocks, doubly indirect, etc..</a:t>
             </a:r>
           </a:p>
           <a:p>
             <a:pPr lvl="1"/>
             <a:r>
-              <a:rPr lang="en-US" sz="2400" dirty="0" smtClean="0"/>
-              <a:t>NTFS: variable extents</a:t>
-            </a:r>
-            <a:r>
               <a:rPr lang="en-US" sz="2400" dirty="0"/>
-              <a:t> </a:t>
-            </a:r>
-            <a:r>
-              <a:rPr lang="en-US" sz="2400" dirty="0" smtClean="0"/>
-              <a:t>not fixed blocks, tiny files data is in header</a:t>
+              <a:t>NTFS: variable extents not fixed blocks, tiny files data is in header</a:t>
             </a:r>
           </a:p>
         </p:txBody>
@@ -39477,7 +38474,7 @@
           <a:lstStyle/>
           <a:p>
             <a:r>
-              <a:rPr lang="en-US" smtClean="0"/>
+              <a:rPr lang="en-US"/>
               <a:t>File System Summary (2/2)</a:t>
             </a:r>
             <a:endParaRPr lang="en-US" dirty="0"/>
@@ -39531,16 +38528,12 @@
               <a:t> contains </a:t>
             </a:r>
             <a:r>
-              <a:rPr lang="en-US" sz="2400" dirty="0" err="1" smtClean="0"/>
+              <a:rPr lang="en-US" sz="2400" dirty="0" err="1"/>
               <a:t>ptrs</a:t>
             </a:r>
             <a:r>
-              <a:rPr lang="en-US" sz="2400" dirty="0" smtClean="0"/>
-              <a:t> to </a:t>
-            </a:r>
-            <a:r>
               <a:rPr lang="en-US" sz="2400" dirty="0"/>
-              <a:t>actual blocks, indirect blocks, double indirect blocks, etc. </a:t>
+              <a:t> to actual blocks, indirect blocks, double indirect blocks, etc. </a:t>
             </a:r>
           </a:p>
           <a:p>
@@ -39560,7 +38553,7 @@
                 <a:spcPct val="100000"/>
               </a:lnSpc>
             </a:pPr>
-            <a:endParaRPr lang="en-US" sz="1100" dirty="0" smtClean="0"/>
+            <a:endParaRPr lang="en-US" sz="1100" dirty="0"/>
           </a:p>
           <a:p>
             <a:pPr>
@@ -39569,15 +38562,15 @@
               </a:lnSpc>
             </a:pPr>
             <a:r>
-              <a:rPr lang="en-US" dirty="0" smtClean="0"/>
+              <a:rPr lang="en-US" dirty="0"/>
               <a:t>File layout driven by </a:t>
             </a:r>
             <a:r>
-              <a:rPr lang="en-US" dirty="0" err="1" smtClean="0"/>
+              <a:rPr lang="en-US" dirty="0" err="1"/>
               <a:t>freespace</a:t>
             </a:r>
             <a:r>
-              <a:rPr lang="en-US" dirty="0" smtClean="0"/>
+              <a:rPr lang="en-US" dirty="0"/>
               <a:t> management</a:t>
             </a:r>
           </a:p>
@@ -39588,31 +38581,31 @@
               </a:lnSpc>
             </a:pPr>
             <a:r>
-              <a:rPr lang="en-US" sz="2400" dirty="0" smtClean="0"/>
+              <a:rPr lang="en-US" sz="2400" dirty="0"/>
               <a:t>Integrate </a:t>
             </a:r>
             <a:r>
-              <a:rPr lang="en-US" sz="2400" dirty="0" err="1" smtClean="0"/>
+              <a:rPr lang="en-US" sz="2400" dirty="0" err="1"/>
               <a:t>freespace</a:t>
             </a:r>
             <a:r>
-              <a:rPr lang="en-US" sz="2400" dirty="0" smtClean="0"/>
+              <a:rPr lang="en-US" sz="2400" dirty="0"/>
               <a:t>, </a:t>
             </a:r>
             <a:r>
-              <a:rPr lang="en-US" sz="2400" dirty="0" err="1" smtClean="0"/>
+              <a:rPr lang="en-US" sz="2400" dirty="0" err="1"/>
               <a:t>inode</a:t>
             </a:r>
             <a:r>
-              <a:rPr lang="en-US" sz="2400" dirty="0" smtClean="0"/>
+              <a:rPr lang="en-US" sz="2400" dirty="0"/>
               <a:t> table, file blocks and </a:t>
             </a:r>
             <a:r>
-              <a:rPr lang="en-US" sz="2400" dirty="0" err="1" smtClean="0"/>
+              <a:rPr lang="en-US" sz="2400" dirty="0" err="1"/>
               <a:t>dirs</a:t>
             </a:r>
             <a:r>
-              <a:rPr lang="en-US" sz="2400" dirty="0" smtClean="0"/>
+              <a:rPr lang="en-US" sz="2400" dirty="0"/>
               <a:t> into block group</a:t>
             </a:r>
           </a:p>
@@ -39622,7 +38615,7 @@
                 <a:spcPct val="100000"/>
               </a:lnSpc>
             </a:pPr>
-            <a:endParaRPr lang="en-US" sz="1050" dirty="0" smtClean="0"/>
+            <a:endParaRPr lang="en-US" sz="1050" dirty="0"/>
           </a:p>
           <a:p>
             <a:pPr>
@@ -39631,15 +38624,15 @@
               </a:lnSpc>
             </a:pPr>
             <a:r>
-              <a:rPr lang="en-US" dirty="0" smtClean="0"/>
+              <a:rPr lang="en-US" dirty="0"/>
               <a:t>Deep interactions between </a:t>
             </a:r>
             <a:r>
-              <a:rPr lang="en-US" dirty="0" err="1" smtClean="0"/>
+              <a:rPr lang="en-US" dirty="0" err="1"/>
               <a:t>mem</a:t>
             </a:r>
             <a:r>
-              <a:rPr lang="en-US" dirty="0" smtClean="0"/>
+              <a:rPr lang="en-US" dirty="0"/>
               <a:t> management, file system, sharing</a:t>
             </a:r>
           </a:p>
@@ -39650,7 +38643,7 @@
               </a:lnSpc>
             </a:pPr>
             <a:r>
-              <a:rPr lang="en-US" sz="2400" dirty="0" err="1" smtClean="0">
+              <a:rPr lang="en-US" sz="2400" dirty="0" err="1">
                 <a:latin typeface="Consolas" charset="0"/>
                 <a:ea typeface="Consolas" charset="0"/>
                 <a:cs typeface="Consolas" charset="0"/>
@@ -39658,7 +38651,7 @@
               <a:t>mmap</a:t>
             </a:r>
             <a:r>
-              <a:rPr lang="en-US" sz="2400" dirty="0" smtClean="0">
+              <a:rPr lang="en-US" sz="2400" dirty="0">
                 <a:latin typeface="Consolas" charset="0"/>
                 <a:ea typeface="Consolas" charset="0"/>
                 <a:cs typeface="Consolas" charset="0"/>
@@ -39666,16 +38659,8 @@
               <a:t>()</a:t>
             </a:r>
             <a:r>
-              <a:rPr lang="en-US" sz="2400" dirty="0" smtClean="0"/>
-              <a:t>: </a:t>
-            </a:r>
-            <a:r>
               <a:rPr lang="en-US" sz="2400" dirty="0"/>
-              <a:t>map </a:t>
-            </a:r>
-            <a:r>
-              <a:rPr lang="en-US" sz="2400" dirty="0" smtClean="0"/>
-              <a:t>file or anonymous segment to memory</a:t>
+              <a:t>: map file or anonymous segment to memory</a:t>
             </a:r>
           </a:p>
         </p:txBody>
@@ -40031,10 +39016,9 @@
           <a:lstStyle/>
           <a:p>
             <a:r>
-              <a:rPr lang="en-US" dirty="0" smtClean="0"/>
+              <a:rPr lang="en-US" dirty="0"/>
               <a:t>Characteristics of Files</a:t>
             </a:r>
-            <a:endParaRPr lang="en-US" dirty="0"/>
           </a:p>
         </p:txBody>
       </p:sp>
@@ -40139,13 +39123,6 @@
     <a:masterClrMapping/>
   </p:clrMapOvr>
   <p:transition/>
-  <p:timing>
-    <p:tnLst>
-      <p:par>
-        <p:cTn id="1" dur="indefinite" restart="never" nodeType="tmRoot"/>
-      </p:par>
-    </p:tnLst>
-  </p:timing>
 </p:sld>
 </file>
 
@@ -40182,10 +39159,9 @@
           <a:lstStyle/>
           <a:p>
             <a:r>
-              <a:rPr lang="en-US" dirty="0" smtClean="0"/>
+              <a:rPr lang="en-US" dirty="0"/>
               <a:t>Characteristics of Files</a:t>
             </a:r>
-            <a:endParaRPr lang="en-US" dirty="0"/>
           </a:p>
         </p:txBody>
       </p:sp>
@@ -40212,12 +39188,12 @@
           <a:lstStyle/>
           <a:p>
             <a:r>
-              <a:rPr lang="en-US" sz="2800" dirty="0" smtClean="0"/>
+              <a:rPr lang="en-US" sz="2800" dirty="0"/>
               <a:t>Most files are small, growing numbers of files over time</a:t>
             </a:r>
           </a:p>
           <a:p>
-            <a:endParaRPr lang="en-US" sz="2800" dirty="0" smtClean="0"/>
+            <a:endParaRPr lang="en-US" sz="2800" dirty="0"/>
           </a:p>
         </p:txBody>
       </p:sp>
@@ -40262,13 +39238,6 @@
     <a:masterClrMapping/>
   </p:clrMapOvr>
   <p:transition/>
-  <p:timing>
-    <p:tnLst>
-      <p:par>
-        <p:cTn id="1" dur="indefinite" restart="never" nodeType="tmRoot"/>
-      </p:par>
-    </p:tnLst>
-  </p:timing>
 </p:sld>
 </file>
 
@@ -40305,10 +39274,9 @@
           <a:lstStyle/>
           <a:p>
             <a:r>
-              <a:rPr lang="en-US" dirty="0" smtClean="0"/>
+              <a:rPr lang="en-US" dirty="0"/>
               <a:t>Characteristics of Files</a:t>
             </a:r>
-            <a:endParaRPr lang="en-US" dirty="0"/>
           </a:p>
         </p:txBody>
       </p:sp>
@@ -40364,10 +39332,9 @@
           <a:lstStyle/>
           <a:p>
             <a:r>
-              <a:rPr lang="en-US" sz="2800" dirty="0" smtClean="0"/>
+              <a:rPr lang="en-US" sz="2800" dirty="0"/>
               <a:t>Most of the space is occupied by the rare big ones</a:t>
             </a:r>
-            <a:endParaRPr lang="en-US" sz="2800" dirty="0"/>
           </a:p>
         </p:txBody>
       </p:sp>
@@ -40382,13 +39349,6 @@
     <a:masterClrMapping/>
   </p:clrMapOvr>
   <p:transition/>
-  <p:timing>
-    <p:tnLst>
-      <p:par>
-        <p:cTn id="1" dur="indefinite" restart="never" nodeType="tmRoot"/>
-      </p:par>
-    </p:tnLst>
-  </p:timing>
 </p:sld>
 </file>
 
@@ -40430,10 +39390,9 @@
           <a:lstStyle/>
           <a:p>
             <a:r>
-              <a:rPr lang="en-US" dirty="0" smtClean="0"/>
+              <a:rPr lang="en-US" dirty="0"/>
               <a:t>Unix File System (1/2)</a:t>
             </a:r>
-            <a:endParaRPr lang="en-US" dirty="0"/>
           </a:p>
         </p:txBody>
       </p:sp>
@@ -40465,15 +39424,15 @@
               </a:lnSpc>
             </a:pPr>
             <a:r>
-              <a:rPr lang="en-US" dirty="0" smtClean="0"/>
+              <a:rPr lang="en-US" dirty="0"/>
               <a:t>Original </a:t>
             </a:r>
             <a:r>
-              <a:rPr lang="en-US" dirty="0" err="1" smtClean="0"/>
+              <a:rPr lang="en-US" dirty="0" err="1"/>
               <a:t>inode</a:t>
             </a:r>
             <a:r>
-              <a:rPr lang="en-US" dirty="0" smtClean="0"/>
+              <a:rPr lang="en-US" dirty="0"/>
               <a:t> format appeared in BSD 4.1</a:t>
             </a:r>
           </a:p>
@@ -40484,7 +39443,7 @@
               </a:lnSpc>
             </a:pPr>
             <a:r>
-              <a:rPr lang="en-US" sz="2400" dirty="0" smtClean="0"/>
+              <a:rPr lang="en-US" sz="2400" dirty="0"/>
               <a:t>Berkeley Standard Distribution Unix</a:t>
             </a:r>
           </a:p>
@@ -40495,7 +39454,7 @@
               </a:lnSpc>
             </a:pPr>
             <a:r>
-              <a:rPr lang="en-US" sz="2400" dirty="0" smtClean="0"/>
+              <a:rPr lang="en-US" sz="2400" dirty="0"/>
               <a:t>Part of your heritage!</a:t>
             </a:r>
           </a:p>
@@ -40506,7 +39465,7 @@
               </a:lnSpc>
             </a:pPr>
             <a:r>
-              <a:rPr lang="en-US" sz="2400" dirty="0" smtClean="0"/>
+              <a:rPr lang="en-US" sz="2400" dirty="0"/>
               <a:t>Similar structure for Linux Ext2/3</a:t>
             </a:r>
           </a:p>
@@ -40517,15 +39476,15 @@
               </a:lnSpc>
             </a:pPr>
             <a:r>
-              <a:rPr lang="en-US" dirty="0" smtClean="0"/>
+              <a:rPr lang="en-US" dirty="0"/>
               <a:t>File Number is index into </a:t>
             </a:r>
             <a:r>
-              <a:rPr lang="en-US" dirty="0" err="1" smtClean="0"/>
+              <a:rPr lang="en-US" dirty="0" err="1"/>
               <a:t>inode</a:t>
             </a:r>
             <a:r>
-              <a:rPr lang="en-US" dirty="0" smtClean="0"/>
+              <a:rPr lang="en-US" dirty="0"/>
               <a:t> arrays</a:t>
             </a:r>
           </a:p>
@@ -40536,7 +39495,7 @@
               </a:lnSpc>
             </a:pPr>
             <a:r>
-              <a:rPr lang="en-US" dirty="0" smtClean="0"/>
+              <a:rPr lang="en-US" dirty="0"/>
               <a:t>Multi-level index structure</a:t>
             </a:r>
           </a:p>
@@ -40547,7 +39506,7 @@
               </a:lnSpc>
             </a:pPr>
             <a:r>
-              <a:rPr lang="en-US" sz="2400" dirty="0" smtClean="0"/>
+              <a:rPr lang="en-US" sz="2400" dirty="0"/>
               <a:t>Great for little and large files</a:t>
             </a:r>
           </a:p>
@@ -40558,7 +39517,7 @@
               </a:lnSpc>
             </a:pPr>
             <a:r>
-              <a:rPr lang="en-US" sz="2400" dirty="0" smtClean="0"/>
+              <a:rPr lang="en-US" sz="2400" dirty="0"/>
               <a:t>Asymmetric tree with fixed sized blocks</a:t>
             </a:r>
           </a:p>
@@ -40951,10 +39910,9 @@
           <a:lstStyle/>
           <a:p>
             <a:r>
-              <a:rPr lang="en-US" dirty="0" smtClean="0"/>
+              <a:rPr lang="en-US" dirty="0"/>
               <a:t>Unix File System (2/2)</a:t>
             </a:r>
-            <a:endParaRPr lang="en-US" dirty="0"/>
           </a:p>
         </p:txBody>
       </p:sp>
@@ -40986,7 +39944,7 @@
               </a:lnSpc>
             </a:pPr>
             <a:r>
-              <a:rPr lang="en-US" dirty="0" smtClean="0"/>
+              <a:rPr lang="en-US" dirty="0"/>
               <a:t>Metadata associated with the file</a:t>
             </a:r>
           </a:p>
@@ -40997,7 +39955,7 @@
               </a:lnSpc>
             </a:pPr>
             <a:r>
-              <a:rPr lang="en-US" sz="2400" dirty="0" smtClean="0"/>
+              <a:rPr lang="en-US" sz="2400" dirty="0"/>
               <a:t>Rather than in the directory that points to it</a:t>
             </a:r>
           </a:p>
@@ -41008,7 +39966,7 @@
               </a:lnSpc>
             </a:pPr>
             <a:r>
-              <a:rPr lang="en-US" dirty="0" smtClean="0"/>
+              <a:rPr lang="en-US" dirty="0"/>
               <a:t>UNIX Fast File System (FFS) BSD 4.2 Locality Heuristics:</a:t>
             </a:r>
           </a:p>
@@ -41019,7 +39977,7 @@
               </a:lnSpc>
             </a:pPr>
             <a:r>
-              <a:rPr lang="en-US" sz="2400" dirty="0" smtClean="0"/>
+              <a:rPr lang="en-US" sz="2400" dirty="0"/>
               <a:t>Block group placement</a:t>
             </a:r>
           </a:p>
@@ -41030,7 +39988,7 @@
               </a:lnSpc>
             </a:pPr>
             <a:r>
-              <a:rPr lang="en-US" sz="2400" dirty="0" smtClean="0"/>
+              <a:rPr lang="en-US" sz="2400" dirty="0"/>
               <a:t>Reserve space</a:t>
             </a:r>
           </a:p>
@@ -41041,7 +39999,7 @@
               </a:lnSpc>
             </a:pPr>
             <a:r>
-              <a:rPr lang="en-US" dirty="0" smtClean="0"/>
+              <a:rPr lang="en-US" dirty="0"/>
               <a:t>Scalable directory structure</a:t>
             </a:r>
           </a:p>
@@ -41051,7 +40009,7 @@
                 <a:spcPct val="100000"/>
               </a:lnSpc>
             </a:pPr>
-            <a:endParaRPr lang="en-US" dirty="0" smtClean="0"/>
+            <a:endParaRPr lang="en-US" dirty="0"/>
           </a:p>
         </p:txBody>
       </p:sp>
@@ -41592,7 +40550,7 @@
         <a:effectLst/>
         <a:extLst>
           <a:ext uri="{AF507438-7753-43e0-B8FC-AC1667EBCBE1}">
-            <a14:hiddenEffects xmlns:a14="http://schemas.microsoft.com/office/drawing/2010/main" xmlns="">
+            <a14:hiddenEffects xmlns="" xmlns:a14="http://schemas.microsoft.com/office/drawing/2010/main">
               <a:effectLst>
                 <a:outerShdw dist="35921" dir="2700000" algn="ctr" rotWithShape="0">
                   <a:schemeClr val="bg2"/>
@@ -41665,7 +40623,7 @@
         <a:effectLst/>
         <a:extLst>
           <a:ext uri="{AF507438-7753-43e0-B8FC-AC1667EBCBE1}">
-            <a14:hiddenEffects xmlns:a14="http://schemas.microsoft.com/office/drawing/2010/main" xmlns="">
+            <a14:hiddenEffects xmlns="" xmlns:a14="http://schemas.microsoft.com/office/drawing/2010/main">
               <a:effectLst>
                 <a:outerShdw dist="35921" dir="2700000" algn="ctr" rotWithShape="0">
                   <a:schemeClr val="bg2"/>
